--- a/SEG 2505 Presentation.pptx
+++ b/SEG 2505 Presentation.pptx
@@ -112,6 +112,11 @@
       </a:defRPr>
     </a:lvl9pPr>
   </p:defaultTextStyle>
+  <p:extLst>
+    <p:ext uri="{EFAFB233-063F-42B5-8137-9DF3F51BA10A}">
+      <p15:sldGuideLst xmlns:p15="http://schemas.microsoft.com/office/powerpoint/2012/main"/>
+    </p:ext>
+  </p:extLst>
 </p:presentation>
 </file>
 
@@ -197,7 +202,7 @@
           <a:p>
             <a:fld id="{31F0B109-C435-BC48-A445-C8CD78535697}" type="datetimeFigureOut">
               <a:rPr lang="fr-CA" smtClean="0"/>
-              <a:t>19-11-24</a:t>
+              <a:t>19-11-26</a:t>
             </a:fld>
             <a:endParaRPr lang="fr-CA"/>
           </a:p>
@@ -604,7 +609,7 @@
           <a:p>
             <a:fld id="{7B72BD9A-E31F-0C42-B0A4-E107C3716742}" type="datetimeFigureOut">
               <a:rPr lang="en-US" smtClean="0"/>
-              <a:t>11/24/19</a:t>
+              <a:t>11/26/19</a:t>
             </a:fld>
             <a:endParaRPr lang="en-US"/>
           </a:p>
@@ -810,7 +815,7 @@
           <a:p>
             <a:fld id="{7B72BD9A-E31F-0C42-B0A4-E107C3716742}" type="datetimeFigureOut">
               <a:rPr lang="en-US" smtClean="0"/>
-              <a:t>11/24/19</a:t>
+              <a:t>11/26/19</a:t>
             </a:fld>
             <a:endParaRPr lang="en-US"/>
           </a:p>
@@ -1020,7 +1025,7 @@
           <a:p>
             <a:fld id="{7B72BD9A-E31F-0C42-B0A4-E107C3716742}" type="datetimeFigureOut">
               <a:rPr lang="en-US" smtClean="0"/>
-              <a:t>11/24/19</a:t>
+              <a:t>11/26/19</a:t>
             </a:fld>
             <a:endParaRPr lang="en-US"/>
           </a:p>
@@ -1129,7 +1134,7 @@
           <p:cNvPr id="2" name="Footer Placeholder 4">
             <a:extLst>
               <a:ext uri="{FF2B5EF4-FFF2-40B4-BE49-F238E27FC236}">
-                <a16:creationId xmlns:a16="http://schemas.microsoft.com/office/drawing/2014/main" xmlns="" id="{FE0B4600-FE96-404A-B73F-81B7A07C97DA}"/>
+                <a16:creationId xmlns="" xmlns:a16="http://schemas.microsoft.com/office/drawing/2014/main" id="{FE0B4600-FE96-404A-B73F-81B7A07C97DA}"/>
               </a:ext>
             </a:extLst>
           </p:cNvPr>
@@ -1164,7 +1169,7 @@
           <p:cNvPr id="3" name="Slide Number Placeholder 5">
             <a:extLst>
               <a:ext uri="{FF2B5EF4-FFF2-40B4-BE49-F238E27FC236}">
-                <a16:creationId xmlns:a16="http://schemas.microsoft.com/office/drawing/2014/main" xmlns="" id="{8B045D73-54B8-43EC-BB26-D49545AB28CC}"/>
+                <a16:creationId xmlns="" xmlns:a16="http://schemas.microsoft.com/office/drawing/2014/main" id="{8B045D73-54B8-43EC-BB26-D49545AB28CC}"/>
               </a:ext>
             </a:extLst>
           </p:cNvPr>
@@ -1236,7 +1241,7 @@
           <p:cNvPr id="2" name="Footer Placeholder 4">
             <a:extLst>
               <a:ext uri="{FF2B5EF4-FFF2-40B4-BE49-F238E27FC236}">
-                <a16:creationId xmlns:a16="http://schemas.microsoft.com/office/drawing/2014/main" xmlns="" id="{3B3C299F-D30B-4B01-B66D-6D655AFCEEB8}"/>
+                <a16:creationId xmlns="" xmlns:a16="http://schemas.microsoft.com/office/drawing/2014/main" id="{3B3C299F-D30B-4B01-B66D-6D655AFCEEB8}"/>
               </a:ext>
             </a:extLst>
           </p:cNvPr>
@@ -1271,7 +1276,7 @@
           <p:cNvPr id="3" name="Slide Number Placeholder 5">
             <a:extLst>
               <a:ext uri="{FF2B5EF4-FFF2-40B4-BE49-F238E27FC236}">
-                <a16:creationId xmlns:a16="http://schemas.microsoft.com/office/drawing/2014/main" xmlns="" id="{9FD2738E-8B79-4145-AA17-9AE878E40085}"/>
+                <a16:creationId xmlns="" xmlns:a16="http://schemas.microsoft.com/office/drawing/2014/main" id="{9FD2738E-8B79-4145-AA17-9AE878E40085}"/>
               </a:ext>
             </a:extLst>
           </p:cNvPr>
@@ -1430,7 +1435,7 @@
           <a:p>
             <a:fld id="{7B72BD9A-E31F-0C42-B0A4-E107C3716742}" type="datetimeFigureOut">
               <a:rPr lang="en-US" smtClean="0"/>
-              <a:t>11/24/19</a:t>
+              <a:t>11/26/19</a:t>
             </a:fld>
             <a:endParaRPr lang="en-US"/>
           </a:p>
@@ -1704,7 +1709,7 @@
           <a:p>
             <a:fld id="{7B72BD9A-E31F-0C42-B0A4-E107C3716742}" type="datetimeFigureOut">
               <a:rPr lang="en-US" smtClean="0"/>
-              <a:t>11/24/19</a:t>
+              <a:t>11/26/19</a:t>
             </a:fld>
             <a:endParaRPr lang="en-US"/>
           </a:p>
@@ -1967,7 +1972,7 @@
           <a:p>
             <a:fld id="{7B72BD9A-E31F-0C42-B0A4-E107C3716742}" type="datetimeFigureOut">
               <a:rPr lang="en-US" smtClean="0"/>
-              <a:t>11/24/19</a:t>
+              <a:t>11/26/19</a:t>
             </a:fld>
             <a:endParaRPr lang="en-US"/>
           </a:p>
@@ -2378,7 +2383,7 @@
           <a:p>
             <a:fld id="{7B72BD9A-E31F-0C42-B0A4-E107C3716742}" type="datetimeFigureOut">
               <a:rPr lang="en-US" smtClean="0"/>
-              <a:t>11/24/19</a:t>
+              <a:t>11/26/19</a:t>
             </a:fld>
             <a:endParaRPr lang="en-US"/>
           </a:p>
@@ -2522,7 +2527,7 @@
           <a:p>
             <a:fld id="{7B72BD9A-E31F-0C42-B0A4-E107C3716742}" type="datetimeFigureOut">
               <a:rPr lang="en-US" smtClean="0"/>
-              <a:t>11/24/19</a:t>
+              <a:t>11/26/19</a:t>
             </a:fld>
             <a:endParaRPr lang="en-US"/>
           </a:p>
@@ -2643,7 +2648,7 @@
           <a:p>
             <a:fld id="{7B72BD9A-E31F-0C42-B0A4-E107C3716742}" type="datetimeFigureOut">
               <a:rPr lang="en-US" smtClean="0"/>
-              <a:t>11/24/19</a:t>
+              <a:t>11/26/19</a:t>
             </a:fld>
             <a:endParaRPr lang="en-US"/>
           </a:p>
@@ -2889,7 +2894,7 @@
           <a:p>
             <a:fld id="{7B72BD9A-E31F-0C42-B0A4-E107C3716742}" type="datetimeFigureOut">
               <a:rPr lang="en-US" smtClean="0"/>
-              <a:t>11/24/19</a:t>
+              <a:t>11/26/19</a:t>
             </a:fld>
             <a:endParaRPr lang="en-US"/>
           </a:p>
@@ -3329,7 +3334,7 @@
           <a:p>
             <a:fld id="{7B72BD9A-E31F-0C42-B0A4-E107C3716742}" type="datetimeFigureOut">
               <a:rPr lang="en-US" smtClean="0"/>
-              <a:t>11/24/19</a:t>
+              <a:t>11/26/19</a:t>
             </a:fld>
             <a:endParaRPr lang="en-US"/>
           </a:p>
@@ -3650,7 +3655,7 @@
           <a:p>
             <a:fld id="{7B72BD9A-E31F-0C42-B0A4-E107C3716742}" type="datetimeFigureOut">
               <a:rPr lang="en-US" smtClean="0"/>
-              <a:t>11/24/19</a:t>
+              <a:t>11/26/19</a:t>
             </a:fld>
             <a:endParaRPr lang="en-US"/>
           </a:p>
@@ -4143,7 +4148,7 @@
           <p:cNvPr id="2" name="TextBox 3">
             <a:extLst>
               <a:ext uri="{FF2B5EF4-FFF2-40B4-BE49-F238E27FC236}">
-                <a16:creationId xmlns:a16="http://schemas.microsoft.com/office/drawing/2014/main" xmlns="" id="{B2F7EF7E-4278-4019-9870-4575EA849C9F}"/>
+                <a16:creationId xmlns="" xmlns:a16="http://schemas.microsoft.com/office/drawing/2014/main" id="{B2F7EF7E-4278-4019-9870-4575EA849C9F}"/>
               </a:ext>
             </a:extLst>
           </p:cNvPr>
@@ -4241,7 +4246,7 @@
           <p:cNvPr id="3" name="TextBox 5">
             <a:extLst>
               <a:ext uri="{FF2B5EF4-FFF2-40B4-BE49-F238E27FC236}">
-                <a16:creationId xmlns:a16="http://schemas.microsoft.com/office/drawing/2014/main" xmlns="" id="{E8195597-E062-4FDC-B48C-C77ABF445E05}"/>
+                <a16:creationId xmlns="" xmlns:a16="http://schemas.microsoft.com/office/drawing/2014/main" id="{E8195597-E062-4FDC-B48C-C77ABF445E05}"/>
               </a:ext>
             </a:extLst>
           </p:cNvPr>
@@ -4349,7 +4354,7 @@
           <p:cNvPr id="4" name="TextBox 4">
             <a:extLst>
               <a:ext uri="{FF2B5EF4-FFF2-40B4-BE49-F238E27FC236}">
-                <a16:creationId xmlns:a16="http://schemas.microsoft.com/office/drawing/2014/main" xmlns="" id="{64824146-55D2-4890-B4E7-49C155A241BC}"/>
+                <a16:creationId xmlns="" xmlns:a16="http://schemas.microsoft.com/office/drawing/2014/main" id="{64824146-55D2-4890-B4E7-49C155A241BC}"/>
               </a:ext>
             </a:extLst>
           </p:cNvPr>
@@ -4762,7 +4767,7 @@
           <p:cNvPr id="5" name="Picture 7" descr="A close up of a sign&#10;&#10;Description generated with very high confidence">
             <a:extLst>
               <a:ext uri="{FF2B5EF4-FFF2-40B4-BE49-F238E27FC236}">
-                <a16:creationId xmlns:a16="http://schemas.microsoft.com/office/drawing/2014/main" xmlns="" id="{A31D30B6-D65B-49BC-89C0-23C4B3BC7B05}"/>
+                <a16:creationId xmlns="" xmlns:a16="http://schemas.microsoft.com/office/drawing/2014/main" id="{A31D30B6-D65B-49BC-89C0-23C4B3BC7B05}"/>
               </a:ext>
             </a:extLst>
           </p:cNvPr>
@@ -4796,7 +4801,7 @@
           <p:cNvPr id="6" name="Parchemin : horizontal 14">
             <a:extLst>
               <a:ext uri="{FF2B5EF4-FFF2-40B4-BE49-F238E27FC236}">
-                <a16:creationId xmlns:a16="http://schemas.microsoft.com/office/drawing/2014/main" xmlns="" id="{EA012110-6A81-4B2A-8301-A7D7B0B7E3F2}"/>
+                <a16:creationId xmlns="" xmlns:a16="http://schemas.microsoft.com/office/drawing/2014/main" id="{EA012110-6A81-4B2A-8301-A7D7B0B7E3F2}"/>
               </a:ext>
             </a:extLst>
           </p:cNvPr>
@@ -5142,15 +5147,37 @@
         </p:nvSpPr>
         <p:spPr>
           <a:xfrm>
-            <a:off x="546118" y="3006726"/>
+            <a:off x="957262" y="2185225"/>
             <a:ext cx="6097570" cy="865187"/>
           </a:xfrm>
         </p:spPr>
         <p:txBody>
-          <a:bodyPr/>
+          <a:bodyPr>
+            <a:noAutofit/>
+          </a:bodyPr>
           <a:lstStyle/>
           <a:p>
-            <a:endParaRPr lang="en-US" dirty="0"/>
+            <a:pPr marL="342900" lvl="0" indent="-342900">
+              <a:buFont typeface="Wingdings" pitchFamily="34"/>
+              <a:buChar char="Ø"/>
+            </a:pPr>
+            <a:r>
+              <a:rPr lang="en-US" sz="2000" dirty="0" err="1" smtClean="0"/>
+              <a:t>C’est</a:t>
+            </a:r>
+            <a:r>
+              <a:rPr lang="en-US" sz="2000" dirty="0" smtClean="0"/>
+              <a:t> quoi la </a:t>
+            </a:r>
+            <a:r>
+              <a:rPr lang="en-US" sz="2000" dirty="0" err="1" smtClean="0"/>
+              <a:t>clinique</a:t>
+            </a:r>
+            <a:r>
+              <a:rPr lang="en-US" sz="2000" dirty="0" smtClean="0"/>
+              <a:t>?</a:t>
+            </a:r>
+            <a:endParaRPr lang="en-US" sz="2000" dirty="0"/>
           </a:p>
         </p:txBody>
       </p:sp>
@@ -5159,7 +5186,7 @@
           <p:cNvPr id="4" name="Picture 5">
             <a:extLst>
               <a:ext uri="{FF2B5EF4-FFF2-40B4-BE49-F238E27FC236}">
-                <a16:creationId xmlns:a16="http://schemas.microsoft.com/office/drawing/2014/main" xmlns="" id="{B5A5B3E5-14C4-48CA-8609-9241986E0C6D}"/>
+                <a16:creationId xmlns="" xmlns:a16="http://schemas.microsoft.com/office/drawing/2014/main" id="{B5A5B3E5-14C4-48CA-8609-9241986E0C6D}"/>
               </a:ext>
             </a:extLst>
           </p:cNvPr>
@@ -5177,7 +5204,7 @@
         </p:blipFill>
         <p:spPr>
           <a:xfrm>
-            <a:off x="7229474" y="1658938"/>
+            <a:off x="7443786" y="2487613"/>
             <a:ext cx="4548188" cy="3648135"/>
           </a:xfrm>
           <a:prstGeom prst="rect">
@@ -5231,7 +5258,7 @@
           <p:cNvPr id="2" name="Title 1">
             <a:extLst>
               <a:ext uri="{FF2B5EF4-FFF2-40B4-BE49-F238E27FC236}">
-                <a16:creationId xmlns:a16="http://schemas.microsoft.com/office/drawing/2014/main" xmlns="" id="{9D31916C-EB41-4547-B4B1-8A73ECBFD18E}"/>
+                <a16:creationId xmlns="" xmlns:a16="http://schemas.microsoft.com/office/drawing/2014/main" id="{9D31916C-EB41-4547-B4B1-8A73ECBFD18E}"/>
               </a:ext>
             </a:extLst>
           </p:cNvPr>
@@ -5244,7 +5271,7 @@
         </p:nvSpPr>
         <p:spPr>
           <a:xfrm>
-            <a:off x="428625" y="428625"/>
+            <a:off x="428625" y="442912"/>
             <a:ext cx="11763375" cy="1425575"/>
           </a:xfrm>
           <a:prstGeom prst="rect">
@@ -5283,7 +5310,7 @@
           <p:cNvPr id="3" name="Content Placeholder 2">
             <a:extLst>
               <a:ext uri="{FF2B5EF4-FFF2-40B4-BE49-F238E27FC236}">
-                <a16:creationId xmlns:a16="http://schemas.microsoft.com/office/drawing/2014/main" xmlns="" id="{27C5A7BF-CBE4-431D-83B3-2829D4333BC5}"/>
+                <a16:creationId xmlns="" xmlns:a16="http://schemas.microsoft.com/office/drawing/2014/main" id="{27C5A7BF-CBE4-431D-83B3-2829D4333BC5}"/>
               </a:ext>
             </a:extLst>
           </p:cNvPr>
@@ -5296,7 +5323,7 @@
         </p:nvSpPr>
         <p:spPr>
           <a:xfrm>
-            <a:off x="0" y="1854200"/>
+            <a:off x="1128713" y="1682750"/>
             <a:ext cx="5884863" cy="3536950"/>
           </a:xfrm>
           <a:prstGeom prst="rect">
@@ -5318,31 +5345,39 @@
               <a:buChar char="Ø"/>
             </a:pPr>
             <a:r>
-              <a:rPr lang="fr-CA" dirty="0" smtClean="0"/>
+              <a:rPr lang="fr-CA" sz="2400" dirty="0" smtClean="0"/>
               <a:t>Planifications</a:t>
             </a:r>
             <a:r>
-              <a:rPr lang="en-US" dirty="0" smtClean="0"/>
-              <a:t> des taches</a:t>
-            </a:r>
-            <a:endParaRPr lang="en-US" dirty="0"/>
+              <a:rPr lang="en-US" sz="2400" dirty="0" smtClean="0"/>
+              <a:t> des </a:t>
+            </a:r>
+            <a:r>
+              <a:rPr lang="en-US" sz="2400" dirty="0" smtClean="0"/>
+              <a:t>taches</a:t>
+            </a:r>
+            <a:endParaRPr lang="en-US" sz="2400" dirty="0" smtClean="0"/>
           </a:p>
           <a:p>
             <a:pPr marL="342900" lvl="0" indent="-342900">
               <a:buFont typeface="Wingdings" pitchFamily="34"/>
               <a:buChar char="Ø"/>
             </a:pPr>
-            <a:endParaRPr lang="en-US" dirty="0" smtClean="0"/>
+            <a:r>
+              <a:rPr lang="en-US" sz="2400" dirty="0" err="1" smtClean="0"/>
+              <a:t>Organisation</a:t>
+            </a:r>
+            <a:r>
+              <a:rPr lang="en-US" sz="2400" dirty="0" smtClean="0"/>
+              <a:t> du travail</a:t>
+            </a:r>
           </a:p>
           <a:p>
             <a:pPr marL="342900" lvl="0" indent="-342900">
               <a:buFont typeface="Wingdings" pitchFamily="34"/>
               <a:buChar char="Ø"/>
             </a:pPr>
-            <a:r>
-              <a:rPr lang="en-US" dirty="0"/>
-              <a:t> </a:t>
-            </a:r>
+            <a:endParaRPr lang="fr-CA" dirty="0"/>
           </a:p>
         </p:txBody>
       </p:sp>
@@ -5436,33 +5471,49 @@
           </a:p>
           <a:p>
             <a:r>
+              <a:rPr lang="fr-CA" dirty="0" smtClean="0"/>
+              <a:t>Clients</a:t>
+            </a:r>
+            <a:endParaRPr lang="fr-CA" dirty="0" smtClean="0"/>
+          </a:p>
+          <a:p>
+            <a:r>
+              <a:rPr lang="fr-CA" dirty="0" smtClean="0"/>
+              <a:t>Efficacité </a:t>
+            </a:r>
+            <a:endParaRPr lang="fr-CA" dirty="0" smtClean="0"/>
+          </a:p>
+          <a:p>
+            <a:r>
+              <a:rPr lang="fr-CA" dirty="0" smtClean="0"/>
+              <a:t>Utilisabilité</a:t>
+            </a:r>
+            <a:endParaRPr lang="fr-CA" dirty="0" smtClean="0"/>
+          </a:p>
+          <a:p>
+            <a:r>
+              <a:rPr lang="fr-CA" dirty="0" smtClean="0"/>
+              <a:t>Sécurité </a:t>
+            </a:r>
+          </a:p>
+          <a:p>
+            <a:r>
               <a:rPr lang="fr-CA" dirty="0" err="1" smtClean="0"/>
-              <a:t>Efficicaite</a:t>
+              <a:t>Qualite</a:t>
             </a:r>
             <a:r>
               <a:rPr lang="fr-CA" dirty="0" smtClean="0"/>
+              <a:t> du logiciel????</a:t>
+            </a:r>
+            <a:r>
+              <a:rPr lang="en-US" dirty="0"/>
               <a:t> </a:t>
             </a:r>
-          </a:p>
-          <a:p>
-            <a:r>
-              <a:rPr lang="fr-CA" dirty="0" err="1" smtClean="0"/>
-              <a:t>Utilisabilite</a:t>
+            <a:r>
+              <a:rPr lang="en-US" dirty="0" smtClean="0"/>
+              <a:t>// new slide or ?</a:t>
             </a:r>
             <a:endParaRPr lang="fr-CA" dirty="0" smtClean="0"/>
-          </a:p>
-          <a:p>
-            <a:r>
-              <a:rPr lang="fr-CA" dirty="0" err="1" smtClean="0"/>
-              <a:t>Securite</a:t>
-            </a:r>
-            <a:r>
-              <a:rPr lang="fr-CA" dirty="0" smtClean="0"/>
-              <a:t> </a:t>
-            </a:r>
-          </a:p>
-          <a:p>
-            <a:endParaRPr lang="en-US" dirty="0"/>
           </a:p>
         </p:txBody>
       </p:sp>
@@ -5541,29 +5592,31 @@
             <p:ph idx="1"/>
           </p:nvPr>
         </p:nvSpPr>
-        <p:spPr/>
-        <p:txBody>
-          <a:bodyPr/>
+        <p:spPr>
+          <a:xfrm>
+            <a:off x="580042" y="2044307"/>
+            <a:ext cx="9603275" cy="3450613"/>
+          </a:xfrm>
+          <a:noFill/>
+        </p:spPr>
+        <p:txBody>
+          <a:bodyPr>
+            <a:normAutofit/>
+          </a:bodyPr>
           <a:lstStyle/>
           <a:p>
-            <a:pPr marL="0" marR="0" lvl="0" indent="0" defTabSz="914400" eaLnBrk="1" fontAlgn="auto" latinLnBrk="0" hangingPunct="1">
-              <a:lnSpc>
-                <a:spcPct val="100000"/>
-              </a:lnSpc>
-              <a:spcBef>
-                <a:spcPts val="0"/>
-              </a:spcBef>
-              <a:spcAft>
-                <a:spcPts val="0"/>
-              </a:spcAft>
-              <a:buClrTx/>
-              <a:buSzTx/>
-              <a:buFontTx/>
-              <a:buNone/>
-              <a:tabLst/>
-              <a:defRPr/>
+            <a:pPr marL="342900" indent="-342900">
+              <a:buFont typeface="Wingdings" pitchFamily="34"/>
+              <a:buChar char="Ø"/>
             </a:pPr>
-            <a:endParaRPr lang="en-US" dirty="0"/>
+            <a:r>
+              <a:rPr lang="fr-CA" sz="2800" dirty="0" smtClean="0"/>
+              <a:t>Leçons</a:t>
+            </a:r>
+            <a:r>
+              <a:rPr lang="en-US" sz="2800" dirty="0" smtClean="0"/>
+              <a:t> apprises</a:t>
+            </a:r>
           </a:p>
         </p:txBody>
       </p:sp>
@@ -5609,7 +5662,7 @@
           <p:cNvPr id="3" name="Straight Connector 11">
             <a:extLst>
               <a:ext uri="{FF2B5EF4-FFF2-40B4-BE49-F238E27FC236}">
-                <a16:creationId xmlns:a16="http://schemas.microsoft.com/office/drawing/2014/main" xmlns="" id="{F9401581-7AB4-425B-9BC3-DB81FBD10012}"/>
+                <a16:creationId xmlns="" xmlns:a16="http://schemas.microsoft.com/office/drawing/2014/main" id="{F9401581-7AB4-425B-9BC3-DB81FBD10012}"/>
               </a:ext>
             </a:extLst>
           </p:cNvPr>
@@ -5640,7 +5693,7 @@
           <p:cNvPr id="5" name="Rectangle 13">
             <a:extLst>
               <a:ext uri="{FF2B5EF4-FFF2-40B4-BE49-F238E27FC236}">
-                <a16:creationId xmlns:a16="http://schemas.microsoft.com/office/drawing/2014/main" xmlns="" id="{3FD82B9E-7E33-479D-A5EC-878B639FF122}"/>
+                <a16:creationId xmlns="" xmlns:a16="http://schemas.microsoft.com/office/drawing/2014/main" id="{3FD82B9E-7E33-479D-A5EC-878B639FF122}"/>
               </a:ext>
             </a:extLst>
           </p:cNvPr>
@@ -5704,7 +5757,7 @@
           <p:cNvPr id="6" name="TextBox 3">
             <a:extLst>
               <a:ext uri="{FF2B5EF4-FFF2-40B4-BE49-F238E27FC236}">
-                <a16:creationId xmlns:a16="http://schemas.microsoft.com/office/drawing/2014/main" xmlns="" id="{E25F79C7-92C6-439F-8486-353EE46C207D}"/>
+                <a16:creationId xmlns="" xmlns:a16="http://schemas.microsoft.com/office/drawing/2014/main" id="{E25F79C7-92C6-439F-8486-353EE46C207D}"/>
               </a:ext>
             </a:extLst>
           </p:cNvPr>
@@ -5769,7 +5822,7 @@
           <p:cNvPr id="11" name="Picture 19">
             <a:extLst>
               <a:ext uri="{FF2B5EF4-FFF2-40B4-BE49-F238E27FC236}">
-                <a16:creationId xmlns:a16="http://schemas.microsoft.com/office/drawing/2014/main" xmlns="" id="{62B382B9-292E-47BE-9C4B-FCA10CD29B82}"/>
+                <a16:creationId xmlns="" xmlns:a16="http://schemas.microsoft.com/office/drawing/2014/main" id="{62B382B9-292E-47BE-9C4B-FCA10CD29B82}"/>
               </a:ext>
             </a:extLst>
           </p:cNvPr>
@@ -5804,7 +5857,7 @@
           <p:cNvPr id="12" name="Straight Connector 21">
             <a:extLst>
               <a:ext uri="{FF2B5EF4-FFF2-40B4-BE49-F238E27FC236}">
-                <a16:creationId xmlns:a16="http://schemas.microsoft.com/office/drawing/2014/main" xmlns="" id="{3EAC13E9-E12C-4916-A060-953E50C0B8B6}"/>
+                <a16:creationId xmlns="" xmlns:a16="http://schemas.microsoft.com/office/drawing/2014/main" id="{3EAC13E9-E12C-4916-A060-953E50C0B8B6}"/>
               </a:ext>
             </a:extLst>
           </p:cNvPr>
@@ -5837,7 +5890,7 @@
           <p:cNvPr id="13" name="TextBox 8">
             <a:extLst>
               <a:ext uri="{FF2B5EF4-FFF2-40B4-BE49-F238E27FC236}">
-                <a16:creationId xmlns:a16="http://schemas.microsoft.com/office/drawing/2014/main" xmlns="" id="{3647030B-605A-4AD0-AEDA-34BDD2CF6269}"/>
+                <a16:creationId xmlns="" xmlns:a16="http://schemas.microsoft.com/office/drawing/2014/main" id="{3647030B-605A-4AD0-AEDA-34BDD2CF6269}"/>
               </a:ext>
             </a:extLst>
           </p:cNvPr>

--- a/SEG 2505 Presentation.pptx
+++ b/SEG 2505 Presentation.pptx
@@ -5119,8 +5119,8 @@
         </p:nvSpPr>
         <p:spPr>
           <a:xfrm>
-            <a:off x="214312" y="114300"/>
-            <a:ext cx="8053387" cy="1544638"/>
+            <a:off x="624468" y="245326"/>
+            <a:ext cx="7643231" cy="1413611"/>
           </a:xfrm>
         </p:spPr>
         <p:txBody>
@@ -5290,18 +5290,18 @@
           <a:p>
             <a:pPr lvl="0"/>
             <a:r>
-              <a:rPr lang="en-US" i="1"/>
+              <a:rPr lang="en-US" sz="5400" i="1" dirty="0"/>
               <a:t>Rencontre entre LES </a:t>
             </a:r>
             <a:r>
-              <a:rPr lang="en-US" i="1" dirty="0" err="1"/>
+              <a:rPr lang="en-US" sz="5400" i="1" dirty="0" err="1"/>
               <a:t>membres</a:t>
             </a:r>
             <a:r>
-              <a:rPr lang="en-US" i="1" dirty="0"/>
+              <a:rPr lang="en-US" sz="5400" i="1" dirty="0"/>
               <a:t> </a:t>
             </a:r>
-            <a:endParaRPr lang="en-US" dirty="0"/>
+            <a:endParaRPr lang="en-US" sz="5400" dirty="0"/>
           </a:p>
         </p:txBody>
       </p:sp>
@@ -5350,13 +5350,8 @@
             </a:r>
             <a:r>
               <a:rPr lang="en-US" sz="2400" dirty="0" smtClean="0"/>
-              <a:t> des </a:t>
-            </a:r>
-            <a:r>
-              <a:rPr lang="en-US" sz="2400" dirty="0" smtClean="0"/>
-              <a:t>taches</a:t>
-            </a:r>
-            <a:endParaRPr lang="en-US" sz="2400" dirty="0" smtClean="0"/>
+              <a:t> des taches</a:t>
+            </a:r>
           </a:p>
           <a:p>
             <a:pPr marL="342900" lvl="0" indent="-342900">
@@ -5438,33 +5433,35 @@
           </a:xfrm>
         </p:spPr>
         <p:txBody>
+          <a:bodyPr>
+            <a:normAutofit/>
+          </a:bodyPr>
+          <a:lstStyle/>
+          <a:p>
+            <a:r>
+              <a:rPr lang="en-US" sz="6000" dirty="0" smtClean="0"/>
+              <a:t>DEMO DE L’APK</a:t>
+            </a:r>
+            <a:endParaRPr lang="en-US" sz="6000" dirty="0"/>
+          </a:p>
+        </p:txBody>
+      </p:sp>
+      <p:sp>
+        <p:nvSpPr>
+          <p:cNvPr id="3" name="Content Placeholder 2"/>
+          <p:cNvSpPr>
+            <a:spLocks noGrp="1"/>
+          </p:cNvSpPr>
+          <p:nvPr>
+            <p:ph idx="1"/>
+          </p:nvPr>
+        </p:nvSpPr>
+        <p:spPr/>
+        <p:txBody>
           <a:bodyPr/>
           <a:lstStyle/>
           <a:p>
             <a:r>
-              <a:rPr lang="en-US" smtClean="0"/>
-              <a:t>DEMO DE L’APK</a:t>
-            </a:r>
-            <a:endParaRPr lang="en-US"/>
-          </a:p>
-        </p:txBody>
-      </p:sp>
-      <p:sp>
-        <p:nvSpPr>
-          <p:cNvPr id="3" name="Content Placeholder 2"/>
-          <p:cNvSpPr>
-            <a:spLocks noGrp="1"/>
-          </p:cNvSpPr>
-          <p:nvPr>
-            <p:ph idx="1"/>
-          </p:nvPr>
-        </p:nvSpPr>
-        <p:spPr/>
-        <p:txBody>
-          <a:bodyPr/>
-          <a:lstStyle/>
-          <a:p>
-            <a:r>
               <a:rPr lang="fr-CA" dirty="0" smtClean="0"/>
               <a:t>Fonctionnalité</a:t>
             </a:r>
@@ -5474,21 +5471,18 @@
               <a:rPr lang="fr-CA" dirty="0" smtClean="0"/>
               <a:t>Clients</a:t>
             </a:r>
-            <a:endParaRPr lang="fr-CA" dirty="0" smtClean="0"/>
           </a:p>
           <a:p>
             <a:r>
               <a:rPr lang="fr-CA" dirty="0" smtClean="0"/>
               <a:t>Efficacité </a:t>
             </a:r>
-            <a:endParaRPr lang="fr-CA" dirty="0" smtClean="0"/>
           </a:p>
           <a:p>
             <a:r>
               <a:rPr lang="fr-CA" dirty="0" smtClean="0"/>
               <a:t>Utilisabilité</a:t>
             </a:r>
-            <a:endParaRPr lang="fr-CA" dirty="0" smtClean="0"/>
           </a:p>
           <a:p>
             <a:r>
@@ -5571,14 +5565,16 @@
           </a:xfrm>
         </p:spPr>
         <p:txBody>
-          <a:bodyPr/>
+          <a:bodyPr>
+            <a:normAutofit/>
+          </a:bodyPr>
           <a:lstStyle/>
           <a:p>
             <a:r>
-              <a:rPr lang="en-US" dirty="0" smtClean="0"/>
+              <a:rPr lang="fr-CA" sz="6000" dirty="0" smtClean="0"/>
               <a:t>Conclusion</a:t>
             </a:r>
-            <a:endParaRPr lang="en-US" dirty="0"/>
+            <a:endParaRPr lang="en-US" sz="6000" dirty="0"/>
           </a:p>
         </p:txBody>
       </p:sp>
@@ -5900,7 +5896,7 @@
         <p:spPr>
           <a:xfrm>
             <a:off x="4984778" y="3044280"/>
-            <a:ext cx="2743200" cy="769440"/>
+            <a:ext cx="2743200" cy="1015663"/>
           </a:xfrm>
           <a:prstGeom prst="rect">
             <a:avLst/>
@@ -5936,7 +5932,7 @@
               </a:defRPr>
             </a:pPr>
             <a:r>
-              <a:rPr lang="en-US" sz="4400" b="0" i="0" u="none" strike="noStrike" kern="1200" cap="none" spc="0" baseline="0" dirty="0">
+              <a:rPr lang="en-US" sz="6000" b="0" i="0" u="none" strike="noStrike" kern="1200" cap="none" spc="0" baseline="0" dirty="0">
                 <a:solidFill>
                   <a:srgbClr val="B71E42"/>
                 </a:solidFill>

--- a/SEG 2505 Presentation.pptx
+++ b/SEG 2505 Presentation.pptx
@@ -118,6 +118,6123 @@
     </p:ext>
   </p:extLst>
 </p:presentation>
+</file>
+
+<file path=ppt/diagrams/colors1.xml><?xml version="1.0" encoding="utf-8"?>
+<dgm:colorsDef xmlns:dgm="http://schemas.openxmlformats.org/drawingml/2006/diagram" xmlns:a="http://schemas.openxmlformats.org/drawingml/2006/main" uniqueId="urn:microsoft.com/office/officeart/2005/8/colors/accent1_2">
+  <dgm:title val=""/>
+  <dgm:desc val=""/>
+  <dgm:catLst>
+    <dgm:cat type="accent1" pri="11200"/>
+  </dgm:catLst>
+  <dgm:styleLbl name="node0">
+    <dgm:fillClrLst meth="repeat">
+      <a:schemeClr val="accent1"/>
+    </dgm:fillClrLst>
+    <dgm:linClrLst meth="repeat">
+      <a:schemeClr val="lt1"/>
+    </dgm:linClrLst>
+    <dgm:effectClrLst/>
+    <dgm:txLinClrLst/>
+    <dgm:txFillClrLst/>
+    <dgm:txEffectClrLst/>
+  </dgm:styleLbl>
+  <dgm:styleLbl name="alignNode1">
+    <dgm:fillClrLst meth="repeat">
+      <a:schemeClr val="accent1"/>
+    </dgm:fillClrLst>
+    <dgm:linClrLst meth="repeat">
+      <a:schemeClr val="accent1"/>
+    </dgm:linClrLst>
+    <dgm:effectClrLst/>
+    <dgm:txLinClrLst/>
+    <dgm:txFillClrLst/>
+    <dgm:txEffectClrLst/>
+  </dgm:styleLbl>
+  <dgm:styleLbl name="node1">
+    <dgm:fillClrLst meth="repeat">
+      <a:schemeClr val="accent1"/>
+    </dgm:fillClrLst>
+    <dgm:linClrLst meth="repeat">
+      <a:schemeClr val="lt1"/>
+    </dgm:linClrLst>
+    <dgm:effectClrLst/>
+    <dgm:txLinClrLst/>
+    <dgm:txFillClrLst/>
+    <dgm:txEffectClrLst/>
+  </dgm:styleLbl>
+  <dgm:styleLbl name="lnNode1">
+    <dgm:fillClrLst meth="repeat">
+      <a:schemeClr val="accent1"/>
+    </dgm:fillClrLst>
+    <dgm:linClrLst meth="repeat">
+      <a:schemeClr val="lt1"/>
+    </dgm:linClrLst>
+    <dgm:effectClrLst/>
+    <dgm:txLinClrLst/>
+    <dgm:txFillClrLst/>
+    <dgm:txEffectClrLst/>
+  </dgm:styleLbl>
+  <dgm:styleLbl name="vennNode1">
+    <dgm:fillClrLst meth="repeat">
+      <a:schemeClr val="accent1">
+        <a:alpha val="50000"/>
+      </a:schemeClr>
+    </dgm:fillClrLst>
+    <dgm:linClrLst meth="repeat">
+      <a:schemeClr val="lt1"/>
+    </dgm:linClrLst>
+    <dgm:effectClrLst/>
+    <dgm:txLinClrLst/>
+    <dgm:txFillClrLst/>
+    <dgm:txEffectClrLst/>
+  </dgm:styleLbl>
+  <dgm:styleLbl name="node2">
+    <dgm:fillClrLst meth="repeat">
+      <a:schemeClr val="accent1"/>
+    </dgm:fillClrLst>
+    <dgm:linClrLst meth="repeat">
+      <a:schemeClr val="lt1"/>
+    </dgm:linClrLst>
+    <dgm:effectClrLst/>
+    <dgm:txLinClrLst/>
+    <dgm:txFillClrLst/>
+    <dgm:txEffectClrLst/>
+  </dgm:styleLbl>
+  <dgm:styleLbl name="node3">
+    <dgm:fillClrLst meth="repeat">
+      <a:schemeClr val="accent1"/>
+    </dgm:fillClrLst>
+    <dgm:linClrLst meth="repeat">
+      <a:schemeClr val="lt1"/>
+    </dgm:linClrLst>
+    <dgm:effectClrLst/>
+    <dgm:txLinClrLst/>
+    <dgm:txFillClrLst/>
+    <dgm:txEffectClrLst/>
+  </dgm:styleLbl>
+  <dgm:styleLbl name="node4">
+    <dgm:fillClrLst meth="repeat">
+      <a:schemeClr val="accent1"/>
+    </dgm:fillClrLst>
+    <dgm:linClrLst meth="repeat">
+      <a:schemeClr val="lt1"/>
+    </dgm:linClrLst>
+    <dgm:effectClrLst/>
+    <dgm:txLinClrLst/>
+    <dgm:txFillClrLst/>
+    <dgm:txEffectClrLst/>
+  </dgm:styleLbl>
+  <dgm:styleLbl name="fgImgPlace1">
+    <dgm:fillClrLst meth="repeat">
+      <a:schemeClr val="accent1">
+        <a:tint val="50000"/>
+      </a:schemeClr>
+    </dgm:fillClrLst>
+    <dgm:linClrLst meth="repeat">
+      <a:schemeClr val="lt1"/>
+    </dgm:linClrLst>
+    <dgm:effectClrLst/>
+    <dgm:txLinClrLst/>
+    <dgm:txFillClrLst meth="repeat">
+      <a:schemeClr val="lt1"/>
+    </dgm:txFillClrLst>
+    <dgm:txEffectClrLst/>
+  </dgm:styleLbl>
+  <dgm:styleLbl name="alignImgPlace1">
+    <dgm:fillClrLst meth="repeat">
+      <a:schemeClr val="accent1">
+        <a:tint val="50000"/>
+      </a:schemeClr>
+    </dgm:fillClrLst>
+    <dgm:linClrLst meth="repeat">
+      <a:schemeClr val="lt1"/>
+    </dgm:linClrLst>
+    <dgm:effectClrLst/>
+    <dgm:txLinClrLst/>
+    <dgm:txFillClrLst meth="repeat">
+      <a:schemeClr val="lt1"/>
+    </dgm:txFillClrLst>
+    <dgm:txEffectClrLst/>
+  </dgm:styleLbl>
+  <dgm:styleLbl name="bgImgPlace1">
+    <dgm:fillClrLst meth="repeat">
+      <a:schemeClr val="accent1">
+        <a:tint val="50000"/>
+      </a:schemeClr>
+    </dgm:fillClrLst>
+    <dgm:linClrLst meth="repeat">
+      <a:schemeClr val="lt1"/>
+    </dgm:linClrLst>
+    <dgm:effectClrLst/>
+    <dgm:txLinClrLst/>
+    <dgm:txFillClrLst meth="repeat">
+      <a:schemeClr val="lt1"/>
+    </dgm:txFillClrLst>
+    <dgm:txEffectClrLst/>
+  </dgm:styleLbl>
+  <dgm:styleLbl name="sibTrans2D1">
+    <dgm:fillClrLst meth="repeat">
+      <a:schemeClr val="accent1">
+        <a:tint val="60000"/>
+      </a:schemeClr>
+    </dgm:fillClrLst>
+    <dgm:linClrLst meth="repeat">
+      <a:schemeClr val="accent1">
+        <a:tint val="60000"/>
+      </a:schemeClr>
+    </dgm:linClrLst>
+    <dgm:effectClrLst/>
+    <dgm:txLinClrLst/>
+    <dgm:txFillClrLst/>
+    <dgm:txEffectClrLst/>
+  </dgm:styleLbl>
+  <dgm:styleLbl name="fgSibTrans2D1">
+    <dgm:fillClrLst meth="repeat">
+      <a:schemeClr val="accent1">
+        <a:tint val="60000"/>
+      </a:schemeClr>
+    </dgm:fillClrLst>
+    <dgm:linClrLst meth="repeat">
+      <a:schemeClr val="accent1">
+        <a:tint val="60000"/>
+      </a:schemeClr>
+    </dgm:linClrLst>
+    <dgm:effectClrLst/>
+    <dgm:txLinClrLst/>
+    <dgm:txFillClrLst/>
+    <dgm:txEffectClrLst/>
+  </dgm:styleLbl>
+  <dgm:styleLbl name="bgSibTrans2D1">
+    <dgm:fillClrLst meth="repeat">
+      <a:schemeClr val="accent1">
+        <a:tint val="60000"/>
+      </a:schemeClr>
+    </dgm:fillClrLst>
+    <dgm:linClrLst meth="repeat">
+      <a:schemeClr val="accent1">
+        <a:tint val="60000"/>
+      </a:schemeClr>
+    </dgm:linClrLst>
+    <dgm:effectClrLst/>
+    <dgm:txLinClrLst/>
+    <dgm:txFillClrLst/>
+    <dgm:txEffectClrLst/>
+  </dgm:styleLbl>
+  <dgm:styleLbl name="sibTrans1D1">
+    <dgm:fillClrLst meth="repeat">
+      <a:schemeClr val="accent1"/>
+    </dgm:fillClrLst>
+    <dgm:linClrLst meth="repeat">
+      <a:schemeClr val="accent1"/>
+    </dgm:linClrLst>
+    <dgm:effectClrLst/>
+    <dgm:txLinClrLst/>
+    <dgm:txFillClrLst meth="repeat">
+      <a:schemeClr val="tx1"/>
+    </dgm:txFillClrLst>
+    <dgm:txEffectClrLst/>
+  </dgm:styleLbl>
+  <dgm:styleLbl name="callout">
+    <dgm:fillClrLst meth="repeat">
+      <a:schemeClr val="accent1"/>
+    </dgm:fillClrLst>
+    <dgm:linClrLst meth="repeat">
+      <a:schemeClr val="accent1">
+        <a:tint val="50000"/>
+      </a:schemeClr>
+    </dgm:linClrLst>
+    <dgm:effectClrLst/>
+    <dgm:txLinClrLst/>
+    <dgm:txFillClrLst meth="repeat">
+      <a:schemeClr val="tx1"/>
+    </dgm:txFillClrLst>
+    <dgm:txEffectClrLst/>
+  </dgm:styleLbl>
+  <dgm:styleLbl name="asst0">
+    <dgm:fillClrLst meth="repeat">
+      <a:schemeClr val="accent1"/>
+    </dgm:fillClrLst>
+    <dgm:linClrLst meth="repeat">
+      <a:schemeClr val="lt1"/>
+    </dgm:linClrLst>
+    <dgm:effectClrLst/>
+    <dgm:txLinClrLst/>
+    <dgm:txFillClrLst/>
+    <dgm:txEffectClrLst/>
+  </dgm:styleLbl>
+  <dgm:styleLbl name="asst1">
+    <dgm:fillClrLst meth="repeat">
+      <a:schemeClr val="accent1"/>
+    </dgm:fillClrLst>
+    <dgm:linClrLst meth="repeat">
+      <a:schemeClr val="lt1"/>
+    </dgm:linClrLst>
+    <dgm:effectClrLst/>
+    <dgm:txLinClrLst/>
+    <dgm:txFillClrLst/>
+    <dgm:txEffectClrLst/>
+  </dgm:styleLbl>
+  <dgm:styleLbl name="asst2">
+    <dgm:fillClrLst meth="repeat">
+      <a:schemeClr val="accent1"/>
+    </dgm:fillClrLst>
+    <dgm:linClrLst meth="repeat">
+      <a:schemeClr val="lt1"/>
+    </dgm:linClrLst>
+    <dgm:effectClrLst/>
+    <dgm:txLinClrLst/>
+    <dgm:txFillClrLst/>
+    <dgm:txEffectClrLst/>
+  </dgm:styleLbl>
+  <dgm:styleLbl name="asst3">
+    <dgm:fillClrLst meth="repeat">
+      <a:schemeClr val="accent1"/>
+    </dgm:fillClrLst>
+    <dgm:linClrLst meth="repeat">
+      <a:schemeClr val="lt1"/>
+    </dgm:linClrLst>
+    <dgm:effectClrLst/>
+    <dgm:txLinClrLst/>
+    <dgm:txFillClrLst/>
+    <dgm:txEffectClrLst/>
+  </dgm:styleLbl>
+  <dgm:styleLbl name="asst4">
+    <dgm:fillClrLst meth="repeat">
+      <a:schemeClr val="accent1"/>
+    </dgm:fillClrLst>
+    <dgm:linClrLst meth="repeat">
+      <a:schemeClr val="lt1"/>
+    </dgm:linClrLst>
+    <dgm:effectClrLst/>
+    <dgm:txLinClrLst/>
+    <dgm:txFillClrLst/>
+    <dgm:txEffectClrLst/>
+  </dgm:styleLbl>
+  <dgm:styleLbl name="parChTrans2D1">
+    <dgm:fillClrLst meth="repeat">
+      <a:schemeClr val="accent1">
+        <a:tint val="60000"/>
+      </a:schemeClr>
+    </dgm:fillClrLst>
+    <dgm:linClrLst meth="repeat">
+      <a:schemeClr val="accent1">
+        <a:tint val="60000"/>
+      </a:schemeClr>
+    </dgm:linClrLst>
+    <dgm:effectClrLst/>
+    <dgm:txLinClrLst/>
+    <dgm:txFillClrLst meth="repeat">
+      <a:schemeClr val="lt1"/>
+    </dgm:txFillClrLst>
+    <dgm:txEffectClrLst/>
+  </dgm:styleLbl>
+  <dgm:styleLbl name="parChTrans2D2">
+    <dgm:fillClrLst meth="repeat">
+      <a:schemeClr val="accent1"/>
+    </dgm:fillClrLst>
+    <dgm:linClrLst meth="repeat">
+      <a:schemeClr val="accent1"/>
+    </dgm:linClrLst>
+    <dgm:effectClrLst/>
+    <dgm:txLinClrLst/>
+    <dgm:txFillClrLst meth="repeat">
+      <a:schemeClr val="lt1"/>
+    </dgm:txFillClrLst>
+    <dgm:txEffectClrLst/>
+  </dgm:styleLbl>
+  <dgm:styleLbl name="parChTrans2D3">
+    <dgm:fillClrLst meth="repeat">
+      <a:schemeClr val="accent1"/>
+    </dgm:fillClrLst>
+    <dgm:linClrLst meth="repeat">
+      <a:schemeClr val="accent1"/>
+    </dgm:linClrLst>
+    <dgm:effectClrLst/>
+    <dgm:txLinClrLst/>
+    <dgm:txFillClrLst meth="repeat">
+      <a:schemeClr val="lt1"/>
+    </dgm:txFillClrLst>
+    <dgm:txEffectClrLst/>
+  </dgm:styleLbl>
+  <dgm:styleLbl name="parChTrans2D4">
+    <dgm:fillClrLst meth="repeat">
+      <a:schemeClr val="accent1"/>
+    </dgm:fillClrLst>
+    <dgm:linClrLst meth="repeat">
+      <a:schemeClr val="accent1"/>
+    </dgm:linClrLst>
+    <dgm:effectClrLst/>
+    <dgm:txLinClrLst/>
+    <dgm:txFillClrLst meth="repeat">
+      <a:schemeClr val="lt1"/>
+    </dgm:txFillClrLst>
+    <dgm:txEffectClrLst/>
+  </dgm:styleLbl>
+  <dgm:styleLbl name="parChTrans1D1">
+    <dgm:fillClrLst meth="repeat">
+      <a:schemeClr val="accent1"/>
+    </dgm:fillClrLst>
+    <dgm:linClrLst meth="repeat">
+      <a:schemeClr val="accent1">
+        <a:shade val="60000"/>
+      </a:schemeClr>
+    </dgm:linClrLst>
+    <dgm:effectClrLst/>
+    <dgm:txLinClrLst/>
+    <dgm:txFillClrLst meth="repeat">
+      <a:schemeClr val="tx1"/>
+    </dgm:txFillClrLst>
+    <dgm:txEffectClrLst/>
+  </dgm:styleLbl>
+  <dgm:styleLbl name="parChTrans1D2">
+    <dgm:fillClrLst meth="repeat">
+      <a:schemeClr val="accent1"/>
+    </dgm:fillClrLst>
+    <dgm:linClrLst meth="repeat">
+      <a:schemeClr val="accent1">
+        <a:shade val="60000"/>
+      </a:schemeClr>
+    </dgm:linClrLst>
+    <dgm:effectClrLst/>
+    <dgm:txLinClrLst/>
+    <dgm:txFillClrLst meth="repeat">
+      <a:schemeClr val="tx1"/>
+    </dgm:txFillClrLst>
+    <dgm:txEffectClrLst/>
+  </dgm:styleLbl>
+  <dgm:styleLbl name="parChTrans1D3">
+    <dgm:fillClrLst meth="repeat">
+      <a:schemeClr val="accent1"/>
+    </dgm:fillClrLst>
+    <dgm:linClrLst meth="repeat">
+      <a:schemeClr val="accent1">
+        <a:shade val="80000"/>
+      </a:schemeClr>
+    </dgm:linClrLst>
+    <dgm:effectClrLst/>
+    <dgm:txLinClrLst/>
+    <dgm:txFillClrLst meth="repeat">
+      <a:schemeClr val="tx1"/>
+    </dgm:txFillClrLst>
+    <dgm:txEffectClrLst/>
+  </dgm:styleLbl>
+  <dgm:styleLbl name="parChTrans1D4">
+    <dgm:fillClrLst meth="repeat">
+      <a:schemeClr val="accent1"/>
+    </dgm:fillClrLst>
+    <dgm:linClrLst meth="repeat">
+      <a:schemeClr val="accent1">
+        <a:shade val="80000"/>
+      </a:schemeClr>
+    </dgm:linClrLst>
+    <dgm:effectClrLst/>
+    <dgm:txLinClrLst/>
+    <dgm:txFillClrLst meth="repeat">
+      <a:schemeClr val="tx1"/>
+    </dgm:txFillClrLst>
+    <dgm:txEffectClrLst/>
+  </dgm:styleLbl>
+  <dgm:styleLbl name="fgAcc1">
+    <dgm:fillClrLst meth="repeat">
+      <a:schemeClr val="lt1">
+        <a:alpha val="90000"/>
+      </a:schemeClr>
+    </dgm:fillClrLst>
+    <dgm:linClrLst meth="repeat">
+      <a:schemeClr val="accent1"/>
+    </dgm:linClrLst>
+    <dgm:effectClrLst/>
+    <dgm:txLinClrLst/>
+    <dgm:txFillClrLst meth="repeat">
+      <a:schemeClr val="dk1"/>
+    </dgm:txFillClrLst>
+    <dgm:txEffectClrLst/>
+  </dgm:styleLbl>
+  <dgm:styleLbl name="conFgAcc1">
+    <dgm:fillClrLst meth="repeat">
+      <a:schemeClr val="lt1">
+        <a:alpha val="90000"/>
+      </a:schemeClr>
+    </dgm:fillClrLst>
+    <dgm:linClrLst meth="repeat">
+      <a:schemeClr val="accent1"/>
+    </dgm:linClrLst>
+    <dgm:effectClrLst/>
+    <dgm:txLinClrLst/>
+    <dgm:txFillClrLst meth="repeat">
+      <a:schemeClr val="dk1"/>
+    </dgm:txFillClrLst>
+    <dgm:txEffectClrLst/>
+  </dgm:styleLbl>
+  <dgm:styleLbl name="alignAcc1">
+    <dgm:fillClrLst meth="repeat">
+      <a:schemeClr val="lt1">
+        <a:alpha val="90000"/>
+      </a:schemeClr>
+    </dgm:fillClrLst>
+    <dgm:linClrLst meth="repeat">
+      <a:schemeClr val="accent1"/>
+    </dgm:linClrLst>
+    <dgm:effectClrLst/>
+    <dgm:txLinClrLst/>
+    <dgm:txFillClrLst meth="repeat">
+      <a:schemeClr val="dk1"/>
+    </dgm:txFillClrLst>
+    <dgm:txEffectClrLst/>
+  </dgm:styleLbl>
+  <dgm:styleLbl name="trAlignAcc1">
+    <dgm:fillClrLst meth="repeat">
+      <a:schemeClr val="lt1">
+        <a:alpha val="40000"/>
+      </a:schemeClr>
+    </dgm:fillClrLst>
+    <dgm:linClrLst meth="repeat">
+      <a:schemeClr val="accent1"/>
+    </dgm:linClrLst>
+    <dgm:effectClrLst/>
+    <dgm:txLinClrLst/>
+    <dgm:txFillClrLst meth="repeat">
+      <a:schemeClr val="dk1"/>
+    </dgm:txFillClrLst>
+    <dgm:txEffectClrLst/>
+  </dgm:styleLbl>
+  <dgm:styleLbl name="bgAcc1">
+    <dgm:fillClrLst meth="repeat">
+      <a:schemeClr val="lt1">
+        <a:alpha val="90000"/>
+      </a:schemeClr>
+    </dgm:fillClrLst>
+    <dgm:linClrLst meth="repeat">
+      <a:schemeClr val="accent1"/>
+    </dgm:linClrLst>
+    <dgm:effectClrLst/>
+    <dgm:txLinClrLst/>
+    <dgm:txFillClrLst meth="repeat">
+      <a:schemeClr val="dk1"/>
+    </dgm:txFillClrLst>
+    <dgm:txEffectClrLst/>
+  </dgm:styleLbl>
+  <dgm:styleLbl name="solidFgAcc1">
+    <dgm:fillClrLst meth="repeat">
+      <a:schemeClr val="lt1"/>
+    </dgm:fillClrLst>
+    <dgm:linClrLst meth="repeat">
+      <a:schemeClr val="accent1"/>
+    </dgm:linClrLst>
+    <dgm:effectClrLst/>
+    <dgm:txLinClrLst/>
+    <dgm:txFillClrLst meth="repeat">
+      <a:schemeClr val="dk1"/>
+    </dgm:txFillClrLst>
+    <dgm:txEffectClrLst/>
+  </dgm:styleLbl>
+  <dgm:styleLbl name="solidAlignAcc1">
+    <dgm:fillClrLst meth="repeat">
+      <a:schemeClr val="lt1"/>
+    </dgm:fillClrLst>
+    <dgm:linClrLst meth="repeat">
+      <a:schemeClr val="accent1"/>
+    </dgm:linClrLst>
+    <dgm:effectClrLst/>
+    <dgm:txLinClrLst/>
+    <dgm:txFillClrLst meth="repeat">
+      <a:schemeClr val="dk1"/>
+    </dgm:txFillClrLst>
+    <dgm:txEffectClrLst/>
+  </dgm:styleLbl>
+  <dgm:styleLbl name="solidBgAcc1">
+    <dgm:fillClrLst meth="repeat">
+      <a:schemeClr val="lt1"/>
+    </dgm:fillClrLst>
+    <dgm:linClrLst meth="repeat">
+      <a:schemeClr val="accent1"/>
+    </dgm:linClrLst>
+    <dgm:effectClrLst/>
+    <dgm:txLinClrLst/>
+    <dgm:txFillClrLst meth="repeat">
+      <a:schemeClr val="dk1"/>
+    </dgm:txFillClrLst>
+    <dgm:txEffectClrLst/>
+  </dgm:styleLbl>
+  <dgm:styleLbl name="fgAccFollowNode1">
+    <dgm:fillClrLst meth="repeat">
+      <a:schemeClr val="accent1">
+        <a:alpha val="90000"/>
+        <a:tint val="40000"/>
+      </a:schemeClr>
+    </dgm:fillClrLst>
+    <dgm:linClrLst meth="repeat">
+      <a:schemeClr val="accent1">
+        <a:alpha val="90000"/>
+        <a:tint val="40000"/>
+      </a:schemeClr>
+    </dgm:linClrLst>
+    <dgm:effectClrLst/>
+    <dgm:txLinClrLst/>
+    <dgm:txFillClrLst meth="repeat">
+      <a:schemeClr val="dk1"/>
+    </dgm:txFillClrLst>
+    <dgm:txEffectClrLst/>
+  </dgm:styleLbl>
+  <dgm:styleLbl name="alignAccFollowNode1">
+    <dgm:fillClrLst meth="repeat">
+      <a:schemeClr val="accent1">
+        <a:alpha val="90000"/>
+        <a:tint val="40000"/>
+      </a:schemeClr>
+    </dgm:fillClrLst>
+    <dgm:linClrLst meth="repeat">
+      <a:schemeClr val="accent1">
+        <a:alpha val="90000"/>
+        <a:tint val="40000"/>
+      </a:schemeClr>
+    </dgm:linClrLst>
+    <dgm:effectClrLst/>
+    <dgm:txLinClrLst/>
+    <dgm:txFillClrLst meth="repeat">
+      <a:schemeClr val="dk1"/>
+    </dgm:txFillClrLst>
+    <dgm:txEffectClrLst/>
+  </dgm:styleLbl>
+  <dgm:styleLbl name="bgAccFollowNode1">
+    <dgm:fillClrLst meth="repeat">
+      <a:schemeClr val="accent1">
+        <a:alpha val="90000"/>
+        <a:tint val="40000"/>
+      </a:schemeClr>
+    </dgm:fillClrLst>
+    <dgm:linClrLst meth="repeat">
+      <a:schemeClr val="accent1">
+        <a:alpha val="90000"/>
+        <a:tint val="40000"/>
+      </a:schemeClr>
+    </dgm:linClrLst>
+    <dgm:effectClrLst/>
+    <dgm:txLinClrLst/>
+    <dgm:txFillClrLst meth="repeat">
+      <a:schemeClr val="dk1"/>
+    </dgm:txFillClrLst>
+    <dgm:txEffectClrLst/>
+  </dgm:styleLbl>
+  <dgm:styleLbl name="fgAcc0">
+    <dgm:fillClrLst meth="repeat">
+      <a:schemeClr val="lt1">
+        <a:alpha val="90000"/>
+      </a:schemeClr>
+    </dgm:fillClrLst>
+    <dgm:linClrLst meth="repeat">
+      <a:schemeClr val="accent1"/>
+    </dgm:linClrLst>
+    <dgm:effectClrLst/>
+    <dgm:txLinClrLst/>
+    <dgm:txFillClrLst meth="repeat">
+      <a:schemeClr val="dk1"/>
+    </dgm:txFillClrLst>
+    <dgm:txEffectClrLst/>
+  </dgm:styleLbl>
+  <dgm:styleLbl name="fgAcc2">
+    <dgm:fillClrLst meth="repeat">
+      <a:schemeClr val="lt1">
+        <a:alpha val="90000"/>
+      </a:schemeClr>
+    </dgm:fillClrLst>
+    <dgm:linClrLst meth="repeat">
+      <a:schemeClr val="accent1"/>
+    </dgm:linClrLst>
+    <dgm:effectClrLst/>
+    <dgm:txLinClrLst/>
+    <dgm:txFillClrLst meth="repeat">
+      <a:schemeClr val="dk1"/>
+    </dgm:txFillClrLst>
+    <dgm:txEffectClrLst/>
+  </dgm:styleLbl>
+  <dgm:styleLbl name="fgAcc3">
+    <dgm:fillClrLst meth="repeat">
+      <a:schemeClr val="lt1">
+        <a:alpha val="90000"/>
+      </a:schemeClr>
+    </dgm:fillClrLst>
+    <dgm:linClrLst meth="repeat">
+      <a:schemeClr val="accent1"/>
+    </dgm:linClrLst>
+    <dgm:effectClrLst/>
+    <dgm:txLinClrLst/>
+    <dgm:txFillClrLst meth="repeat">
+      <a:schemeClr val="dk1"/>
+    </dgm:txFillClrLst>
+    <dgm:txEffectClrLst/>
+  </dgm:styleLbl>
+  <dgm:styleLbl name="fgAcc4">
+    <dgm:fillClrLst meth="repeat">
+      <a:schemeClr val="lt1">
+        <a:alpha val="90000"/>
+      </a:schemeClr>
+    </dgm:fillClrLst>
+    <dgm:linClrLst meth="repeat">
+      <a:schemeClr val="accent1"/>
+    </dgm:linClrLst>
+    <dgm:effectClrLst/>
+    <dgm:txLinClrLst/>
+    <dgm:txFillClrLst meth="repeat">
+      <a:schemeClr val="dk1"/>
+    </dgm:txFillClrLst>
+    <dgm:txEffectClrLst/>
+  </dgm:styleLbl>
+  <dgm:styleLbl name="bgShp">
+    <dgm:fillClrLst meth="repeat">
+      <a:schemeClr val="accent1">
+        <a:tint val="40000"/>
+      </a:schemeClr>
+    </dgm:fillClrLst>
+    <dgm:linClrLst meth="repeat">
+      <a:schemeClr val="accent1"/>
+    </dgm:linClrLst>
+    <dgm:effectClrLst/>
+    <dgm:txLinClrLst/>
+    <dgm:txFillClrLst meth="repeat">
+      <a:schemeClr val="dk1"/>
+    </dgm:txFillClrLst>
+    <dgm:txEffectClrLst/>
+  </dgm:styleLbl>
+  <dgm:styleLbl name="dkBgShp">
+    <dgm:fillClrLst meth="repeat">
+      <a:schemeClr val="accent1">
+        <a:shade val="80000"/>
+      </a:schemeClr>
+    </dgm:fillClrLst>
+    <dgm:linClrLst meth="repeat">
+      <a:schemeClr val="accent1"/>
+    </dgm:linClrLst>
+    <dgm:effectClrLst/>
+    <dgm:txLinClrLst/>
+    <dgm:txFillClrLst meth="repeat">
+      <a:schemeClr val="lt1"/>
+    </dgm:txFillClrLst>
+    <dgm:txEffectClrLst/>
+  </dgm:styleLbl>
+  <dgm:styleLbl name="trBgShp">
+    <dgm:fillClrLst meth="repeat">
+      <a:schemeClr val="accent1">
+        <a:tint val="50000"/>
+        <a:alpha val="40000"/>
+      </a:schemeClr>
+    </dgm:fillClrLst>
+    <dgm:linClrLst meth="repeat">
+      <a:schemeClr val="accent1"/>
+    </dgm:linClrLst>
+    <dgm:effectClrLst/>
+    <dgm:txLinClrLst/>
+    <dgm:txFillClrLst meth="repeat">
+      <a:schemeClr val="lt1"/>
+    </dgm:txFillClrLst>
+    <dgm:txEffectClrLst/>
+  </dgm:styleLbl>
+  <dgm:styleLbl name="fgShp">
+    <dgm:fillClrLst meth="repeat">
+      <a:schemeClr val="accent1">
+        <a:tint val="60000"/>
+      </a:schemeClr>
+    </dgm:fillClrLst>
+    <dgm:linClrLst meth="repeat">
+      <a:schemeClr val="lt1"/>
+    </dgm:linClrLst>
+    <dgm:effectClrLst/>
+    <dgm:txLinClrLst/>
+    <dgm:txFillClrLst meth="repeat">
+      <a:schemeClr val="dk1"/>
+    </dgm:txFillClrLst>
+    <dgm:txEffectClrLst/>
+  </dgm:styleLbl>
+  <dgm:styleLbl name="revTx">
+    <dgm:fillClrLst meth="repeat">
+      <a:schemeClr val="lt1">
+        <a:alpha val="0"/>
+      </a:schemeClr>
+    </dgm:fillClrLst>
+    <dgm:linClrLst meth="repeat">
+      <a:schemeClr val="dk1">
+        <a:alpha val="0"/>
+      </a:schemeClr>
+    </dgm:linClrLst>
+    <dgm:effectClrLst/>
+    <dgm:txLinClrLst/>
+    <dgm:txFillClrLst meth="repeat">
+      <a:schemeClr val="tx1"/>
+    </dgm:txFillClrLst>
+    <dgm:txEffectClrLst/>
+  </dgm:styleLbl>
+</dgm:colorsDef>
+</file>
+
+<file path=ppt/diagrams/colors2.xml><?xml version="1.0" encoding="utf-8"?>
+<dgm:colorsDef xmlns:dgm="http://schemas.openxmlformats.org/drawingml/2006/diagram" xmlns:a="http://schemas.openxmlformats.org/drawingml/2006/main" uniqueId="urn:microsoft.com/office/officeart/2005/8/colors/accent1_2">
+  <dgm:title val=""/>
+  <dgm:desc val=""/>
+  <dgm:catLst>
+    <dgm:cat type="accent1" pri="11200"/>
+  </dgm:catLst>
+  <dgm:styleLbl name="node0">
+    <dgm:fillClrLst meth="repeat">
+      <a:schemeClr val="accent1"/>
+    </dgm:fillClrLst>
+    <dgm:linClrLst meth="repeat">
+      <a:schemeClr val="lt1"/>
+    </dgm:linClrLst>
+    <dgm:effectClrLst/>
+    <dgm:txLinClrLst/>
+    <dgm:txFillClrLst/>
+    <dgm:txEffectClrLst/>
+  </dgm:styleLbl>
+  <dgm:styleLbl name="alignNode1">
+    <dgm:fillClrLst meth="repeat">
+      <a:schemeClr val="accent1"/>
+    </dgm:fillClrLst>
+    <dgm:linClrLst meth="repeat">
+      <a:schemeClr val="accent1"/>
+    </dgm:linClrLst>
+    <dgm:effectClrLst/>
+    <dgm:txLinClrLst/>
+    <dgm:txFillClrLst/>
+    <dgm:txEffectClrLst/>
+  </dgm:styleLbl>
+  <dgm:styleLbl name="node1">
+    <dgm:fillClrLst meth="repeat">
+      <a:schemeClr val="accent1"/>
+    </dgm:fillClrLst>
+    <dgm:linClrLst meth="repeat">
+      <a:schemeClr val="lt1"/>
+    </dgm:linClrLst>
+    <dgm:effectClrLst/>
+    <dgm:txLinClrLst/>
+    <dgm:txFillClrLst/>
+    <dgm:txEffectClrLst/>
+  </dgm:styleLbl>
+  <dgm:styleLbl name="lnNode1">
+    <dgm:fillClrLst meth="repeat">
+      <a:schemeClr val="accent1"/>
+    </dgm:fillClrLst>
+    <dgm:linClrLst meth="repeat">
+      <a:schemeClr val="lt1"/>
+    </dgm:linClrLst>
+    <dgm:effectClrLst/>
+    <dgm:txLinClrLst/>
+    <dgm:txFillClrLst/>
+    <dgm:txEffectClrLst/>
+  </dgm:styleLbl>
+  <dgm:styleLbl name="vennNode1">
+    <dgm:fillClrLst meth="repeat">
+      <a:schemeClr val="accent1">
+        <a:alpha val="50000"/>
+      </a:schemeClr>
+    </dgm:fillClrLst>
+    <dgm:linClrLst meth="repeat">
+      <a:schemeClr val="lt1"/>
+    </dgm:linClrLst>
+    <dgm:effectClrLst/>
+    <dgm:txLinClrLst/>
+    <dgm:txFillClrLst/>
+    <dgm:txEffectClrLst/>
+  </dgm:styleLbl>
+  <dgm:styleLbl name="node2">
+    <dgm:fillClrLst meth="repeat">
+      <a:schemeClr val="accent1"/>
+    </dgm:fillClrLst>
+    <dgm:linClrLst meth="repeat">
+      <a:schemeClr val="lt1"/>
+    </dgm:linClrLst>
+    <dgm:effectClrLst/>
+    <dgm:txLinClrLst/>
+    <dgm:txFillClrLst/>
+    <dgm:txEffectClrLst/>
+  </dgm:styleLbl>
+  <dgm:styleLbl name="node3">
+    <dgm:fillClrLst meth="repeat">
+      <a:schemeClr val="accent1"/>
+    </dgm:fillClrLst>
+    <dgm:linClrLst meth="repeat">
+      <a:schemeClr val="lt1"/>
+    </dgm:linClrLst>
+    <dgm:effectClrLst/>
+    <dgm:txLinClrLst/>
+    <dgm:txFillClrLst/>
+    <dgm:txEffectClrLst/>
+  </dgm:styleLbl>
+  <dgm:styleLbl name="node4">
+    <dgm:fillClrLst meth="repeat">
+      <a:schemeClr val="accent1"/>
+    </dgm:fillClrLst>
+    <dgm:linClrLst meth="repeat">
+      <a:schemeClr val="lt1"/>
+    </dgm:linClrLst>
+    <dgm:effectClrLst/>
+    <dgm:txLinClrLst/>
+    <dgm:txFillClrLst/>
+    <dgm:txEffectClrLst/>
+  </dgm:styleLbl>
+  <dgm:styleLbl name="fgImgPlace1">
+    <dgm:fillClrLst meth="repeat">
+      <a:schemeClr val="accent1">
+        <a:tint val="50000"/>
+      </a:schemeClr>
+    </dgm:fillClrLst>
+    <dgm:linClrLst meth="repeat">
+      <a:schemeClr val="lt1"/>
+    </dgm:linClrLst>
+    <dgm:effectClrLst/>
+    <dgm:txLinClrLst/>
+    <dgm:txFillClrLst meth="repeat">
+      <a:schemeClr val="lt1"/>
+    </dgm:txFillClrLst>
+    <dgm:txEffectClrLst/>
+  </dgm:styleLbl>
+  <dgm:styleLbl name="alignImgPlace1">
+    <dgm:fillClrLst meth="repeat">
+      <a:schemeClr val="accent1">
+        <a:tint val="50000"/>
+      </a:schemeClr>
+    </dgm:fillClrLst>
+    <dgm:linClrLst meth="repeat">
+      <a:schemeClr val="lt1"/>
+    </dgm:linClrLst>
+    <dgm:effectClrLst/>
+    <dgm:txLinClrLst/>
+    <dgm:txFillClrLst meth="repeat">
+      <a:schemeClr val="lt1"/>
+    </dgm:txFillClrLst>
+    <dgm:txEffectClrLst/>
+  </dgm:styleLbl>
+  <dgm:styleLbl name="bgImgPlace1">
+    <dgm:fillClrLst meth="repeat">
+      <a:schemeClr val="accent1">
+        <a:tint val="50000"/>
+      </a:schemeClr>
+    </dgm:fillClrLst>
+    <dgm:linClrLst meth="repeat">
+      <a:schemeClr val="lt1"/>
+    </dgm:linClrLst>
+    <dgm:effectClrLst/>
+    <dgm:txLinClrLst/>
+    <dgm:txFillClrLst meth="repeat">
+      <a:schemeClr val="lt1"/>
+    </dgm:txFillClrLst>
+    <dgm:txEffectClrLst/>
+  </dgm:styleLbl>
+  <dgm:styleLbl name="sibTrans2D1">
+    <dgm:fillClrLst meth="repeat">
+      <a:schemeClr val="accent1">
+        <a:tint val="60000"/>
+      </a:schemeClr>
+    </dgm:fillClrLst>
+    <dgm:linClrLst meth="repeat">
+      <a:schemeClr val="accent1">
+        <a:tint val="60000"/>
+      </a:schemeClr>
+    </dgm:linClrLst>
+    <dgm:effectClrLst/>
+    <dgm:txLinClrLst/>
+    <dgm:txFillClrLst/>
+    <dgm:txEffectClrLst/>
+  </dgm:styleLbl>
+  <dgm:styleLbl name="fgSibTrans2D1">
+    <dgm:fillClrLst meth="repeat">
+      <a:schemeClr val="accent1">
+        <a:tint val="60000"/>
+      </a:schemeClr>
+    </dgm:fillClrLst>
+    <dgm:linClrLst meth="repeat">
+      <a:schemeClr val="accent1">
+        <a:tint val="60000"/>
+      </a:schemeClr>
+    </dgm:linClrLst>
+    <dgm:effectClrLst/>
+    <dgm:txLinClrLst/>
+    <dgm:txFillClrLst/>
+    <dgm:txEffectClrLst/>
+  </dgm:styleLbl>
+  <dgm:styleLbl name="bgSibTrans2D1">
+    <dgm:fillClrLst meth="repeat">
+      <a:schemeClr val="accent1">
+        <a:tint val="60000"/>
+      </a:schemeClr>
+    </dgm:fillClrLst>
+    <dgm:linClrLst meth="repeat">
+      <a:schemeClr val="accent1">
+        <a:tint val="60000"/>
+      </a:schemeClr>
+    </dgm:linClrLst>
+    <dgm:effectClrLst/>
+    <dgm:txLinClrLst/>
+    <dgm:txFillClrLst/>
+    <dgm:txEffectClrLst/>
+  </dgm:styleLbl>
+  <dgm:styleLbl name="sibTrans1D1">
+    <dgm:fillClrLst meth="repeat">
+      <a:schemeClr val="accent1"/>
+    </dgm:fillClrLst>
+    <dgm:linClrLst meth="repeat">
+      <a:schemeClr val="accent1"/>
+    </dgm:linClrLst>
+    <dgm:effectClrLst/>
+    <dgm:txLinClrLst/>
+    <dgm:txFillClrLst meth="repeat">
+      <a:schemeClr val="tx1"/>
+    </dgm:txFillClrLst>
+    <dgm:txEffectClrLst/>
+  </dgm:styleLbl>
+  <dgm:styleLbl name="callout">
+    <dgm:fillClrLst meth="repeat">
+      <a:schemeClr val="accent1"/>
+    </dgm:fillClrLst>
+    <dgm:linClrLst meth="repeat">
+      <a:schemeClr val="accent1">
+        <a:tint val="50000"/>
+      </a:schemeClr>
+    </dgm:linClrLst>
+    <dgm:effectClrLst/>
+    <dgm:txLinClrLst/>
+    <dgm:txFillClrLst meth="repeat">
+      <a:schemeClr val="tx1"/>
+    </dgm:txFillClrLst>
+    <dgm:txEffectClrLst/>
+  </dgm:styleLbl>
+  <dgm:styleLbl name="asst0">
+    <dgm:fillClrLst meth="repeat">
+      <a:schemeClr val="accent1"/>
+    </dgm:fillClrLst>
+    <dgm:linClrLst meth="repeat">
+      <a:schemeClr val="lt1"/>
+    </dgm:linClrLst>
+    <dgm:effectClrLst/>
+    <dgm:txLinClrLst/>
+    <dgm:txFillClrLst/>
+    <dgm:txEffectClrLst/>
+  </dgm:styleLbl>
+  <dgm:styleLbl name="asst1">
+    <dgm:fillClrLst meth="repeat">
+      <a:schemeClr val="accent1"/>
+    </dgm:fillClrLst>
+    <dgm:linClrLst meth="repeat">
+      <a:schemeClr val="lt1"/>
+    </dgm:linClrLst>
+    <dgm:effectClrLst/>
+    <dgm:txLinClrLst/>
+    <dgm:txFillClrLst/>
+    <dgm:txEffectClrLst/>
+  </dgm:styleLbl>
+  <dgm:styleLbl name="asst2">
+    <dgm:fillClrLst meth="repeat">
+      <a:schemeClr val="accent1"/>
+    </dgm:fillClrLst>
+    <dgm:linClrLst meth="repeat">
+      <a:schemeClr val="lt1"/>
+    </dgm:linClrLst>
+    <dgm:effectClrLst/>
+    <dgm:txLinClrLst/>
+    <dgm:txFillClrLst/>
+    <dgm:txEffectClrLst/>
+  </dgm:styleLbl>
+  <dgm:styleLbl name="asst3">
+    <dgm:fillClrLst meth="repeat">
+      <a:schemeClr val="accent1"/>
+    </dgm:fillClrLst>
+    <dgm:linClrLst meth="repeat">
+      <a:schemeClr val="lt1"/>
+    </dgm:linClrLst>
+    <dgm:effectClrLst/>
+    <dgm:txLinClrLst/>
+    <dgm:txFillClrLst/>
+    <dgm:txEffectClrLst/>
+  </dgm:styleLbl>
+  <dgm:styleLbl name="asst4">
+    <dgm:fillClrLst meth="repeat">
+      <a:schemeClr val="accent1"/>
+    </dgm:fillClrLst>
+    <dgm:linClrLst meth="repeat">
+      <a:schemeClr val="lt1"/>
+    </dgm:linClrLst>
+    <dgm:effectClrLst/>
+    <dgm:txLinClrLst/>
+    <dgm:txFillClrLst/>
+    <dgm:txEffectClrLst/>
+  </dgm:styleLbl>
+  <dgm:styleLbl name="parChTrans2D1">
+    <dgm:fillClrLst meth="repeat">
+      <a:schemeClr val="accent1">
+        <a:tint val="60000"/>
+      </a:schemeClr>
+    </dgm:fillClrLst>
+    <dgm:linClrLst meth="repeat">
+      <a:schemeClr val="accent1">
+        <a:tint val="60000"/>
+      </a:schemeClr>
+    </dgm:linClrLst>
+    <dgm:effectClrLst/>
+    <dgm:txLinClrLst/>
+    <dgm:txFillClrLst meth="repeat">
+      <a:schemeClr val="lt1"/>
+    </dgm:txFillClrLst>
+    <dgm:txEffectClrLst/>
+  </dgm:styleLbl>
+  <dgm:styleLbl name="parChTrans2D2">
+    <dgm:fillClrLst meth="repeat">
+      <a:schemeClr val="accent1"/>
+    </dgm:fillClrLst>
+    <dgm:linClrLst meth="repeat">
+      <a:schemeClr val="accent1"/>
+    </dgm:linClrLst>
+    <dgm:effectClrLst/>
+    <dgm:txLinClrLst/>
+    <dgm:txFillClrLst meth="repeat">
+      <a:schemeClr val="lt1"/>
+    </dgm:txFillClrLst>
+    <dgm:txEffectClrLst/>
+  </dgm:styleLbl>
+  <dgm:styleLbl name="parChTrans2D3">
+    <dgm:fillClrLst meth="repeat">
+      <a:schemeClr val="accent1"/>
+    </dgm:fillClrLst>
+    <dgm:linClrLst meth="repeat">
+      <a:schemeClr val="accent1"/>
+    </dgm:linClrLst>
+    <dgm:effectClrLst/>
+    <dgm:txLinClrLst/>
+    <dgm:txFillClrLst meth="repeat">
+      <a:schemeClr val="lt1"/>
+    </dgm:txFillClrLst>
+    <dgm:txEffectClrLst/>
+  </dgm:styleLbl>
+  <dgm:styleLbl name="parChTrans2D4">
+    <dgm:fillClrLst meth="repeat">
+      <a:schemeClr val="accent1"/>
+    </dgm:fillClrLst>
+    <dgm:linClrLst meth="repeat">
+      <a:schemeClr val="accent1"/>
+    </dgm:linClrLst>
+    <dgm:effectClrLst/>
+    <dgm:txLinClrLst/>
+    <dgm:txFillClrLst meth="repeat">
+      <a:schemeClr val="lt1"/>
+    </dgm:txFillClrLst>
+    <dgm:txEffectClrLst/>
+  </dgm:styleLbl>
+  <dgm:styleLbl name="parChTrans1D1">
+    <dgm:fillClrLst meth="repeat">
+      <a:schemeClr val="accent1"/>
+    </dgm:fillClrLst>
+    <dgm:linClrLst meth="repeat">
+      <a:schemeClr val="accent1">
+        <a:shade val="60000"/>
+      </a:schemeClr>
+    </dgm:linClrLst>
+    <dgm:effectClrLst/>
+    <dgm:txLinClrLst/>
+    <dgm:txFillClrLst meth="repeat">
+      <a:schemeClr val="tx1"/>
+    </dgm:txFillClrLst>
+    <dgm:txEffectClrLst/>
+  </dgm:styleLbl>
+  <dgm:styleLbl name="parChTrans1D2">
+    <dgm:fillClrLst meth="repeat">
+      <a:schemeClr val="accent1"/>
+    </dgm:fillClrLst>
+    <dgm:linClrLst meth="repeat">
+      <a:schemeClr val="accent1">
+        <a:shade val="60000"/>
+      </a:schemeClr>
+    </dgm:linClrLst>
+    <dgm:effectClrLst/>
+    <dgm:txLinClrLst/>
+    <dgm:txFillClrLst meth="repeat">
+      <a:schemeClr val="tx1"/>
+    </dgm:txFillClrLst>
+    <dgm:txEffectClrLst/>
+  </dgm:styleLbl>
+  <dgm:styleLbl name="parChTrans1D3">
+    <dgm:fillClrLst meth="repeat">
+      <a:schemeClr val="accent1"/>
+    </dgm:fillClrLst>
+    <dgm:linClrLst meth="repeat">
+      <a:schemeClr val="accent1">
+        <a:shade val="80000"/>
+      </a:schemeClr>
+    </dgm:linClrLst>
+    <dgm:effectClrLst/>
+    <dgm:txLinClrLst/>
+    <dgm:txFillClrLst meth="repeat">
+      <a:schemeClr val="tx1"/>
+    </dgm:txFillClrLst>
+    <dgm:txEffectClrLst/>
+  </dgm:styleLbl>
+  <dgm:styleLbl name="parChTrans1D4">
+    <dgm:fillClrLst meth="repeat">
+      <a:schemeClr val="accent1"/>
+    </dgm:fillClrLst>
+    <dgm:linClrLst meth="repeat">
+      <a:schemeClr val="accent1">
+        <a:shade val="80000"/>
+      </a:schemeClr>
+    </dgm:linClrLst>
+    <dgm:effectClrLst/>
+    <dgm:txLinClrLst/>
+    <dgm:txFillClrLst meth="repeat">
+      <a:schemeClr val="tx1"/>
+    </dgm:txFillClrLst>
+    <dgm:txEffectClrLst/>
+  </dgm:styleLbl>
+  <dgm:styleLbl name="fgAcc1">
+    <dgm:fillClrLst meth="repeat">
+      <a:schemeClr val="lt1">
+        <a:alpha val="90000"/>
+      </a:schemeClr>
+    </dgm:fillClrLst>
+    <dgm:linClrLst meth="repeat">
+      <a:schemeClr val="accent1"/>
+    </dgm:linClrLst>
+    <dgm:effectClrLst/>
+    <dgm:txLinClrLst/>
+    <dgm:txFillClrLst meth="repeat">
+      <a:schemeClr val="dk1"/>
+    </dgm:txFillClrLst>
+    <dgm:txEffectClrLst/>
+  </dgm:styleLbl>
+  <dgm:styleLbl name="conFgAcc1">
+    <dgm:fillClrLst meth="repeat">
+      <a:schemeClr val="lt1">
+        <a:alpha val="90000"/>
+      </a:schemeClr>
+    </dgm:fillClrLst>
+    <dgm:linClrLst meth="repeat">
+      <a:schemeClr val="accent1"/>
+    </dgm:linClrLst>
+    <dgm:effectClrLst/>
+    <dgm:txLinClrLst/>
+    <dgm:txFillClrLst meth="repeat">
+      <a:schemeClr val="dk1"/>
+    </dgm:txFillClrLst>
+    <dgm:txEffectClrLst/>
+  </dgm:styleLbl>
+  <dgm:styleLbl name="alignAcc1">
+    <dgm:fillClrLst meth="repeat">
+      <a:schemeClr val="lt1">
+        <a:alpha val="90000"/>
+      </a:schemeClr>
+    </dgm:fillClrLst>
+    <dgm:linClrLst meth="repeat">
+      <a:schemeClr val="accent1"/>
+    </dgm:linClrLst>
+    <dgm:effectClrLst/>
+    <dgm:txLinClrLst/>
+    <dgm:txFillClrLst meth="repeat">
+      <a:schemeClr val="dk1"/>
+    </dgm:txFillClrLst>
+    <dgm:txEffectClrLst/>
+  </dgm:styleLbl>
+  <dgm:styleLbl name="trAlignAcc1">
+    <dgm:fillClrLst meth="repeat">
+      <a:schemeClr val="lt1">
+        <a:alpha val="40000"/>
+      </a:schemeClr>
+    </dgm:fillClrLst>
+    <dgm:linClrLst meth="repeat">
+      <a:schemeClr val="accent1"/>
+    </dgm:linClrLst>
+    <dgm:effectClrLst/>
+    <dgm:txLinClrLst/>
+    <dgm:txFillClrLst meth="repeat">
+      <a:schemeClr val="dk1"/>
+    </dgm:txFillClrLst>
+    <dgm:txEffectClrLst/>
+  </dgm:styleLbl>
+  <dgm:styleLbl name="bgAcc1">
+    <dgm:fillClrLst meth="repeat">
+      <a:schemeClr val="lt1">
+        <a:alpha val="90000"/>
+      </a:schemeClr>
+    </dgm:fillClrLst>
+    <dgm:linClrLst meth="repeat">
+      <a:schemeClr val="accent1"/>
+    </dgm:linClrLst>
+    <dgm:effectClrLst/>
+    <dgm:txLinClrLst/>
+    <dgm:txFillClrLst meth="repeat">
+      <a:schemeClr val="dk1"/>
+    </dgm:txFillClrLst>
+    <dgm:txEffectClrLst/>
+  </dgm:styleLbl>
+  <dgm:styleLbl name="solidFgAcc1">
+    <dgm:fillClrLst meth="repeat">
+      <a:schemeClr val="lt1"/>
+    </dgm:fillClrLst>
+    <dgm:linClrLst meth="repeat">
+      <a:schemeClr val="accent1"/>
+    </dgm:linClrLst>
+    <dgm:effectClrLst/>
+    <dgm:txLinClrLst/>
+    <dgm:txFillClrLst meth="repeat">
+      <a:schemeClr val="dk1"/>
+    </dgm:txFillClrLst>
+    <dgm:txEffectClrLst/>
+  </dgm:styleLbl>
+  <dgm:styleLbl name="solidAlignAcc1">
+    <dgm:fillClrLst meth="repeat">
+      <a:schemeClr val="lt1"/>
+    </dgm:fillClrLst>
+    <dgm:linClrLst meth="repeat">
+      <a:schemeClr val="accent1"/>
+    </dgm:linClrLst>
+    <dgm:effectClrLst/>
+    <dgm:txLinClrLst/>
+    <dgm:txFillClrLst meth="repeat">
+      <a:schemeClr val="dk1"/>
+    </dgm:txFillClrLst>
+    <dgm:txEffectClrLst/>
+  </dgm:styleLbl>
+  <dgm:styleLbl name="solidBgAcc1">
+    <dgm:fillClrLst meth="repeat">
+      <a:schemeClr val="lt1"/>
+    </dgm:fillClrLst>
+    <dgm:linClrLst meth="repeat">
+      <a:schemeClr val="accent1"/>
+    </dgm:linClrLst>
+    <dgm:effectClrLst/>
+    <dgm:txLinClrLst/>
+    <dgm:txFillClrLst meth="repeat">
+      <a:schemeClr val="dk1"/>
+    </dgm:txFillClrLst>
+    <dgm:txEffectClrLst/>
+  </dgm:styleLbl>
+  <dgm:styleLbl name="fgAccFollowNode1">
+    <dgm:fillClrLst meth="repeat">
+      <a:schemeClr val="accent1">
+        <a:alpha val="90000"/>
+        <a:tint val="40000"/>
+      </a:schemeClr>
+    </dgm:fillClrLst>
+    <dgm:linClrLst meth="repeat">
+      <a:schemeClr val="accent1">
+        <a:alpha val="90000"/>
+        <a:tint val="40000"/>
+      </a:schemeClr>
+    </dgm:linClrLst>
+    <dgm:effectClrLst/>
+    <dgm:txLinClrLst/>
+    <dgm:txFillClrLst meth="repeat">
+      <a:schemeClr val="dk1"/>
+    </dgm:txFillClrLst>
+    <dgm:txEffectClrLst/>
+  </dgm:styleLbl>
+  <dgm:styleLbl name="alignAccFollowNode1">
+    <dgm:fillClrLst meth="repeat">
+      <a:schemeClr val="accent1">
+        <a:alpha val="90000"/>
+        <a:tint val="40000"/>
+      </a:schemeClr>
+    </dgm:fillClrLst>
+    <dgm:linClrLst meth="repeat">
+      <a:schemeClr val="accent1">
+        <a:alpha val="90000"/>
+        <a:tint val="40000"/>
+      </a:schemeClr>
+    </dgm:linClrLst>
+    <dgm:effectClrLst/>
+    <dgm:txLinClrLst/>
+    <dgm:txFillClrLst meth="repeat">
+      <a:schemeClr val="dk1"/>
+    </dgm:txFillClrLst>
+    <dgm:txEffectClrLst/>
+  </dgm:styleLbl>
+  <dgm:styleLbl name="bgAccFollowNode1">
+    <dgm:fillClrLst meth="repeat">
+      <a:schemeClr val="accent1">
+        <a:alpha val="90000"/>
+        <a:tint val="40000"/>
+      </a:schemeClr>
+    </dgm:fillClrLst>
+    <dgm:linClrLst meth="repeat">
+      <a:schemeClr val="accent1">
+        <a:alpha val="90000"/>
+        <a:tint val="40000"/>
+      </a:schemeClr>
+    </dgm:linClrLst>
+    <dgm:effectClrLst/>
+    <dgm:txLinClrLst/>
+    <dgm:txFillClrLst meth="repeat">
+      <a:schemeClr val="dk1"/>
+    </dgm:txFillClrLst>
+    <dgm:txEffectClrLst/>
+  </dgm:styleLbl>
+  <dgm:styleLbl name="fgAcc0">
+    <dgm:fillClrLst meth="repeat">
+      <a:schemeClr val="lt1">
+        <a:alpha val="90000"/>
+      </a:schemeClr>
+    </dgm:fillClrLst>
+    <dgm:linClrLst meth="repeat">
+      <a:schemeClr val="accent1"/>
+    </dgm:linClrLst>
+    <dgm:effectClrLst/>
+    <dgm:txLinClrLst/>
+    <dgm:txFillClrLst meth="repeat">
+      <a:schemeClr val="dk1"/>
+    </dgm:txFillClrLst>
+    <dgm:txEffectClrLst/>
+  </dgm:styleLbl>
+  <dgm:styleLbl name="fgAcc2">
+    <dgm:fillClrLst meth="repeat">
+      <a:schemeClr val="lt1">
+        <a:alpha val="90000"/>
+      </a:schemeClr>
+    </dgm:fillClrLst>
+    <dgm:linClrLst meth="repeat">
+      <a:schemeClr val="accent1"/>
+    </dgm:linClrLst>
+    <dgm:effectClrLst/>
+    <dgm:txLinClrLst/>
+    <dgm:txFillClrLst meth="repeat">
+      <a:schemeClr val="dk1"/>
+    </dgm:txFillClrLst>
+    <dgm:txEffectClrLst/>
+  </dgm:styleLbl>
+  <dgm:styleLbl name="fgAcc3">
+    <dgm:fillClrLst meth="repeat">
+      <a:schemeClr val="lt1">
+        <a:alpha val="90000"/>
+      </a:schemeClr>
+    </dgm:fillClrLst>
+    <dgm:linClrLst meth="repeat">
+      <a:schemeClr val="accent1"/>
+    </dgm:linClrLst>
+    <dgm:effectClrLst/>
+    <dgm:txLinClrLst/>
+    <dgm:txFillClrLst meth="repeat">
+      <a:schemeClr val="dk1"/>
+    </dgm:txFillClrLst>
+    <dgm:txEffectClrLst/>
+  </dgm:styleLbl>
+  <dgm:styleLbl name="fgAcc4">
+    <dgm:fillClrLst meth="repeat">
+      <a:schemeClr val="lt1">
+        <a:alpha val="90000"/>
+      </a:schemeClr>
+    </dgm:fillClrLst>
+    <dgm:linClrLst meth="repeat">
+      <a:schemeClr val="accent1"/>
+    </dgm:linClrLst>
+    <dgm:effectClrLst/>
+    <dgm:txLinClrLst/>
+    <dgm:txFillClrLst meth="repeat">
+      <a:schemeClr val="dk1"/>
+    </dgm:txFillClrLst>
+    <dgm:txEffectClrLst/>
+  </dgm:styleLbl>
+  <dgm:styleLbl name="bgShp">
+    <dgm:fillClrLst meth="repeat">
+      <a:schemeClr val="accent1">
+        <a:tint val="40000"/>
+      </a:schemeClr>
+    </dgm:fillClrLst>
+    <dgm:linClrLst meth="repeat">
+      <a:schemeClr val="accent1"/>
+    </dgm:linClrLst>
+    <dgm:effectClrLst/>
+    <dgm:txLinClrLst/>
+    <dgm:txFillClrLst meth="repeat">
+      <a:schemeClr val="dk1"/>
+    </dgm:txFillClrLst>
+    <dgm:txEffectClrLst/>
+  </dgm:styleLbl>
+  <dgm:styleLbl name="dkBgShp">
+    <dgm:fillClrLst meth="repeat">
+      <a:schemeClr val="accent1">
+        <a:shade val="80000"/>
+      </a:schemeClr>
+    </dgm:fillClrLst>
+    <dgm:linClrLst meth="repeat">
+      <a:schemeClr val="accent1"/>
+    </dgm:linClrLst>
+    <dgm:effectClrLst/>
+    <dgm:txLinClrLst/>
+    <dgm:txFillClrLst meth="repeat">
+      <a:schemeClr val="lt1"/>
+    </dgm:txFillClrLst>
+    <dgm:txEffectClrLst/>
+  </dgm:styleLbl>
+  <dgm:styleLbl name="trBgShp">
+    <dgm:fillClrLst meth="repeat">
+      <a:schemeClr val="accent1">
+        <a:tint val="50000"/>
+        <a:alpha val="40000"/>
+      </a:schemeClr>
+    </dgm:fillClrLst>
+    <dgm:linClrLst meth="repeat">
+      <a:schemeClr val="accent1"/>
+    </dgm:linClrLst>
+    <dgm:effectClrLst/>
+    <dgm:txLinClrLst/>
+    <dgm:txFillClrLst meth="repeat">
+      <a:schemeClr val="lt1"/>
+    </dgm:txFillClrLst>
+    <dgm:txEffectClrLst/>
+  </dgm:styleLbl>
+  <dgm:styleLbl name="fgShp">
+    <dgm:fillClrLst meth="repeat">
+      <a:schemeClr val="accent1">
+        <a:tint val="60000"/>
+      </a:schemeClr>
+    </dgm:fillClrLst>
+    <dgm:linClrLst meth="repeat">
+      <a:schemeClr val="lt1"/>
+    </dgm:linClrLst>
+    <dgm:effectClrLst/>
+    <dgm:txLinClrLst/>
+    <dgm:txFillClrLst meth="repeat">
+      <a:schemeClr val="dk1"/>
+    </dgm:txFillClrLst>
+    <dgm:txEffectClrLst/>
+  </dgm:styleLbl>
+  <dgm:styleLbl name="revTx">
+    <dgm:fillClrLst meth="repeat">
+      <a:schemeClr val="lt1">
+        <a:alpha val="0"/>
+      </a:schemeClr>
+    </dgm:fillClrLst>
+    <dgm:linClrLst meth="repeat">
+      <a:schemeClr val="dk1">
+        <a:alpha val="0"/>
+      </a:schemeClr>
+    </dgm:linClrLst>
+    <dgm:effectClrLst/>
+    <dgm:txLinClrLst/>
+    <dgm:txFillClrLst meth="repeat">
+      <a:schemeClr val="tx1"/>
+    </dgm:txFillClrLst>
+    <dgm:txEffectClrLst/>
+  </dgm:styleLbl>
+</dgm:colorsDef>
+</file>
+
+<file path=ppt/diagrams/data1.xml><?xml version="1.0" encoding="utf-8"?>
+<dgm:dataModel xmlns:dgm="http://schemas.openxmlformats.org/drawingml/2006/diagram" xmlns:a="http://schemas.openxmlformats.org/drawingml/2006/main">
+  <dgm:ptLst>
+    <dgm:pt modelId="{0B6D2FF8-33E0-42A6-A9B2-1B05F290230B}" type="doc">
+      <dgm:prSet loTypeId="urn:microsoft.com/office/officeart/2008/layout/AlternatingHexagons" loCatId="list" qsTypeId="urn:microsoft.com/office/officeart/2005/8/quickstyle/simple4" qsCatId="simple" csTypeId="urn:microsoft.com/office/officeart/2005/8/colors/accent1_2" csCatId="accent1"/>
+      <dgm:spPr/>
+      <dgm:t>
+        <a:bodyPr/>
+        <a:lstStyle/>
+        <a:p>
+          <a:endParaRPr lang="en-US"/>
+        </a:p>
+      </dgm:t>
+    </dgm:pt>
+    <dgm:pt modelId="{574FA371-0164-4E96-8701-ABFD8868334F}">
+      <dgm:prSet/>
+      <dgm:spPr/>
+      <dgm:t>
+        <a:bodyPr/>
+        <a:lstStyle/>
+        <a:p>
+          <a:r>
+            <a:rPr lang="fr-CA"/>
+            <a:t>Planifications</a:t>
+          </a:r>
+          <a:r>
+            <a:rPr lang="en-US"/>
+            <a:t> des taches</a:t>
+          </a:r>
+        </a:p>
+      </dgm:t>
+    </dgm:pt>
+    <dgm:pt modelId="{5CFAC211-387F-41AF-A9A4-51D0EB8D44F4}" type="parTrans" cxnId="{88A4D478-CE5F-4A8E-9FF2-E54803B27D25}">
+      <dgm:prSet/>
+      <dgm:spPr/>
+      <dgm:t>
+        <a:bodyPr/>
+        <a:lstStyle/>
+        <a:p>
+          <a:endParaRPr lang="en-US"/>
+        </a:p>
+      </dgm:t>
+    </dgm:pt>
+    <dgm:pt modelId="{CAEB9AA9-46F9-4D0B-9ABA-60B0FEC0443B}" type="sibTrans" cxnId="{88A4D478-CE5F-4A8E-9FF2-E54803B27D25}">
+      <dgm:prSet/>
+      <dgm:spPr/>
+      <dgm:t>
+        <a:bodyPr/>
+        <a:lstStyle/>
+        <a:p>
+          <a:endParaRPr lang="en-US"/>
+        </a:p>
+      </dgm:t>
+    </dgm:pt>
+    <dgm:pt modelId="{1AB076BA-C861-4A12-B296-1D7F3D55B6DF}">
+      <dgm:prSet/>
+      <dgm:spPr/>
+      <dgm:t>
+        <a:bodyPr/>
+        <a:lstStyle/>
+        <a:p>
+          <a:r>
+            <a:rPr lang="en-US"/>
+            <a:t>Organisation du travail</a:t>
+          </a:r>
+        </a:p>
+      </dgm:t>
+    </dgm:pt>
+    <dgm:pt modelId="{CE340834-7369-4FE6-AB54-F22881F7DB35}" type="parTrans" cxnId="{0D830162-8B6C-4FDD-A03C-D4B2BFD5F2B6}">
+      <dgm:prSet/>
+      <dgm:spPr/>
+      <dgm:t>
+        <a:bodyPr/>
+        <a:lstStyle/>
+        <a:p>
+          <a:endParaRPr lang="en-US"/>
+        </a:p>
+      </dgm:t>
+    </dgm:pt>
+    <dgm:pt modelId="{C388DD11-D18C-4D26-A276-A01422B67CB7}" type="sibTrans" cxnId="{0D830162-8B6C-4FDD-A03C-D4B2BFD5F2B6}">
+      <dgm:prSet/>
+      <dgm:spPr/>
+      <dgm:t>
+        <a:bodyPr/>
+        <a:lstStyle/>
+        <a:p>
+          <a:endParaRPr lang="en-US"/>
+        </a:p>
+      </dgm:t>
+    </dgm:pt>
+    <dgm:pt modelId="{80EDC5C8-3FCE-6B48-8995-52D4E6776018}" type="pres">
+      <dgm:prSet presAssocID="{0B6D2FF8-33E0-42A6-A9B2-1B05F290230B}" presName="Name0" presStyleCnt="0">
+        <dgm:presLayoutVars>
+          <dgm:chMax/>
+          <dgm:chPref/>
+          <dgm:dir/>
+          <dgm:animLvl val="lvl"/>
+        </dgm:presLayoutVars>
+      </dgm:prSet>
+      <dgm:spPr/>
+      <dgm:t>
+        <a:bodyPr/>
+        <a:lstStyle/>
+        <a:p>
+          <a:endParaRPr lang="en-US"/>
+        </a:p>
+      </dgm:t>
+    </dgm:pt>
+    <dgm:pt modelId="{D79950D3-2820-7546-BB51-6E159D4FC9DD}" type="pres">
+      <dgm:prSet presAssocID="{574FA371-0164-4E96-8701-ABFD8868334F}" presName="composite" presStyleCnt="0"/>
+      <dgm:spPr/>
+    </dgm:pt>
+    <dgm:pt modelId="{782C39CF-BD51-B54D-97B1-218293AFB00D}" type="pres">
+      <dgm:prSet presAssocID="{574FA371-0164-4E96-8701-ABFD8868334F}" presName="Parent1" presStyleLbl="node1" presStyleIdx="0" presStyleCnt="4">
+        <dgm:presLayoutVars>
+          <dgm:chMax val="1"/>
+          <dgm:chPref val="1"/>
+          <dgm:bulletEnabled val="1"/>
+        </dgm:presLayoutVars>
+      </dgm:prSet>
+      <dgm:spPr/>
+      <dgm:t>
+        <a:bodyPr/>
+        <a:lstStyle/>
+        <a:p>
+          <a:endParaRPr lang="en-US"/>
+        </a:p>
+      </dgm:t>
+    </dgm:pt>
+    <dgm:pt modelId="{7E0A99B2-AB62-6047-9E8C-A2DD3AF20F8B}" type="pres">
+      <dgm:prSet presAssocID="{574FA371-0164-4E96-8701-ABFD8868334F}" presName="Childtext1" presStyleLbl="revTx" presStyleIdx="0" presStyleCnt="2">
+        <dgm:presLayoutVars>
+          <dgm:chMax val="0"/>
+          <dgm:chPref val="0"/>
+          <dgm:bulletEnabled val="1"/>
+        </dgm:presLayoutVars>
+      </dgm:prSet>
+      <dgm:spPr/>
+    </dgm:pt>
+    <dgm:pt modelId="{2C1DF81F-EEF9-E44E-8242-4A021D1C34C7}" type="pres">
+      <dgm:prSet presAssocID="{574FA371-0164-4E96-8701-ABFD8868334F}" presName="BalanceSpacing" presStyleCnt="0"/>
+      <dgm:spPr/>
+    </dgm:pt>
+    <dgm:pt modelId="{140C17E1-D208-B248-B82A-716BDA991692}" type="pres">
+      <dgm:prSet presAssocID="{574FA371-0164-4E96-8701-ABFD8868334F}" presName="BalanceSpacing1" presStyleCnt="0"/>
+      <dgm:spPr/>
+    </dgm:pt>
+    <dgm:pt modelId="{AEA433CF-5B9C-2A44-AAD1-E985FEE50E10}" type="pres">
+      <dgm:prSet presAssocID="{CAEB9AA9-46F9-4D0B-9ABA-60B0FEC0443B}" presName="Accent1Text" presStyleLbl="node1" presStyleIdx="1" presStyleCnt="4"/>
+      <dgm:spPr/>
+      <dgm:t>
+        <a:bodyPr/>
+        <a:lstStyle/>
+        <a:p>
+          <a:endParaRPr lang="en-US"/>
+        </a:p>
+      </dgm:t>
+    </dgm:pt>
+    <dgm:pt modelId="{5B27E583-250E-8C41-B571-0D3695DA03B0}" type="pres">
+      <dgm:prSet presAssocID="{CAEB9AA9-46F9-4D0B-9ABA-60B0FEC0443B}" presName="spaceBetweenRectangles" presStyleCnt="0"/>
+      <dgm:spPr/>
+    </dgm:pt>
+    <dgm:pt modelId="{B8C651E2-1951-5346-8697-223C0529C2DF}" type="pres">
+      <dgm:prSet presAssocID="{1AB076BA-C861-4A12-B296-1D7F3D55B6DF}" presName="composite" presStyleCnt="0"/>
+      <dgm:spPr/>
+    </dgm:pt>
+    <dgm:pt modelId="{FA141F0B-5787-FC49-9F05-B3952E051EB7}" type="pres">
+      <dgm:prSet presAssocID="{1AB076BA-C861-4A12-B296-1D7F3D55B6DF}" presName="Parent1" presStyleLbl="node1" presStyleIdx="2" presStyleCnt="4">
+        <dgm:presLayoutVars>
+          <dgm:chMax val="1"/>
+          <dgm:chPref val="1"/>
+          <dgm:bulletEnabled val="1"/>
+        </dgm:presLayoutVars>
+      </dgm:prSet>
+      <dgm:spPr/>
+      <dgm:t>
+        <a:bodyPr/>
+        <a:lstStyle/>
+        <a:p>
+          <a:endParaRPr lang="en-US"/>
+        </a:p>
+      </dgm:t>
+    </dgm:pt>
+    <dgm:pt modelId="{92D29893-5AC4-704F-9478-87FFA08D91CD}" type="pres">
+      <dgm:prSet presAssocID="{1AB076BA-C861-4A12-B296-1D7F3D55B6DF}" presName="Childtext1" presStyleLbl="revTx" presStyleIdx="1" presStyleCnt="2">
+        <dgm:presLayoutVars>
+          <dgm:chMax val="0"/>
+          <dgm:chPref val="0"/>
+          <dgm:bulletEnabled val="1"/>
+        </dgm:presLayoutVars>
+      </dgm:prSet>
+      <dgm:spPr/>
+    </dgm:pt>
+    <dgm:pt modelId="{00B5BDC8-BB6E-2C43-884C-41640A0D5400}" type="pres">
+      <dgm:prSet presAssocID="{1AB076BA-C861-4A12-B296-1D7F3D55B6DF}" presName="BalanceSpacing" presStyleCnt="0"/>
+      <dgm:spPr/>
+    </dgm:pt>
+    <dgm:pt modelId="{8670829E-2220-9342-9885-765CCAE9EB1E}" type="pres">
+      <dgm:prSet presAssocID="{1AB076BA-C861-4A12-B296-1D7F3D55B6DF}" presName="BalanceSpacing1" presStyleCnt="0"/>
+      <dgm:spPr/>
+    </dgm:pt>
+    <dgm:pt modelId="{0FED53DE-13A2-1C46-A80C-230B2C6A3F5E}" type="pres">
+      <dgm:prSet presAssocID="{C388DD11-D18C-4D26-A276-A01422B67CB7}" presName="Accent1Text" presStyleLbl="node1" presStyleIdx="3" presStyleCnt="4"/>
+      <dgm:spPr/>
+      <dgm:t>
+        <a:bodyPr/>
+        <a:lstStyle/>
+        <a:p>
+          <a:endParaRPr lang="en-US"/>
+        </a:p>
+      </dgm:t>
+    </dgm:pt>
+  </dgm:ptLst>
+  <dgm:cxnLst>
+    <dgm:cxn modelId="{0D830162-8B6C-4FDD-A03C-D4B2BFD5F2B6}" srcId="{0B6D2FF8-33E0-42A6-A9B2-1B05F290230B}" destId="{1AB076BA-C861-4A12-B296-1D7F3D55B6DF}" srcOrd="1" destOrd="0" parTransId="{CE340834-7369-4FE6-AB54-F22881F7DB35}" sibTransId="{C388DD11-D18C-4D26-A276-A01422B67CB7}"/>
+    <dgm:cxn modelId="{4D09A911-3DE5-F644-9DD0-01165E1CD2A0}" type="presOf" srcId="{C388DD11-D18C-4D26-A276-A01422B67CB7}" destId="{0FED53DE-13A2-1C46-A80C-230B2C6A3F5E}" srcOrd="0" destOrd="0" presId="urn:microsoft.com/office/officeart/2008/layout/AlternatingHexagons"/>
+    <dgm:cxn modelId="{B72B9C6F-0F26-144E-9833-1268D5572F4A}" type="presOf" srcId="{574FA371-0164-4E96-8701-ABFD8868334F}" destId="{782C39CF-BD51-B54D-97B1-218293AFB00D}" srcOrd="0" destOrd="0" presId="urn:microsoft.com/office/officeart/2008/layout/AlternatingHexagons"/>
+    <dgm:cxn modelId="{038CE0E4-8CE3-6544-8420-0D52E55DFED8}" type="presOf" srcId="{0B6D2FF8-33E0-42A6-A9B2-1B05F290230B}" destId="{80EDC5C8-3FCE-6B48-8995-52D4E6776018}" srcOrd="0" destOrd="0" presId="urn:microsoft.com/office/officeart/2008/layout/AlternatingHexagons"/>
+    <dgm:cxn modelId="{88A4D478-CE5F-4A8E-9FF2-E54803B27D25}" srcId="{0B6D2FF8-33E0-42A6-A9B2-1B05F290230B}" destId="{574FA371-0164-4E96-8701-ABFD8868334F}" srcOrd="0" destOrd="0" parTransId="{5CFAC211-387F-41AF-A9A4-51D0EB8D44F4}" sibTransId="{CAEB9AA9-46F9-4D0B-9ABA-60B0FEC0443B}"/>
+    <dgm:cxn modelId="{F1ECD9D3-7771-D14E-A42C-AE805776F433}" type="presOf" srcId="{1AB076BA-C861-4A12-B296-1D7F3D55B6DF}" destId="{FA141F0B-5787-FC49-9F05-B3952E051EB7}" srcOrd="0" destOrd="0" presId="urn:microsoft.com/office/officeart/2008/layout/AlternatingHexagons"/>
+    <dgm:cxn modelId="{8085CD29-8A3B-E14C-B4C8-C0FDAE968C77}" type="presOf" srcId="{CAEB9AA9-46F9-4D0B-9ABA-60B0FEC0443B}" destId="{AEA433CF-5B9C-2A44-AAD1-E985FEE50E10}" srcOrd="0" destOrd="0" presId="urn:microsoft.com/office/officeart/2008/layout/AlternatingHexagons"/>
+    <dgm:cxn modelId="{D27C64CF-7529-A04F-9815-C3BD6A3A2093}" type="presParOf" srcId="{80EDC5C8-3FCE-6B48-8995-52D4E6776018}" destId="{D79950D3-2820-7546-BB51-6E159D4FC9DD}" srcOrd="0" destOrd="0" presId="urn:microsoft.com/office/officeart/2008/layout/AlternatingHexagons"/>
+    <dgm:cxn modelId="{586C4444-F2F2-C14F-8991-862EE9B58D43}" type="presParOf" srcId="{D79950D3-2820-7546-BB51-6E159D4FC9DD}" destId="{782C39CF-BD51-B54D-97B1-218293AFB00D}" srcOrd="0" destOrd="0" presId="urn:microsoft.com/office/officeart/2008/layout/AlternatingHexagons"/>
+    <dgm:cxn modelId="{B043F987-E41D-9D43-BDB2-B35B17D3678E}" type="presParOf" srcId="{D79950D3-2820-7546-BB51-6E159D4FC9DD}" destId="{7E0A99B2-AB62-6047-9E8C-A2DD3AF20F8B}" srcOrd="1" destOrd="0" presId="urn:microsoft.com/office/officeart/2008/layout/AlternatingHexagons"/>
+    <dgm:cxn modelId="{082EC3BA-6B2A-F44F-9596-585FB6C5C2F7}" type="presParOf" srcId="{D79950D3-2820-7546-BB51-6E159D4FC9DD}" destId="{2C1DF81F-EEF9-E44E-8242-4A021D1C34C7}" srcOrd="2" destOrd="0" presId="urn:microsoft.com/office/officeart/2008/layout/AlternatingHexagons"/>
+    <dgm:cxn modelId="{C4CF714B-9CF0-4E4C-8651-60FC623C10DE}" type="presParOf" srcId="{D79950D3-2820-7546-BB51-6E159D4FC9DD}" destId="{140C17E1-D208-B248-B82A-716BDA991692}" srcOrd="3" destOrd="0" presId="urn:microsoft.com/office/officeart/2008/layout/AlternatingHexagons"/>
+    <dgm:cxn modelId="{D0012C25-8A47-3B4B-8F6F-7E7AD75322F5}" type="presParOf" srcId="{D79950D3-2820-7546-BB51-6E159D4FC9DD}" destId="{AEA433CF-5B9C-2A44-AAD1-E985FEE50E10}" srcOrd="4" destOrd="0" presId="urn:microsoft.com/office/officeart/2008/layout/AlternatingHexagons"/>
+    <dgm:cxn modelId="{B7E38D90-6F65-634B-A2F0-52CBEA843372}" type="presParOf" srcId="{80EDC5C8-3FCE-6B48-8995-52D4E6776018}" destId="{5B27E583-250E-8C41-B571-0D3695DA03B0}" srcOrd="1" destOrd="0" presId="urn:microsoft.com/office/officeart/2008/layout/AlternatingHexagons"/>
+    <dgm:cxn modelId="{655D8947-FFF1-924A-BB98-7ECE0DE4DEFC}" type="presParOf" srcId="{80EDC5C8-3FCE-6B48-8995-52D4E6776018}" destId="{B8C651E2-1951-5346-8697-223C0529C2DF}" srcOrd="2" destOrd="0" presId="urn:microsoft.com/office/officeart/2008/layout/AlternatingHexagons"/>
+    <dgm:cxn modelId="{A44B98BE-8572-2A43-BBF1-1CB1FB39D0E0}" type="presParOf" srcId="{B8C651E2-1951-5346-8697-223C0529C2DF}" destId="{FA141F0B-5787-FC49-9F05-B3952E051EB7}" srcOrd="0" destOrd="0" presId="urn:microsoft.com/office/officeart/2008/layout/AlternatingHexagons"/>
+    <dgm:cxn modelId="{20046A2C-7AB6-7D42-B186-6E55AC411519}" type="presParOf" srcId="{B8C651E2-1951-5346-8697-223C0529C2DF}" destId="{92D29893-5AC4-704F-9478-87FFA08D91CD}" srcOrd="1" destOrd="0" presId="urn:microsoft.com/office/officeart/2008/layout/AlternatingHexagons"/>
+    <dgm:cxn modelId="{B39A7603-E1F4-D24F-803E-1234547B8169}" type="presParOf" srcId="{B8C651E2-1951-5346-8697-223C0529C2DF}" destId="{00B5BDC8-BB6E-2C43-884C-41640A0D5400}" srcOrd="2" destOrd="0" presId="urn:microsoft.com/office/officeart/2008/layout/AlternatingHexagons"/>
+    <dgm:cxn modelId="{5A67CF9B-110A-A140-8D0E-36DA58D956FE}" type="presParOf" srcId="{B8C651E2-1951-5346-8697-223C0529C2DF}" destId="{8670829E-2220-9342-9885-765CCAE9EB1E}" srcOrd="3" destOrd="0" presId="urn:microsoft.com/office/officeart/2008/layout/AlternatingHexagons"/>
+    <dgm:cxn modelId="{2C060ACB-7777-E840-81D6-36AB3B2C5D23}" type="presParOf" srcId="{B8C651E2-1951-5346-8697-223C0529C2DF}" destId="{0FED53DE-13A2-1C46-A80C-230B2C6A3F5E}" srcOrd="4" destOrd="0" presId="urn:microsoft.com/office/officeart/2008/layout/AlternatingHexagons"/>
+  </dgm:cxnLst>
+  <dgm:bg/>
+  <dgm:whole/>
+  <dgm:extLst>
+    <a:ext uri="http://schemas.microsoft.com/office/drawing/2008/diagram">
+      <dsp:dataModelExt xmlns:dsp="http://schemas.microsoft.com/office/drawing/2008/diagram" relId="rId7" minVer="http://schemas.openxmlformats.org/drawingml/2006/diagram"/>
+    </a:ext>
+  </dgm:extLst>
+</dgm:dataModel>
+</file>
+
+<file path=ppt/diagrams/data2.xml><?xml version="1.0" encoding="utf-8"?>
+<dgm:dataModel xmlns:dgm="http://schemas.openxmlformats.org/drawingml/2006/diagram" xmlns:a="http://schemas.openxmlformats.org/drawingml/2006/main">
+  <dgm:ptLst>
+    <dgm:pt modelId="{A3314DF9-324C-4C97-A370-FD6D69095247}" type="doc">
+      <dgm:prSet loTypeId="urn:microsoft.com/office/officeart/2005/8/layout/list1" loCatId="list" qsTypeId="urn:microsoft.com/office/officeart/2005/8/quickstyle/simple4" qsCatId="simple" csTypeId="urn:microsoft.com/office/officeart/2005/8/colors/accent1_2" csCatId="accent1"/>
+      <dgm:spPr/>
+      <dgm:t>
+        <a:bodyPr/>
+        <a:lstStyle/>
+        <a:p>
+          <a:endParaRPr lang="en-US"/>
+        </a:p>
+      </dgm:t>
+    </dgm:pt>
+    <dgm:pt modelId="{FD1F9FED-0120-4340-AFB0-E8031EC58EE0}">
+      <dgm:prSet/>
+      <dgm:spPr/>
+      <dgm:t>
+        <a:bodyPr/>
+        <a:lstStyle/>
+        <a:p>
+          <a:r>
+            <a:rPr lang="fr-CA"/>
+            <a:t>Fonctionnalité</a:t>
+          </a:r>
+          <a:endParaRPr lang="en-US"/>
+        </a:p>
+      </dgm:t>
+    </dgm:pt>
+    <dgm:pt modelId="{ACFE0A19-F89D-4F6B-8341-A5F38EEC33EE}" type="parTrans" cxnId="{4813842B-9E51-4F26-B47D-4594AD6C2211}">
+      <dgm:prSet/>
+      <dgm:spPr/>
+      <dgm:t>
+        <a:bodyPr/>
+        <a:lstStyle/>
+        <a:p>
+          <a:endParaRPr lang="en-US"/>
+        </a:p>
+      </dgm:t>
+    </dgm:pt>
+    <dgm:pt modelId="{58237C8E-5B5C-46FB-9FD8-C1902F634CA5}" type="sibTrans" cxnId="{4813842B-9E51-4F26-B47D-4594AD6C2211}">
+      <dgm:prSet/>
+      <dgm:spPr/>
+      <dgm:t>
+        <a:bodyPr/>
+        <a:lstStyle/>
+        <a:p>
+          <a:endParaRPr lang="en-US"/>
+        </a:p>
+      </dgm:t>
+    </dgm:pt>
+    <dgm:pt modelId="{113692A3-B31A-4D97-A568-D6B164227AA5}">
+      <dgm:prSet/>
+      <dgm:spPr/>
+      <dgm:t>
+        <a:bodyPr/>
+        <a:lstStyle/>
+        <a:p>
+          <a:r>
+            <a:rPr lang="fr-CA"/>
+            <a:t>Clients</a:t>
+          </a:r>
+          <a:endParaRPr lang="en-US"/>
+        </a:p>
+      </dgm:t>
+    </dgm:pt>
+    <dgm:pt modelId="{0014F81D-355B-4DAC-B08B-50D6C0CCEF50}" type="parTrans" cxnId="{4FC6F415-C9B9-410A-A159-FF79881C836C}">
+      <dgm:prSet/>
+      <dgm:spPr/>
+      <dgm:t>
+        <a:bodyPr/>
+        <a:lstStyle/>
+        <a:p>
+          <a:endParaRPr lang="en-US"/>
+        </a:p>
+      </dgm:t>
+    </dgm:pt>
+    <dgm:pt modelId="{57A63351-F3A4-4341-91BD-580389F0B5F6}" type="sibTrans" cxnId="{4FC6F415-C9B9-410A-A159-FF79881C836C}">
+      <dgm:prSet/>
+      <dgm:spPr/>
+      <dgm:t>
+        <a:bodyPr/>
+        <a:lstStyle/>
+        <a:p>
+          <a:endParaRPr lang="en-US"/>
+        </a:p>
+      </dgm:t>
+    </dgm:pt>
+    <dgm:pt modelId="{DDF14522-A369-46A1-9E91-46236AC2F44C}">
+      <dgm:prSet/>
+      <dgm:spPr/>
+      <dgm:t>
+        <a:bodyPr/>
+        <a:lstStyle/>
+        <a:p>
+          <a:r>
+            <a:rPr lang="fr-CA"/>
+            <a:t>Efficacité </a:t>
+          </a:r>
+          <a:endParaRPr lang="en-US"/>
+        </a:p>
+      </dgm:t>
+    </dgm:pt>
+    <dgm:pt modelId="{1CA15F44-74C9-4D9F-AD89-CFFCB567D65B}" type="parTrans" cxnId="{988CAB5F-384E-4748-A790-321A9B9A8E03}">
+      <dgm:prSet/>
+      <dgm:spPr/>
+      <dgm:t>
+        <a:bodyPr/>
+        <a:lstStyle/>
+        <a:p>
+          <a:endParaRPr lang="en-US"/>
+        </a:p>
+      </dgm:t>
+    </dgm:pt>
+    <dgm:pt modelId="{85E8197D-A230-43A7-A5CA-40FED2809DEC}" type="sibTrans" cxnId="{988CAB5F-384E-4748-A790-321A9B9A8E03}">
+      <dgm:prSet/>
+      <dgm:spPr/>
+      <dgm:t>
+        <a:bodyPr/>
+        <a:lstStyle/>
+        <a:p>
+          <a:endParaRPr lang="en-US"/>
+        </a:p>
+      </dgm:t>
+    </dgm:pt>
+    <dgm:pt modelId="{7B80B687-2615-4C6D-AE0E-A120A4FD04E0}">
+      <dgm:prSet/>
+      <dgm:spPr/>
+      <dgm:t>
+        <a:bodyPr/>
+        <a:lstStyle/>
+        <a:p>
+          <a:r>
+            <a:rPr lang="fr-CA"/>
+            <a:t>Utilisabilité</a:t>
+          </a:r>
+          <a:endParaRPr lang="en-US"/>
+        </a:p>
+      </dgm:t>
+    </dgm:pt>
+    <dgm:pt modelId="{F341666C-747A-4708-90E7-E001C14920C5}" type="parTrans" cxnId="{81A8ED80-3425-4FAF-B179-DB32C302A0BE}">
+      <dgm:prSet/>
+      <dgm:spPr/>
+      <dgm:t>
+        <a:bodyPr/>
+        <a:lstStyle/>
+        <a:p>
+          <a:endParaRPr lang="en-US"/>
+        </a:p>
+      </dgm:t>
+    </dgm:pt>
+    <dgm:pt modelId="{1D974BC9-FAD9-44BB-967F-DF586023BDCB}" type="sibTrans" cxnId="{81A8ED80-3425-4FAF-B179-DB32C302A0BE}">
+      <dgm:prSet/>
+      <dgm:spPr/>
+      <dgm:t>
+        <a:bodyPr/>
+        <a:lstStyle/>
+        <a:p>
+          <a:endParaRPr lang="en-US"/>
+        </a:p>
+      </dgm:t>
+    </dgm:pt>
+    <dgm:pt modelId="{EA1440C6-12F3-461A-AE13-8CF1BF7E6688}">
+      <dgm:prSet/>
+      <dgm:spPr/>
+      <dgm:t>
+        <a:bodyPr/>
+        <a:lstStyle/>
+        <a:p>
+          <a:r>
+            <a:rPr lang="fr-CA"/>
+            <a:t>Sécurité</a:t>
+          </a:r>
+          <a:endParaRPr lang="en-US"/>
+        </a:p>
+      </dgm:t>
+    </dgm:pt>
+    <dgm:pt modelId="{29D7A414-4AA4-4D2F-ACDB-75359AD6740C}" type="parTrans" cxnId="{43E51FC7-F592-4FDF-A640-4EF167F96C3C}">
+      <dgm:prSet/>
+      <dgm:spPr/>
+      <dgm:t>
+        <a:bodyPr/>
+        <a:lstStyle/>
+        <a:p>
+          <a:endParaRPr lang="en-US"/>
+        </a:p>
+      </dgm:t>
+    </dgm:pt>
+    <dgm:pt modelId="{4D8F0095-D32C-4639-92FC-A6A72D3502A3}" type="sibTrans" cxnId="{43E51FC7-F592-4FDF-A640-4EF167F96C3C}">
+      <dgm:prSet/>
+      <dgm:spPr/>
+      <dgm:t>
+        <a:bodyPr/>
+        <a:lstStyle/>
+        <a:p>
+          <a:endParaRPr lang="en-US"/>
+        </a:p>
+      </dgm:t>
+    </dgm:pt>
+    <dgm:pt modelId="{F9EA761D-22EF-C040-8D78-113D7BD47E7C}" type="pres">
+      <dgm:prSet presAssocID="{A3314DF9-324C-4C97-A370-FD6D69095247}" presName="linear" presStyleCnt="0">
+        <dgm:presLayoutVars>
+          <dgm:dir/>
+          <dgm:animLvl val="lvl"/>
+          <dgm:resizeHandles val="exact"/>
+        </dgm:presLayoutVars>
+      </dgm:prSet>
+      <dgm:spPr/>
+      <dgm:t>
+        <a:bodyPr/>
+        <a:lstStyle/>
+        <a:p>
+          <a:endParaRPr lang="en-US"/>
+        </a:p>
+      </dgm:t>
+    </dgm:pt>
+    <dgm:pt modelId="{692BB253-00B9-EA4A-8298-282E05A92F30}" type="pres">
+      <dgm:prSet presAssocID="{FD1F9FED-0120-4340-AFB0-E8031EC58EE0}" presName="parentLin" presStyleCnt="0"/>
+      <dgm:spPr/>
+    </dgm:pt>
+    <dgm:pt modelId="{45AE43EA-0C59-A341-BA16-B465F21A22FD}" type="pres">
+      <dgm:prSet presAssocID="{FD1F9FED-0120-4340-AFB0-E8031EC58EE0}" presName="parentLeftMargin" presStyleLbl="node1" presStyleIdx="0" presStyleCnt="5"/>
+      <dgm:spPr/>
+      <dgm:t>
+        <a:bodyPr/>
+        <a:lstStyle/>
+        <a:p>
+          <a:endParaRPr lang="en-US"/>
+        </a:p>
+      </dgm:t>
+    </dgm:pt>
+    <dgm:pt modelId="{EAC0EB8F-036F-9142-AD38-8F1C49FB800F}" type="pres">
+      <dgm:prSet presAssocID="{FD1F9FED-0120-4340-AFB0-E8031EC58EE0}" presName="parentText" presStyleLbl="node1" presStyleIdx="0" presStyleCnt="5">
+        <dgm:presLayoutVars>
+          <dgm:chMax val="0"/>
+          <dgm:bulletEnabled val="1"/>
+        </dgm:presLayoutVars>
+      </dgm:prSet>
+      <dgm:spPr/>
+      <dgm:t>
+        <a:bodyPr/>
+        <a:lstStyle/>
+        <a:p>
+          <a:endParaRPr lang="en-US"/>
+        </a:p>
+      </dgm:t>
+    </dgm:pt>
+    <dgm:pt modelId="{7F84AB38-36C1-F940-BDC5-79AA43A83CF6}" type="pres">
+      <dgm:prSet presAssocID="{FD1F9FED-0120-4340-AFB0-E8031EC58EE0}" presName="negativeSpace" presStyleCnt="0"/>
+      <dgm:spPr/>
+    </dgm:pt>
+    <dgm:pt modelId="{75F82BAF-0853-304E-8737-83FBFBECD0D2}" type="pres">
+      <dgm:prSet presAssocID="{FD1F9FED-0120-4340-AFB0-E8031EC58EE0}" presName="childText" presStyleLbl="conFgAcc1" presStyleIdx="0" presStyleCnt="5">
+        <dgm:presLayoutVars>
+          <dgm:bulletEnabled val="1"/>
+        </dgm:presLayoutVars>
+      </dgm:prSet>
+      <dgm:spPr/>
+    </dgm:pt>
+    <dgm:pt modelId="{FEA52BEE-6B1C-B94D-884F-29CE60F7EFA9}" type="pres">
+      <dgm:prSet presAssocID="{58237C8E-5B5C-46FB-9FD8-C1902F634CA5}" presName="spaceBetweenRectangles" presStyleCnt="0"/>
+      <dgm:spPr/>
+    </dgm:pt>
+    <dgm:pt modelId="{B5298C3D-F285-884D-8C98-F6C4194EAF24}" type="pres">
+      <dgm:prSet presAssocID="{113692A3-B31A-4D97-A568-D6B164227AA5}" presName="parentLin" presStyleCnt="0"/>
+      <dgm:spPr/>
+    </dgm:pt>
+    <dgm:pt modelId="{0139D47D-AD6C-9141-B72B-886A6C9A197B}" type="pres">
+      <dgm:prSet presAssocID="{113692A3-B31A-4D97-A568-D6B164227AA5}" presName="parentLeftMargin" presStyleLbl="node1" presStyleIdx="0" presStyleCnt="5"/>
+      <dgm:spPr/>
+      <dgm:t>
+        <a:bodyPr/>
+        <a:lstStyle/>
+        <a:p>
+          <a:endParaRPr lang="en-US"/>
+        </a:p>
+      </dgm:t>
+    </dgm:pt>
+    <dgm:pt modelId="{FC4858D5-886E-A44C-8704-E86187408419}" type="pres">
+      <dgm:prSet presAssocID="{113692A3-B31A-4D97-A568-D6B164227AA5}" presName="parentText" presStyleLbl="node1" presStyleIdx="1" presStyleCnt="5">
+        <dgm:presLayoutVars>
+          <dgm:chMax val="0"/>
+          <dgm:bulletEnabled val="1"/>
+        </dgm:presLayoutVars>
+      </dgm:prSet>
+      <dgm:spPr/>
+      <dgm:t>
+        <a:bodyPr/>
+        <a:lstStyle/>
+        <a:p>
+          <a:endParaRPr lang="en-US"/>
+        </a:p>
+      </dgm:t>
+    </dgm:pt>
+    <dgm:pt modelId="{3EAE53AA-48AA-5F45-B751-5DA0835285FF}" type="pres">
+      <dgm:prSet presAssocID="{113692A3-B31A-4D97-A568-D6B164227AA5}" presName="negativeSpace" presStyleCnt="0"/>
+      <dgm:spPr/>
+    </dgm:pt>
+    <dgm:pt modelId="{8D9933B3-DBC8-CC4D-A1E8-4122E7478117}" type="pres">
+      <dgm:prSet presAssocID="{113692A3-B31A-4D97-A568-D6B164227AA5}" presName="childText" presStyleLbl="conFgAcc1" presStyleIdx="1" presStyleCnt="5">
+        <dgm:presLayoutVars>
+          <dgm:bulletEnabled val="1"/>
+        </dgm:presLayoutVars>
+      </dgm:prSet>
+      <dgm:spPr/>
+    </dgm:pt>
+    <dgm:pt modelId="{DD8D1781-77F3-AA42-B970-8AF50C5E5133}" type="pres">
+      <dgm:prSet presAssocID="{57A63351-F3A4-4341-91BD-580389F0B5F6}" presName="spaceBetweenRectangles" presStyleCnt="0"/>
+      <dgm:spPr/>
+    </dgm:pt>
+    <dgm:pt modelId="{2402DA2E-2F0C-654F-9E4E-33EF2CADBA82}" type="pres">
+      <dgm:prSet presAssocID="{DDF14522-A369-46A1-9E91-46236AC2F44C}" presName="parentLin" presStyleCnt="0"/>
+      <dgm:spPr/>
+    </dgm:pt>
+    <dgm:pt modelId="{0BE279F8-3D07-2348-838D-62773FD68906}" type="pres">
+      <dgm:prSet presAssocID="{DDF14522-A369-46A1-9E91-46236AC2F44C}" presName="parentLeftMargin" presStyleLbl="node1" presStyleIdx="1" presStyleCnt="5"/>
+      <dgm:spPr/>
+      <dgm:t>
+        <a:bodyPr/>
+        <a:lstStyle/>
+        <a:p>
+          <a:endParaRPr lang="en-US"/>
+        </a:p>
+      </dgm:t>
+    </dgm:pt>
+    <dgm:pt modelId="{2A91C582-24C1-854A-B33A-EDD533B2D31B}" type="pres">
+      <dgm:prSet presAssocID="{DDF14522-A369-46A1-9E91-46236AC2F44C}" presName="parentText" presStyleLbl="node1" presStyleIdx="2" presStyleCnt="5">
+        <dgm:presLayoutVars>
+          <dgm:chMax val="0"/>
+          <dgm:bulletEnabled val="1"/>
+        </dgm:presLayoutVars>
+      </dgm:prSet>
+      <dgm:spPr/>
+      <dgm:t>
+        <a:bodyPr/>
+        <a:lstStyle/>
+        <a:p>
+          <a:endParaRPr lang="en-US"/>
+        </a:p>
+      </dgm:t>
+    </dgm:pt>
+    <dgm:pt modelId="{82A56BCB-3D75-CE44-B88F-5B0C382A96AC}" type="pres">
+      <dgm:prSet presAssocID="{DDF14522-A369-46A1-9E91-46236AC2F44C}" presName="negativeSpace" presStyleCnt="0"/>
+      <dgm:spPr/>
+    </dgm:pt>
+    <dgm:pt modelId="{3C41018C-EA22-9944-AB7E-34C43237ECEB}" type="pres">
+      <dgm:prSet presAssocID="{DDF14522-A369-46A1-9E91-46236AC2F44C}" presName="childText" presStyleLbl="conFgAcc1" presStyleIdx="2" presStyleCnt="5">
+        <dgm:presLayoutVars>
+          <dgm:bulletEnabled val="1"/>
+        </dgm:presLayoutVars>
+      </dgm:prSet>
+      <dgm:spPr/>
+    </dgm:pt>
+    <dgm:pt modelId="{48037DE0-A761-D948-9847-A06D2121BE4C}" type="pres">
+      <dgm:prSet presAssocID="{85E8197D-A230-43A7-A5CA-40FED2809DEC}" presName="spaceBetweenRectangles" presStyleCnt="0"/>
+      <dgm:spPr/>
+    </dgm:pt>
+    <dgm:pt modelId="{17B85928-86F4-5A4B-82EC-D65C81C1E197}" type="pres">
+      <dgm:prSet presAssocID="{7B80B687-2615-4C6D-AE0E-A120A4FD04E0}" presName="parentLin" presStyleCnt="0"/>
+      <dgm:spPr/>
+    </dgm:pt>
+    <dgm:pt modelId="{C8B256C6-8861-C445-B3F1-CAF5E0E1839C}" type="pres">
+      <dgm:prSet presAssocID="{7B80B687-2615-4C6D-AE0E-A120A4FD04E0}" presName="parentLeftMargin" presStyleLbl="node1" presStyleIdx="2" presStyleCnt="5"/>
+      <dgm:spPr/>
+      <dgm:t>
+        <a:bodyPr/>
+        <a:lstStyle/>
+        <a:p>
+          <a:endParaRPr lang="en-US"/>
+        </a:p>
+      </dgm:t>
+    </dgm:pt>
+    <dgm:pt modelId="{39B12E62-3A79-554E-A39B-C0EADE449A73}" type="pres">
+      <dgm:prSet presAssocID="{7B80B687-2615-4C6D-AE0E-A120A4FD04E0}" presName="parentText" presStyleLbl="node1" presStyleIdx="3" presStyleCnt="5">
+        <dgm:presLayoutVars>
+          <dgm:chMax val="0"/>
+          <dgm:bulletEnabled val="1"/>
+        </dgm:presLayoutVars>
+      </dgm:prSet>
+      <dgm:spPr/>
+      <dgm:t>
+        <a:bodyPr/>
+        <a:lstStyle/>
+        <a:p>
+          <a:endParaRPr lang="en-US"/>
+        </a:p>
+      </dgm:t>
+    </dgm:pt>
+    <dgm:pt modelId="{4CDBB524-F5B9-0340-8120-CADF25258FFE}" type="pres">
+      <dgm:prSet presAssocID="{7B80B687-2615-4C6D-AE0E-A120A4FD04E0}" presName="negativeSpace" presStyleCnt="0"/>
+      <dgm:spPr/>
+    </dgm:pt>
+    <dgm:pt modelId="{3ED39E92-BEC6-044F-BD06-76CA1ADF2B0F}" type="pres">
+      <dgm:prSet presAssocID="{7B80B687-2615-4C6D-AE0E-A120A4FD04E0}" presName="childText" presStyleLbl="conFgAcc1" presStyleIdx="3" presStyleCnt="5">
+        <dgm:presLayoutVars>
+          <dgm:bulletEnabled val="1"/>
+        </dgm:presLayoutVars>
+      </dgm:prSet>
+      <dgm:spPr/>
+    </dgm:pt>
+    <dgm:pt modelId="{83F95978-AC6E-E44F-94D9-98AECA653624}" type="pres">
+      <dgm:prSet presAssocID="{1D974BC9-FAD9-44BB-967F-DF586023BDCB}" presName="spaceBetweenRectangles" presStyleCnt="0"/>
+      <dgm:spPr/>
+    </dgm:pt>
+    <dgm:pt modelId="{740C193C-F859-1440-A32C-CB48CE1AF2E0}" type="pres">
+      <dgm:prSet presAssocID="{EA1440C6-12F3-461A-AE13-8CF1BF7E6688}" presName="parentLin" presStyleCnt="0"/>
+      <dgm:spPr/>
+    </dgm:pt>
+    <dgm:pt modelId="{9A60D06F-8441-A64F-88BA-F6FD75CB71BB}" type="pres">
+      <dgm:prSet presAssocID="{EA1440C6-12F3-461A-AE13-8CF1BF7E6688}" presName="parentLeftMargin" presStyleLbl="node1" presStyleIdx="3" presStyleCnt="5"/>
+      <dgm:spPr/>
+      <dgm:t>
+        <a:bodyPr/>
+        <a:lstStyle/>
+        <a:p>
+          <a:endParaRPr lang="en-US"/>
+        </a:p>
+      </dgm:t>
+    </dgm:pt>
+    <dgm:pt modelId="{CD12F876-BECA-0045-BA9D-81D78F7297EA}" type="pres">
+      <dgm:prSet presAssocID="{EA1440C6-12F3-461A-AE13-8CF1BF7E6688}" presName="parentText" presStyleLbl="node1" presStyleIdx="4" presStyleCnt="5">
+        <dgm:presLayoutVars>
+          <dgm:chMax val="0"/>
+          <dgm:bulletEnabled val="1"/>
+        </dgm:presLayoutVars>
+      </dgm:prSet>
+      <dgm:spPr/>
+      <dgm:t>
+        <a:bodyPr/>
+        <a:lstStyle/>
+        <a:p>
+          <a:endParaRPr lang="en-US"/>
+        </a:p>
+      </dgm:t>
+    </dgm:pt>
+    <dgm:pt modelId="{C6D5230F-7222-EE4A-BD3C-5FE8F7AFED3D}" type="pres">
+      <dgm:prSet presAssocID="{EA1440C6-12F3-461A-AE13-8CF1BF7E6688}" presName="negativeSpace" presStyleCnt="0"/>
+      <dgm:spPr/>
+    </dgm:pt>
+    <dgm:pt modelId="{B9BFF239-88E2-FA44-A266-3A41D69F22F6}" type="pres">
+      <dgm:prSet presAssocID="{EA1440C6-12F3-461A-AE13-8CF1BF7E6688}" presName="childText" presStyleLbl="conFgAcc1" presStyleIdx="4" presStyleCnt="5">
+        <dgm:presLayoutVars>
+          <dgm:bulletEnabled val="1"/>
+        </dgm:presLayoutVars>
+      </dgm:prSet>
+      <dgm:spPr/>
+    </dgm:pt>
+  </dgm:ptLst>
+  <dgm:cxnLst>
+    <dgm:cxn modelId="{8CBAD84F-F155-1742-84DB-3E143926A767}" type="presOf" srcId="{7B80B687-2615-4C6D-AE0E-A120A4FD04E0}" destId="{C8B256C6-8861-C445-B3F1-CAF5E0E1839C}" srcOrd="0" destOrd="0" presId="urn:microsoft.com/office/officeart/2005/8/layout/list1"/>
+    <dgm:cxn modelId="{4813842B-9E51-4F26-B47D-4594AD6C2211}" srcId="{A3314DF9-324C-4C97-A370-FD6D69095247}" destId="{FD1F9FED-0120-4340-AFB0-E8031EC58EE0}" srcOrd="0" destOrd="0" parTransId="{ACFE0A19-F89D-4F6B-8341-A5F38EEC33EE}" sibTransId="{58237C8E-5B5C-46FB-9FD8-C1902F634CA5}"/>
+    <dgm:cxn modelId="{FA574B3E-9BBA-C140-8265-9FFFB07304A4}" type="presOf" srcId="{113692A3-B31A-4D97-A568-D6B164227AA5}" destId="{FC4858D5-886E-A44C-8704-E86187408419}" srcOrd="1" destOrd="0" presId="urn:microsoft.com/office/officeart/2005/8/layout/list1"/>
+    <dgm:cxn modelId="{88D3EBCF-07AF-FF4F-94B6-72263BE4AB0C}" type="presOf" srcId="{FD1F9FED-0120-4340-AFB0-E8031EC58EE0}" destId="{45AE43EA-0C59-A341-BA16-B465F21A22FD}" srcOrd="0" destOrd="0" presId="urn:microsoft.com/office/officeart/2005/8/layout/list1"/>
+    <dgm:cxn modelId="{278275D9-48D9-F242-9D9B-9B592A9DACEE}" type="presOf" srcId="{EA1440C6-12F3-461A-AE13-8CF1BF7E6688}" destId="{CD12F876-BECA-0045-BA9D-81D78F7297EA}" srcOrd="1" destOrd="0" presId="urn:microsoft.com/office/officeart/2005/8/layout/list1"/>
+    <dgm:cxn modelId="{48C8299E-5A71-E14C-8B05-71EBFE7C3CEA}" type="presOf" srcId="{DDF14522-A369-46A1-9E91-46236AC2F44C}" destId="{2A91C582-24C1-854A-B33A-EDD533B2D31B}" srcOrd="1" destOrd="0" presId="urn:microsoft.com/office/officeart/2005/8/layout/list1"/>
+    <dgm:cxn modelId="{18AE61BC-5938-F54A-92D6-2B293B56CB95}" type="presOf" srcId="{7B80B687-2615-4C6D-AE0E-A120A4FD04E0}" destId="{39B12E62-3A79-554E-A39B-C0EADE449A73}" srcOrd="1" destOrd="0" presId="urn:microsoft.com/office/officeart/2005/8/layout/list1"/>
+    <dgm:cxn modelId="{53FA8830-FAC9-1542-BEBD-4EA8E31E1C4C}" type="presOf" srcId="{FD1F9FED-0120-4340-AFB0-E8031EC58EE0}" destId="{EAC0EB8F-036F-9142-AD38-8F1C49FB800F}" srcOrd="1" destOrd="0" presId="urn:microsoft.com/office/officeart/2005/8/layout/list1"/>
+    <dgm:cxn modelId="{F45E63F7-2C1D-E74E-8F8C-25B65808C226}" type="presOf" srcId="{A3314DF9-324C-4C97-A370-FD6D69095247}" destId="{F9EA761D-22EF-C040-8D78-113D7BD47E7C}" srcOrd="0" destOrd="0" presId="urn:microsoft.com/office/officeart/2005/8/layout/list1"/>
+    <dgm:cxn modelId="{81A8ED80-3425-4FAF-B179-DB32C302A0BE}" srcId="{A3314DF9-324C-4C97-A370-FD6D69095247}" destId="{7B80B687-2615-4C6D-AE0E-A120A4FD04E0}" srcOrd="3" destOrd="0" parTransId="{F341666C-747A-4708-90E7-E001C14920C5}" sibTransId="{1D974BC9-FAD9-44BB-967F-DF586023BDCB}"/>
+    <dgm:cxn modelId="{0D2B0B7D-5EC9-CB42-A8CC-26CC059C7A81}" type="presOf" srcId="{DDF14522-A369-46A1-9E91-46236AC2F44C}" destId="{0BE279F8-3D07-2348-838D-62773FD68906}" srcOrd="0" destOrd="0" presId="urn:microsoft.com/office/officeart/2005/8/layout/list1"/>
+    <dgm:cxn modelId="{B0BEB82D-6DBB-D74A-8997-067A0571902D}" type="presOf" srcId="{EA1440C6-12F3-461A-AE13-8CF1BF7E6688}" destId="{9A60D06F-8441-A64F-88BA-F6FD75CB71BB}" srcOrd="0" destOrd="0" presId="urn:microsoft.com/office/officeart/2005/8/layout/list1"/>
+    <dgm:cxn modelId="{6FFE9E3D-25A6-AA4F-B267-2013F98D05C2}" type="presOf" srcId="{113692A3-B31A-4D97-A568-D6B164227AA5}" destId="{0139D47D-AD6C-9141-B72B-886A6C9A197B}" srcOrd="0" destOrd="0" presId="urn:microsoft.com/office/officeart/2005/8/layout/list1"/>
+    <dgm:cxn modelId="{4FC6F415-C9B9-410A-A159-FF79881C836C}" srcId="{A3314DF9-324C-4C97-A370-FD6D69095247}" destId="{113692A3-B31A-4D97-A568-D6B164227AA5}" srcOrd="1" destOrd="0" parTransId="{0014F81D-355B-4DAC-B08B-50D6C0CCEF50}" sibTransId="{57A63351-F3A4-4341-91BD-580389F0B5F6}"/>
+    <dgm:cxn modelId="{988CAB5F-384E-4748-A790-321A9B9A8E03}" srcId="{A3314DF9-324C-4C97-A370-FD6D69095247}" destId="{DDF14522-A369-46A1-9E91-46236AC2F44C}" srcOrd="2" destOrd="0" parTransId="{1CA15F44-74C9-4D9F-AD89-CFFCB567D65B}" sibTransId="{85E8197D-A230-43A7-A5CA-40FED2809DEC}"/>
+    <dgm:cxn modelId="{43E51FC7-F592-4FDF-A640-4EF167F96C3C}" srcId="{A3314DF9-324C-4C97-A370-FD6D69095247}" destId="{EA1440C6-12F3-461A-AE13-8CF1BF7E6688}" srcOrd="4" destOrd="0" parTransId="{29D7A414-4AA4-4D2F-ACDB-75359AD6740C}" sibTransId="{4D8F0095-D32C-4639-92FC-A6A72D3502A3}"/>
+    <dgm:cxn modelId="{3AE28583-C50B-4146-8D16-DBE6D2052B91}" type="presParOf" srcId="{F9EA761D-22EF-C040-8D78-113D7BD47E7C}" destId="{692BB253-00B9-EA4A-8298-282E05A92F30}" srcOrd="0" destOrd="0" presId="urn:microsoft.com/office/officeart/2005/8/layout/list1"/>
+    <dgm:cxn modelId="{ECBA6E65-7B66-C84D-9416-FE5184532044}" type="presParOf" srcId="{692BB253-00B9-EA4A-8298-282E05A92F30}" destId="{45AE43EA-0C59-A341-BA16-B465F21A22FD}" srcOrd="0" destOrd="0" presId="urn:microsoft.com/office/officeart/2005/8/layout/list1"/>
+    <dgm:cxn modelId="{EB90A1A7-A188-A243-9D6A-9D73994FCAD5}" type="presParOf" srcId="{692BB253-00B9-EA4A-8298-282E05A92F30}" destId="{EAC0EB8F-036F-9142-AD38-8F1C49FB800F}" srcOrd="1" destOrd="0" presId="urn:microsoft.com/office/officeart/2005/8/layout/list1"/>
+    <dgm:cxn modelId="{9E9CA823-6134-2A43-8621-839B48E2B7B1}" type="presParOf" srcId="{F9EA761D-22EF-C040-8D78-113D7BD47E7C}" destId="{7F84AB38-36C1-F940-BDC5-79AA43A83CF6}" srcOrd="1" destOrd="0" presId="urn:microsoft.com/office/officeart/2005/8/layout/list1"/>
+    <dgm:cxn modelId="{447CEFBD-D07D-7149-B2F4-63DF9BEFA5D4}" type="presParOf" srcId="{F9EA761D-22EF-C040-8D78-113D7BD47E7C}" destId="{75F82BAF-0853-304E-8737-83FBFBECD0D2}" srcOrd="2" destOrd="0" presId="urn:microsoft.com/office/officeart/2005/8/layout/list1"/>
+    <dgm:cxn modelId="{0D348A51-9E14-BC4B-A7DF-FD4141300BF5}" type="presParOf" srcId="{F9EA761D-22EF-C040-8D78-113D7BD47E7C}" destId="{FEA52BEE-6B1C-B94D-884F-29CE60F7EFA9}" srcOrd="3" destOrd="0" presId="urn:microsoft.com/office/officeart/2005/8/layout/list1"/>
+    <dgm:cxn modelId="{A5214AA3-34C9-AA46-9376-B276BCCCB26F}" type="presParOf" srcId="{F9EA761D-22EF-C040-8D78-113D7BD47E7C}" destId="{B5298C3D-F285-884D-8C98-F6C4194EAF24}" srcOrd="4" destOrd="0" presId="urn:microsoft.com/office/officeart/2005/8/layout/list1"/>
+    <dgm:cxn modelId="{3EE1FA6F-054F-E742-A475-8341AA368CF6}" type="presParOf" srcId="{B5298C3D-F285-884D-8C98-F6C4194EAF24}" destId="{0139D47D-AD6C-9141-B72B-886A6C9A197B}" srcOrd="0" destOrd="0" presId="urn:microsoft.com/office/officeart/2005/8/layout/list1"/>
+    <dgm:cxn modelId="{3BA8AC9F-F2EC-B949-8A69-19B1F537F110}" type="presParOf" srcId="{B5298C3D-F285-884D-8C98-F6C4194EAF24}" destId="{FC4858D5-886E-A44C-8704-E86187408419}" srcOrd="1" destOrd="0" presId="urn:microsoft.com/office/officeart/2005/8/layout/list1"/>
+    <dgm:cxn modelId="{4FCD1BD2-8B4A-FC4F-8727-65DCC76FE480}" type="presParOf" srcId="{F9EA761D-22EF-C040-8D78-113D7BD47E7C}" destId="{3EAE53AA-48AA-5F45-B751-5DA0835285FF}" srcOrd="5" destOrd="0" presId="urn:microsoft.com/office/officeart/2005/8/layout/list1"/>
+    <dgm:cxn modelId="{293E0D1C-EEFF-8848-AA22-A89B396A81C1}" type="presParOf" srcId="{F9EA761D-22EF-C040-8D78-113D7BD47E7C}" destId="{8D9933B3-DBC8-CC4D-A1E8-4122E7478117}" srcOrd="6" destOrd="0" presId="urn:microsoft.com/office/officeart/2005/8/layout/list1"/>
+    <dgm:cxn modelId="{9A1A0600-12A0-8C48-B6B7-1A10DF8EFEDB}" type="presParOf" srcId="{F9EA761D-22EF-C040-8D78-113D7BD47E7C}" destId="{DD8D1781-77F3-AA42-B970-8AF50C5E5133}" srcOrd="7" destOrd="0" presId="urn:microsoft.com/office/officeart/2005/8/layout/list1"/>
+    <dgm:cxn modelId="{7690E6BE-59F1-9548-81C0-E1E904E499AB}" type="presParOf" srcId="{F9EA761D-22EF-C040-8D78-113D7BD47E7C}" destId="{2402DA2E-2F0C-654F-9E4E-33EF2CADBA82}" srcOrd="8" destOrd="0" presId="urn:microsoft.com/office/officeart/2005/8/layout/list1"/>
+    <dgm:cxn modelId="{52048F92-9575-AD42-9752-DB2AAF9AAB2C}" type="presParOf" srcId="{2402DA2E-2F0C-654F-9E4E-33EF2CADBA82}" destId="{0BE279F8-3D07-2348-838D-62773FD68906}" srcOrd="0" destOrd="0" presId="urn:microsoft.com/office/officeart/2005/8/layout/list1"/>
+    <dgm:cxn modelId="{BF426601-C557-2B47-B4C7-A520E07D5669}" type="presParOf" srcId="{2402DA2E-2F0C-654F-9E4E-33EF2CADBA82}" destId="{2A91C582-24C1-854A-B33A-EDD533B2D31B}" srcOrd="1" destOrd="0" presId="urn:microsoft.com/office/officeart/2005/8/layout/list1"/>
+    <dgm:cxn modelId="{3A514065-2894-4749-8592-1C57A099C94F}" type="presParOf" srcId="{F9EA761D-22EF-C040-8D78-113D7BD47E7C}" destId="{82A56BCB-3D75-CE44-B88F-5B0C382A96AC}" srcOrd="9" destOrd="0" presId="urn:microsoft.com/office/officeart/2005/8/layout/list1"/>
+    <dgm:cxn modelId="{E8353848-511D-244A-859F-6983F228263D}" type="presParOf" srcId="{F9EA761D-22EF-C040-8D78-113D7BD47E7C}" destId="{3C41018C-EA22-9944-AB7E-34C43237ECEB}" srcOrd="10" destOrd="0" presId="urn:microsoft.com/office/officeart/2005/8/layout/list1"/>
+    <dgm:cxn modelId="{1EC3391E-1CC1-BE42-9C57-C6DF321A960C}" type="presParOf" srcId="{F9EA761D-22EF-C040-8D78-113D7BD47E7C}" destId="{48037DE0-A761-D948-9847-A06D2121BE4C}" srcOrd="11" destOrd="0" presId="urn:microsoft.com/office/officeart/2005/8/layout/list1"/>
+    <dgm:cxn modelId="{BA8C2368-2868-E04D-8135-3256FCB7E9DC}" type="presParOf" srcId="{F9EA761D-22EF-C040-8D78-113D7BD47E7C}" destId="{17B85928-86F4-5A4B-82EC-D65C81C1E197}" srcOrd="12" destOrd="0" presId="urn:microsoft.com/office/officeart/2005/8/layout/list1"/>
+    <dgm:cxn modelId="{3283E78B-A3B7-8042-8AB1-E66B60F841B3}" type="presParOf" srcId="{17B85928-86F4-5A4B-82EC-D65C81C1E197}" destId="{C8B256C6-8861-C445-B3F1-CAF5E0E1839C}" srcOrd="0" destOrd="0" presId="urn:microsoft.com/office/officeart/2005/8/layout/list1"/>
+    <dgm:cxn modelId="{C00CBD88-6AD7-BB4F-9DC4-7085182E9F05}" type="presParOf" srcId="{17B85928-86F4-5A4B-82EC-D65C81C1E197}" destId="{39B12E62-3A79-554E-A39B-C0EADE449A73}" srcOrd="1" destOrd="0" presId="urn:microsoft.com/office/officeart/2005/8/layout/list1"/>
+    <dgm:cxn modelId="{4910A1FF-0F8A-B648-AD3F-F68F2B605C05}" type="presParOf" srcId="{F9EA761D-22EF-C040-8D78-113D7BD47E7C}" destId="{4CDBB524-F5B9-0340-8120-CADF25258FFE}" srcOrd="13" destOrd="0" presId="urn:microsoft.com/office/officeart/2005/8/layout/list1"/>
+    <dgm:cxn modelId="{2F1A63D2-F941-3441-93CD-9DA115CADC36}" type="presParOf" srcId="{F9EA761D-22EF-C040-8D78-113D7BD47E7C}" destId="{3ED39E92-BEC6-044F-BD06-76CA1ADF2B0F}" srcOrd="14" destOrd="0" presId="urn:microsoft.com/office/officeart/2005/8/layout/list1"/>
+    <dgm:cxn modelId="{106037AC-DF29-7344-87CA-C7BE394A1824}" type="presParOf" srcId="{F9EA761D-22EF-C040-8D78-113D7BD47E7C}" destId="{83F95978-AC6E-E44F-94D9-98AECA653624}" srcOrd="15" destOrd="0" presId="urn:microsoft.com/office/officeart/2005/8/layout/list1"/>
+    <dgm:cxn modelId="{C04157A3-A418-2143-9231-BCD34B44B50C}" type="presParOf" srcId="{F9EA761D-22EF-C040-8D78-113D7BD47E7C}" destId="{740C193C-F859-1440-A32C-CB48CE1AF2E0}" srcOrd="16" destOrd="0" presId="urn:microsoft.com/office/officeart/2005/8/layout/list1"/>
+    <dgm:cxn modelId="{473EA27A-C4D7-6240-9836-BF6D1E71F8E7}" type="presParOf" srcId="{740C193C-F859-1440-A32C-CB48CE1AF2E0}" destId="{9A60D06F-8441-A64F-88BA-F6FD75CB71BB}" srcOrd="0" destOrd="0" presId="urn:microsoft.com/office/officeart/2005/8/layout/list1"/>
+    <dgm:cxn modelId="{980093EB-A015-F14B-BFE1-8E310104E20C}" type="presParOf" srcId="{740C193C-F859-1440-A32C-CB48CE1AF2E0}" destId="{CD12F876-BECA-0045-BA9D-81D78F7297EA}" srcOrd="1" destOrd="0" presId="urn:microsoft.com/office/officeart/2005/8/layout/list1"/>
+    <dgm:cxn modelId="{12F0BD3A-F9EF-0944-8ED2-EE467B282E72}" type="presParOf" srcId="{F9EA761D-22EF-C040-8D78-113D7BD47E7C}" destId="{C6D5230F-7222-EE4A-BD3C-5FE8F7AFED3D}" srcOrd="17" destOrd="0" presId="urn:microsoft.com/office/officeart/2005/8/layout/list1"/>
+    <dgm:cxn modelId="{669DC9A4-7195-7847-869E-2A5F00B758C0}" type="presParOf" srcId="{F9EA761D-22EF-C040-8D78-113D7BD47E7C}" destId="{B9BFF239-88E2-FA44-A266-3A41D69F22F6}" srcOrd="18" destOrd="0" presId="urn:microsoft.com/office/officeart/2005/8/layout/list1"/>
+  </dgm:cxnLst>
+  <dgm:bg/>
+  <dgm:whole/>
+  <dgm:extLst>
+    <a:ext uri="http://schemas.microsoft.com/office/drawing/2008/diagram">
+      <dsp:dataModelExt xmlns:dsp="http://schemas.microsoft.com/office/drawing/2008/diagram" relId="rId7" minVer="http://schemas.openxmlformats.org/drawingml/2006/diagram"/>
+    </a:ext>
+  </dgm:extLst>
+</dgm:dataModel>
+</file>
+
+<file path=ppt/diagrams/drawing1.xml><?xml version="1.0" encoding="utf-8"?>
+<dsp:drawing xmlns:dgm="http://schemas.openxmlformats.org/drawingml/2006/diagram" xmlns:dsp="http://schemas.microsoft.com/office/drawing/2008/diagram" xmlns:a="http://schemas.openxmlformats.org/drawingml/2006/main">
+  <dsp:spTree>
+    <dsp:nvGrpSpPr>
+      <dsp:cNvPr id="0" name=""/>
+      <dsp:cNvGrpSpPr/>
+    </dsp:nvGrpSpPr>
+    <dsp:grpSpPr/>
+    <dsp:sp modelId="{782C39CF-BD51-B54D-97B1-218293AFB00D}">
+      <dsp:nvSpPr>
+        <dsp:cNvPr id="0" name=""/>
+        <dsp:cNvSpPr/>
+      </dsp:nvSpPr>
+      <dsp:spPr>
+        <a:xfrm rot="5400000">
+          <a:off x="2501055" y="906875"/>
+          <a:ext cx="1642621" cy="1429080"/>
+        </a:xfrm>
+        <a:prstGeom prst="hexagon">
+          <a:avLst>
+            <a:gd name="adj" fmla="val 25000"/>
+            <a:gd name="vf" fmla="val 115470"/>
+          </a:avLst>
+        </a:prstGeom>
+        <a:gradFill rotWithShape="0">
+          <a:gsLst>
+            <a:gs pos="0">
+              <a:schemeClr val="accent1">
+                <a:hueOff val="0"/>
+                <a:satOff val="0"/>
+                <a:lumOff val="0"/>
+                <a:alphaOff val="0"/>
+                <a:tint val="98000"/>
+                <a:satMod val="110000"/>
+                <a:lumMod val="104000"/>
+              </a:schemeClr>
+            </a:gs>
+            <a:gs pos="69000">
+              <a:schemeClr val="accent1">
+                <a:hueOff val="0"/>
+                <a:satOff val="0"/>
+                <a:lumOff val="0"/>
+                <a:alphaOff val="0"/>
+                <a:shade val="88000"/>
+                <a:satMod val="130000"/>
+                <a:lumMod val="92000"/>
+              </a:schemeClr>
+            </a:gs>
+            <a:gs pos="100000">
+              <a:schemeClr val="accent1">
+                <a:hueOff val="0"/>
+                <a:satOff val="0"/>
+                <a:lumOff val="0"/>
+                <a:alphaOff val="0"/>
+                <a:shade val="78000"/>
+                <a:satMod val="130000"/>
+                <a:lumMod val="92000"/>
+              </a:schemeClr>
+            </a:gs>
+          </a:gsLst>
+          <a:lin ang="5400000" scaled="0"/>
+        </a:gradFill>
+        <a:ln>
+          <a:noFill/>
+        </a:ln>
+        <a:effectLst/>
+      </dsp:spPr>
+      <dsp:style>
+        <a:lnRef idx="0">
+          <a:scrgbClr r="0" g="0" b="0"/>
+        </a:lnRef>
+        <a:fillRef idx="3">
+          <a:scrgbClr r="0" g="0" b="0"/>
+        </a:fillRef>
+        <a:effectRef idx="2">
+          <a:scrgbClr r="0" g="0" b="0"/>
+        </a:effectRef>
+        <a:fontRef idx="minor">
+          <a:schemeClr val="lt1"/>
+        </a:fontRef>
+      </dsp:style>
+      <dsp:txBody>
+        <a:bodyPr spcFirstLastPara="0" vert="horz" wrap="square" lIns="49530" tIns="49530" rIns="49530" bIns="49530" numCol="1" spcCol="1270" anchor="ctr" anchorCtr="0">
+          <a:noAutofit/>
+        </a:bodyPr>
+        <a:lstStyle/>
+        <a:p>
+          <a:pPr lvl="0" algn="ctr" defTabSz="577850">
+            <a:lnSpc>
+              <a:spcPct val="90000"/>
+            </a:lnSpc>
+            <a:spcBef>
+              <a:spcPct val="0"/>
+            </a:spcBef>
+            <a:spcAft>
+              <a:spcPct val="35000"/>
+            </a:spcAft>
+          </a:pPr>
+          <a:r>
+            <a:rPr lang="fr-CA" sz="1300" kern="1200"/>
+            <a:t>Planifications</a:t>
+          </a:r>
+          <a:r>
+            <a:rPr lang="en-US" sz="1300" kern="1200"/>
+            <a:t> des taches</a:t>
+          </a:r>
+        </a:p>
+      </dsp:txBody>
+      <dsp:txXfrm rot="-5400000">
+        <a:off x="2830523" y="1056080"/>
+        <a:ext cx="983684" cy="1130671"/>
+      </dsp:txXfrm>
+    </dsp:sp>
+    <dsp:sp modelId="{7E0A99B2-AB62-6047-9E8C-A2DD3AF20F8B}">
+      <dsp:nvSpPr>
+        <dsp:cNvPr id="0" name=""/>
+        <dsp:cNvSpPr/>
+      </dsp:nvSpPr>
+      <dsp:spPr>
+        <a:xfrm>
+          <a:off x="4080271" y="1128629"/>
+          <a:ext cx="1833165" cy="985572"/>
+        </a:xfrm>
+        <a:prstGeom prst="rect">
+          <a:avLst/>
+        </a:prstGeom>
+        <a:noFill/>
+        <a:ln>
+          <a:noFill/>
+        </a:ln>
+        <a:effectLst/>
+      </dsp:spPr>
+      <dsp:style>
+        <a:lnRef idx="0">
+          <a:scrgbClr r="0" g="0" b="0"/>
+        </a:lnRef>
+        <a:fillRef idx="0">
+          <a:scrgbClr r="0" g="0" b="0"/>
+        </a:fillRef>
+        <a:effectRef idx="0">
+          <a:scrgbClr r="0" g="0" b="0"/>
+        </a:effectRef>
+        <a:fontRef idx="minor"/>
+      </dsp:style>
+    </dsp:sp>
+    <dsp:sp modelId="{AEA433CF-5B9C-2A44-AAD1-E985FEE50E10}">
+      <dsp:nvSpPr>
+        <dsp:cNvPr id="0" name=""/>
+        <dsp:cNvSpPr/>
+      </dsp:nvSpPr>
+      <dsp:spPr>
+        <a:xfrm rot="5400000">
+          <a:off x="957648" y="906875"/>
+          <a:ext cx="1642621" cy="1429080"/>
+        </a:xfrm>
+        <a:prstGeom prst="hexagon">
+          <a:avLst>
+            <a:gd name="adj" fmla="val 25000"/>
+            <a:gd name="vf" fmla="val 115470"/>
+          </a:avLst>
+        </a:prstGeom>
+        <a:gradFill rotWithShape="0">
+          <a:gsLst>
+            <a:gs pos="0">
+              <a:schemeClr val="accent1">
+                <a:hueOff val="0"/>
+                <a:satOff val="0"/>
+                <a:lumOff val="0"/>
+                <a:alphaOff val="0"/>
+                <a:tint val="98000"/>
+                <a:satMod val="110000"/>
+                <a:lumMod val="104000"/>
+              </a:schemeClr>
+            </a:gs>
+            <a:gs pos="69000">
+              <a:schemeClr val="accent1">
+                <a:hueOff val="0"/>
+                <a:satOff val="0"/>
+                <a:lumOff val="0"/>
+                <a:alphaOff val="0"/>
+                <a:shade val="88000"/>
+                <a:satMod val="130000"/>
+                <a:lumMod val="92000"/>
+              </a:schemeClr>
+            </a:gs>
+            <a:gs pos="100000">
+              <a:schemeClr val="accent1">
+                <a:hueOff val="0"/>
+                <a:satOff val="0"/>
+                <a:lumOff val="0"/>
+                <a:alphaOff val="0"/>
+                <a:shade val="78000"/>
+                <a:satMod val="130000"/>
+                <a:lumMod val="92000"/>
+              </a:schemeClr>
+            </a:gs>
+          </a:gsLst>
+          <a:lin ang="5400000" scaled="0"/>
+        </a:gradFill>
+        <a:ln>
+          <a:noFill/>
+        </a:ln>
+        <a:effectLst/>
+      </dsp:spPr>
+      <dsp:style>
+        <a:lnRef idx="0">
+          <a:scrgbClr r="0" g="0" b="0"/>
+        </a:lnRef>
+        <a:fillRef idx="3">
+          <a:scrgbClr r="0" g="0" b="0"/>
+        </a:fillRef>
+        <a:effectRef idx="2">
+          <a:scrgbClr r="0" g="0" b="0"/>
+        </a:effectRef>
+        <a:fontRef idx="minor">
+          <a:schemeClr val="lt1"/>
+        </a:fontRef>
+      </dsp:style>
+      <dsp:txBody>
+        <a:bodyPr spcFirstLastPara="0" vert="horz" wrap="square" lIns="0" tIns="0" rIns="0" bIns="0" numCol="1" spcCol="1270" anchor="ctr" anchorCtr="0">
+          <a:noAutofit/>
+        </a:bodyPr>
+        <a:lstStyle/>
+        <a:p>
+          <a:pPr lvl="0" algn="ctr" defTabSz="1600200">
+            <a:lnSpc>
+              <a:spcPct val="90000"/>
+            </a:lnSpc>
+            <a:spcBef>
+              <a:spcPct val="0"/>
+            </a:spcBef>
+            <a:spcAft>
+              <a:spcPct val="35000"/>
+            </a:spcAft>
+          </a:pPr>
+          <a:endParaRPr lang="en-US" sz="3600" kern="1200"/>
+        </a:p>
+      </dsp:txBody>
+      <dsp:txXfrm rot="-5400000">
+        <a:off x="1287116" y="1056080"/>
+        <a:ext cx="983684" cy="1130671"/>
+      </dsp:txXfrm>
+    </dsp:sp>
+    <dsp:sp modelId="{FA141F0B-5787-FC49-9F05-B3952E051EB7}">
+      <dsp:nvSpPr>
+        <dsp:cNvPr id="0" name=""/>
+        <dsp:cNvSpPr/>
+      </dsp:nvSpPr>
+      <dsp:spPr>
+        <a:xfrm rot="5400000">
+          <a:off x="1726395" y="2301132"/>
+          <a:ext cx="1642621" cy="1429080"/>
+        </a:xfrm>
+        <a:prstGeom prst="hexagon">
+          <a:avLst>
+            <a:gd name="adj" fmla="val 25000"/>
+            <a:gd name="vf" fmla="val 115470"/>
+          </a:avLst>
+        </a:prstGeom>
+        <a:gradFill rotWithShape="0">
+          <a:gsLst>
+            <a:gs pos="0">
+              <a:schemeClr val="accent1">
+                <a:hueOff val="0"/>
+                <a:satOff val="0"/>
+                <a:lumOff val="0"/>
+                <a:alphaOff val="0"/>
+                <a:tint val="98000"/>
+                <a:satMod val="110000"/>
+                <a:lumMod val="104000"/>
+              </a:schemeClr>
+            </a:gs>
+            <a:gs pos="69000">
+              <a:schemeClr val="accent1">
+                <a:hueOff val="0"/>
+                <a:satOff val="0"/>
+                <a:lumOff val="0"/>
+                <a:alphaOff val="0"/>
+                <a:shade val="88000"/>
+                <a:satMod val="130000"/>
+                <a:lumMod val="92000"/>
+              </a:schemeClr>
+            </a:gs>
+            <a:gs pos="100000">
+              <a:schemeClr val="accent1">
+                <a:hueOff val="0"/>
+                <a:satOff val="0"/>
+                <a:lumOff val="0"/>
+                <a:alphaOff val="0"/>
+                <a:shade val="78000"/>
+                <a:satMod val="130000"/>
+                <a:lumMod val="92000"/>
+              </a:schemeClr>
+            </a:gs>
+          </a:gsLst>
+          <a:lin ang="5400000" scaled="0"/>
+        </a:gradFill>
+        <a:ln>
+          <a:noFill/>
+        </a:ln>
+        <a:effectLst/>
+      </dsp:spPr>
+      <dsp:style>
+        <a:lnRef idx="0">
+          <a:scrgbClr r="0" g="0" b="0"/>
+        </a:lnRef>
+        <a:fillRef idx="3">
+          <a:scrgbClr r="0" g="0" b="0"/>
+        </a:fillRef>
+        <a:effectRef idx="2">
+          <a:scrgbClr r="0" g="0" b="0"/>
+        </a:effectRef>
+        <a:fontRef idx="minor">
+          <a:schemeClr val="lt1"/>
+        </a:fontRef>
+      </dsp:style>
+      <dsp:txBody>
+        <a:bodyPr spcFirstLastPara="0" vert="horz" wrap="square" lIns="49530" tIns="49530" rIns="49530" bIns="49530" numCol="1" spcCol="1270" anchor="ctr" anchorCtr="0">
+          <a:noAutofit/>
+        </a:bodyPr>
+        <a:lstStyle/>
+        <a:p>
+          <a:pPr lvl="0" algn="ctr" defTabSz="577850">
+            <a:lnSpc>
+              <a:spcPct val="90000"/>
+            </a:lnSpc>
+            <a:spcBef>
+              <a:spcPct val="0"/>
+            </a:spcBef>
+            <a:spcAft>
+              <a:spcPct val="35000"/>
+            </a:spcAft>
+          </a:pPr>
+          <a:r>
+            <a:rPr lang="en-US" sz="1300" kern="1200"/>
+            <a:t>Organisation du travail</a:t>
+          </a:r>
+        </a:p>
+      </dsp:txBody>
+      <dsp:txXfrm rot="-5400000">
+        <a:off x="2055863" y="2450337"/>
+        <a:ext cx="983684" cy="1130671"/>
+      </dsp:txXfrm>
+    </dsp:sp>
+    <dsp:sp modelId="{92D29893-5AC4-704F-9478-87FFA08D91CD}">
+      <dsp:nvSpPr>
+        <dsp:cNvPr id="0" name=""/>
+        <dsp:cNvSpPr/>
+      </dsp:nvSpPr>
+      <dsp:spPr>
+        <a:xfrm>
+          <a:off x="0" y="2522886"/>
+          <a:ext cx="1774031" cy="985572"/>
+        </a:xfrm>
+        <a:prstGeom prst="rect">
+          <a:avLst/>
+        </a:prstGeom>
+        <a:noFill/>
+        <a:ln>
+          <a:noFill/>
+        </a:ln>
+        <a:effectLst/>
+      </dsp:spPr>
+      <dsp:style>
+        <a:lnRef idx="0">
+          <a:scrgbClr r="0" g="0" b="0"/>
+        </a:lnRef>
+        <a:fillRef idx="0">
+          <a:scrgbClr r="0" g="0" b="0"/>
+        </a:fillRef>
+        <a:effectRef idx="0">
+          <a:scrgbClr r="0" g="0" b="0"/>
+        </a:effectRef>
+        <a:fontRef idx="minor"/>
+      </dsp:style>
+    </dsp:sp>
+    <dsp:sp modelId="{0FED53DE-13A2-1C46-A80C-230B2C6A3F5E}">
+      <dsp:nvSpPr>
+        <dsp:cNvPr id="0" name=""/>
+        <dsp:cNvSpPr/>
+      </dsp:nvSpPr>
+      <dsp:spPr>
+        <a:xfrm rot="5400000">
+          <a:off x="3269802" y="2301132"/>
+          <a:ext cx="1642621" cy="1429080"/>
+        </a:xfrm>
+        <a:prstGeom prst="hexagon">
+          <a:avLst>
+            <a:gd name="adj" fmla="val 25000"/>
+            <a:gd name="vf" fmla="val 115470"/>
+          </a:avLst>
+        </a:prstGeom>
+        <a:gradFill rotWithShape="0">
+          <a:gsLst>
+            <a:gs pos="0">
+              <a:schemeClr val="accent1">
+                <a:hueOff val="0"/>
+                <a:satOff val="0"/>
+                <a:lumOff val="0"/>
+                <a:alphaOff val="0"/>
+                <a:tint val="98000"/>
+                <a:satMod val="110000"/>
+                <a:lumMod val="104000"/>
+              </a:schemeClr>
+            </a:gs>
+            <a:gs pos="69000">
+              <a:schemeClr val="accent1">
+                <a:hueOff val="0"/>
+                <a:satOff val="0"/>
+                <a:lumOff val="0"/>
+                <a:alphaOff val="0"/>
+                <a:shade val="88000"/>
+                <a:satMod val="130000"/>
+                <a:lumMod val="92000"/>
+              </a:schemeClr>
+            </a:gs>
+            <a:gs pos="100000">
+              <a:schemeClr val="accent1">
+                <a:hueOff val="0"/>
+                <a:satOff val="0"/>
+                <a:lumOff val="0"/>
+                <a:alphaOff val="0"/>
+                <a:shade val="78000"/>
+                <a:satMod val="130000"/>
+                <a:lumMod val="92000"/>
+              </a:schemeClr>
+            </a:gs>
+          </a:gsLst>
+          <a:lin ang="5400000" scaled="0"/>
+        </a:gradFill>
+        <a:ln>
+          <a:noFill/>
+        </a:ln>
+        <a:effectLst/>
+      </dsp:spPr>
+      <dsp:style>
+        <a:lnRef idx="0">
+          <a:scrgbClr r="0" g="0" b="0"/>
+        </a:lnRef>
+        <a:fillRef idx="3">
+          <a:scrgbClr r="0" g="0" b="0"/>
+        </a:fillRef>
+        <a:effectRef idx="2">
+          <a:scrgbClr r="0" g="0" b="0"/>
+        </a:effectRef>
+        <a:fontRef idx="minor">
+          <a:schemeClr val="lt1"/>
+        </a:fontRef>
+      </dsp:style>
+      <dsp:txBody>
+        <a:bodyPr spcFirstLastPara="0" vert="horz" wrap="square" lIns="0" tIns="0" rIns="0" bIns="0" numCol="1" spcCol="1270" anchor="ctr" anchorCtr="0">
+          <a:noAutofit/>
+        </a:bodyPr>
+        <a:lstStyle/>
+        <a:p>
+          <a:pPr lvl="0" algn="ctr" defTabSz="1600200">
+            <a:lnSpc>
+              <a:spcPct val="90000"/>
+            </a:lnSpc>
+            <a:spcBef>
+              <a:spcPct val="0"/>
+            </a:spcBef>
+            <a:spcAft>
+              <a:spcPct val="35000"/>
+            </a:spcAft>
+          </a:pPr>
+          <a:endParaRPr lang="en-US" sz="3600" kern="1200"/>
+        </a:p>
+      </dsp:txBody>
+      <dsp:txXfrm rot="-5400000">
+        <a:off x="3599270" y="2450337"/>
+        <a:ext cx="983684" cy="1130671"/>
+      </dsp:txXfrm>
+    </dsp:sp>
+  </dsp:spTree>
+</dsp:drawing>
+</file>
+
+<file path=ppt/diagrams/drawing2.xml><?xml version="1.0" encoding="utf-8"?>
+<dsp:drawing xmlns:dgm="http://schemas.openxmlformats.org/drawingml/2006/diagram" xmlns:dsp="http://schemas.microsoft.com/office/drawing/2008/diagram" xmlns:a="http://schemas.openxmlformats.org/drawingml/2006/main">
+  <dsp:spTree>
+    <dsp:nvGrpSpPr>
+      <dsp:cNvPr id="0" name=""/>
+      <dsp:cNvGrpSpPr/>
+    </dsp:nvGrpSpPr>
+    <dsp:grpSpPr/>
+    <dsp:sp modelId="{75F82BAF-0853-304E-8737-83FBFBECD0D2}">
+      <dsp:nvSpPr>
+        <dsp:cNvPr id="0" name=""/>
+        <dsp:cNvSpPr/>
+      </dsp:nvSpPr>
+      <dsp:spPr>
+        <a:xfrm>
+          <a:off x="0" y="399743"/>
+          <a:ext cx="5913437" cy="504000"/>
+        </a:xfrm>
+        <a:prstGeom prst="rect">
+          <a:avLst/>
+        </a:prstGeom>
+        <a:solidFill>
+          <a:schemeClr val="lt1">
+            <a:alpha val="90000"/>
+            <a:hueOff val="0"/>
+            <a:satOff val="0"/>
+            <a:lumOff val="0"/>
+            <a:alphaOff val="0"/>
+          </a:schemeClr>
+        </a:solidFill>
+        <a:ln w="9525" cap="flat" cmpd="sng" algn="ctr">
+          <a:solidFill>
+            <a:schemeClr val="accent1">
+              <a:hueOff val="0"/>
+              <a:satOff val="0"/>
+              <a:lumOff val="0"/>
+              <a:alphaOff val="0"/>
+            </a:schemeClr>
+          </a:solidFill>
+          <a:prstDash val="solid"/>
+        </a:ln>
+        <a:effectLst/>
+      </dsp:spPr>
+      <dsp:style>
+        <a:lnRef idx="1">
+          <a:scrgbClr r="0" g="0" b="0"/>
+        </a:lnRef>
+        <a:fillRef idx="1">
+          <a:scrgbClr r="0" g="0" b="0"/>
+        </a:fillRef>
+        <a:effectRef idx="0">
+          <a:scrgbClr r="0" g="0" b="0"/>
+        </a:effectRef>
+        <a:fontRef idx="minor"/>
+      </dsp:style>
+    </dsp:sp>
+    <dsp:sp modelId="{EAC0EB8F-036F-9142-AD38-8F1C49FB800F}">
+      <dsp:nvSpPr>
+        <dsp:cNvPr id="0" name=""/>
+        <dsp:cNvSpPr/>
+      </dsp:nvSpPr>
+      <dsp:spPr>
+        <a:xfrm>
+          <a:off x="295671" y="104543"/>
+          <a:ext cx="4139405" cy="590400"/>
+        </a:xfrm>
+        <a:prstGeom prst="roundRect">
+          <a:avLst/>
+        </a:prstGeom>
+        <a:gradFill rotWithShape="0">
+          <a:gsLst>
+            <a:gs pos="0">
+              <a:schemeClr val="accent1">
+                <a:hueOff val="0"/>
+                <a:satOff val="0"/>
+                <a:lumOff val="0"/>
+                <a:alphaOff val="0"/>
+                <a:tint val="98000"/>
+                <a:satMod val="110000"/>
+                <a:lumMod val="104000"/>
+              </a:schemeClr>
+            </a:gs>
+            <a:gs pos="69000">
+              <a:schemeClr val="accent1">
+                <a:hueOff val="0"/>
+                <a:satOff val="0"/>
+                <a:lumOff val="0"/>
+                <a:alphaOff val="0"/>
+                <a:shade val="88000"/>
+                <a:satMod val="130000"/>
+                <a:lumMod val="92000"/>
+              </a:schemeClr>
+            </a:gs>
+            <a:gs pos="100000">
+              <a:schemeClr val="accent1">
+                <a:hueOff val="0"/>
+                <a:satOff val="0"/>
+                <a:lumOff val="0"/>
+                <a:alphaOff val="0"/>
+                <a:shade val="78000"/>
+                <a:satMod val="130000"/>
+                <a:lumMod val="92000"/>
+              </a:schemeClr>
+            </a:gs>
+          </a:gsLst>
+          <a:lin ang="5400000" scaled="0"/>
+        </a:gradFill>
+        <a:ln>
+          <a:noFill/>
+        </a:ln>
+        <a:effectLst/>
+      </dsp:spPr>
+      <dsp:style>
+        <a:lnRef idx="0">
+          <a:scrgbClr r="0" g="0" b="0"/>
+        </a:lnRef>
+        <a:fillRef idx="3">
+          <a:scrgbClr r="0" g="0" b="0"/>
+        </a:fillRef>
+        <a:effectRef idx="2">
+          <a:scrgbClr r="0" g="0" b="0"/>
+        </a:effectRef>
+        <a:fontRef idx="minor">
+          <a:schemeClr val="lt1"/>
+        </a:fontRef>
+      </dsp:style>
+      <dsp:txBody>
+        <a:bodyPr spcFirstLastPara="0" vert="horz" wrap="square" lIns="156460" tIns="0" rIns="156460" bIns="0" numCol="1" spcCol="1270" anchor="ctr" anchorCtr="0">
+          <a:noAutofit/>
+        </a:bodyPr>
+        <a:lstStyle/>
+        <a:p>
+          <a:pPr lvl="0" algn="l" defTabSz="889000">
+            <a:lnSpc>
+              <a:spcPct val="90000"/>
+            </a:lnSpc>
+            <a:spcBef>
+              <a:spcPct val="0"/>
+            </a:spcBef>
+            <a:spcAft>
+              <a:spcPct val="35000"/>
+            </a:spcAft>
+          </a:pPr>
+          <a:r>
+            <a:rPr lang="fr-CA" sz="2000" kern="1200"/>
+            <a:t>Fonctionnalité</a:t>
+          </a:r>
+          <a:endParaRPr lang="en-US" sz="2000" kern="1200"/>
+        </a:p>
+      </dsp:txBody>
+      <dsp:txXfrm>
+        <a:off x="324492" y="133364"/>
+        <a:ext cx="4081763" cy="532758"/>
+      </dsp:txXfrm>
+    </dsp:sp>
+    <dsp:sp modelId="{8D9933B3-DBC8-CC4D-A1E8-4122E7478117}">
+      <dsp:nvSpPr>
+        <dsp:cNvPr id="0" name=""/>
+        <dsp:cNvSpPr/>
+      </dsp:nvSpPr>
+      <dsp:spPr>
+        <a:xfrm>
+          <a:off x="0" y="1306943"/>
+          <a:ext cx="5913437" cy="504000"/>
+        </a:xfrm>
+        <a:prstGeom prst="rect">
+          <a:avLst/>
+        </a:prstGeom>
+        <a:solidFill>
+          <a:schemeClr val="lt1">
+            <a:alpha val="90000"/>
+            <a:hueOff val="0"/>
+            <a:satOff val="0"/>
+            <a:lumOff val="0"/>
+            <a:alphaOff val="0"/>
+          </a:schemeClr>
+        </a:solidFill>
+        <a:ln w="9525" cap="flat" cmpd="sng" algn="ctr">
+          <a:solidFill>
+            <a:schemeClr val="accent1">
+              <a:hueOff val="0"/>
+              <a:satOff val="0"/>
+              <a:lumOff val="0"/>
+              <a:alphaOff val="0"/>
+            </a:schemeClr>
+          </a:solidFill>
+          <a:prstDash val="solid"/>
+        </a:ln>
+        <a:effectLst/>
+      </dsp:spPr>
+      <dsp:style>
+        <a:lnRef idx="1">
+          <a:scrgbClr r="0" g="0" b="0"/>
+        </a:lnRef>
+        <a:fillRef idx="1">
+          <a:scrgbClr r="0" g="0" b="0"/>
+        </a:fillRef>
+        <a:effectRef idx="0">
+          <a:scrgbClr r="0" g="0" b="0"/>
+        </a:effectRef>
+        <a:fontRef idx="minor"/>
+      </dsp:style>
+    </dsp:sp>
+    <dsp:sp modelId="{FC4858D5-886E-A44C-8704-E86187408419}">
+      <dsp:nvSpPr>
+        <dsp:cNvPr id="0" name=""/>
+        <dsp:cNvSpPr/>
+      </dsp:nvSpPr>
+      <dsp:spPr>
+        <a:xfrm>
+          <a:off x="295671" y="1011743"/>
+          <a:ext cx="4139405" cy="590400"/>
+        </a:xfrm>
+        <a:prstGeom prst="roundRect">
+          <a:avLst/>
+        </a:prstGeom>
+        <a:gradFill rotWithShape="0">
+          <a:gsLst>
+            <a:gs pos="0">
+              <a:schemeClr val="accent1">
+                <a:hueOff val="0"/>
+                <a:satOff val="0"/>
+                <a:lumOff val="0"/>
+                <a:alphaOff val="0"/>
+                <a:tint val="98000"/>
+                <a:satMod val="110000"/>
+                <a:lumMod val="104000"/>
+              </a:schemeClr>
+            </a:gs>
+            <a:gs pos="69000">
+              <a:schemeClr val="accent1">
+                <a:hueOff val="0"/>
+                <a:satOff val="0"/>
+                <a:lumOff val="0"/>
+                <a:alphaOff val="0"/>
+                <a:shade val="88000"/>
+                <a:satMod val="130000"/>
+                <a:lumMod val="92000"/>
+              </a:schemeClr>
+            </a:gs>
+            <a:gs pos="100000">
+              <a:schemeClr val="accent1">
+                <a:hueOff val="0"/>
+                <a:satOff val="0"/>
+                <a:lumOff val="0"/>
+                <a:alphaOff val="0"/>
+                <a:shade val="78000"/>
+                <a:satMod val="130000"/>
+                <a:lumMod val="92000"/>
+              </a:schemeClr>
+            </a:gs>
+          </a:gsLst>
+          <a:lin ang="5400000" scaled="0"/>
+        </a:gradFill>
+        <a:ln>
+          <a:noFill/>
+        </a:ln>
+        <a:effectLst/>
+      </dsp:spPr>
+      <dsp:style>
+        <a:lnRef idx="0">
+          <a:scrgbClr r="0" g="0" b="0"/>
+        </a:lnRef>
+        <a:fillRef idx="3">
+          <a:scrgbClr r="0" g="0" b="0"/>
+        </a:fillRef>
+        <a:effectRef idx="2">
+          <a:scrgbClr r="0" g="0" b="0"/>
+        </a:effectRef>
+        <a:fontRef idx="minor">
+          <a:schemeClr val="lt1"/>
+        </a:fontRef>
+      </dsp:style>
+      <dsp:txBody>
+        <a:bodyPr spcFirstLastPara="0" vert="horz" wrap="square" lIns="156460" tIns="0" rIns="156460" bIns="0" numCol="1" spcCol="1270" anchor="ctr" anchorCtr="0">
+          <a:noAutofit/>
+        </a:bodyPr>
+        <a:lstStyle/>
+        <a:p>
+          <a:pPr lvl="0" algn="l" defTabSz="889000">
+            <a:lnSpc>
+              <a:spcPct val="90000"/>
+            </a:lnSpc>
+            <a:spcBef>
+              <a:spcPct val="0"/>
+            </a:spcBef>
+            <a:spcAft>
+              <a:spcPct val="35000"/>
+            </a:spcAft>
+          </a:pPr>
+          <a:r>
+            <a:rPr lang="fr-CA" sz="2000" kern="1200"/>
+            <a:t>Clients</a:t>
+          </a:r>
+          <a:endParaRPr lang="en-US" sz="2000" kern="1200"/>
+        </a:p>
+      </dsp:txBody>
+      <dsp:txXfrm>
+        <a:off x="324492" y="1040564"/>
+        <a:ext cx="4081763" cy="532758"/>
+      </dsp:txXfrm>
+    </dsp:sp>
+    <dsp:sp modelId="{3C41018C-EA22-9944-AB7E-34C43237ECEB}">
+      <dsp:nvSpPr>
+        <dsp:cNvPr id="0" name=""/>
+        <dsp:cNvSpPr/>
+      </dsp:nvSpPr>
+      <dsp:spPr>
+        <a:xfrm>
+          <a:off x="0" y="2214144"/>
+          <a:ext cx="5913437" cy="504000"/>
+        </a:xfrm>
+        <a:prstGeom prst="rect">
+          <a:avLst/>
+        </a:prstGeom>
+        <a:solidFill>
+          <a:schemeClr val="lt1">
+            <a:alpha val="90000"/>
+            <a:hueOff val="0"/>
+            <a:satOff val="0"/>
+            <a:lumOff val="0"/>
+            <a:alphaOff val="0"/>
+          </a:schemeClr>
+        </a:solidFill>
+        <a:ln w="9525" cap="flat" cmpd="sng" algn="ctr">
+          <a:solidFill>
+            <a:schemeClr val="accent1">
+              <a:hueOff val="0"/>
+              <a:satOff val="0"/>
+              <a:lumOff val="0"/>
+              <a:alphaOff val="0"/>
+            </a:schemeClr>
+          </a:solidFill>
+          <a:prstDash val="solid"/>
+        </a:ln>
+        <a:effectLst/>
+      </dsp:spPr>
+      <dsp:style>
+        <a:lnRef idx="1">
+          <a:scrgbClr r="0" g="0" b="0"/>
+        </a:lnRef>
+        <a:fillRef idx="1">
+          <a:scrgbClr r="0" g="0" b="0"/>
+        </a:fillRef>
+        <a:effectRef idx="0">
+          <a:scrgbClr r="0" g="0" b="0"/>
+        </a:effectRef>
+        <a:fontRef idx="minor"/>
+      </dsp:style>
+    </dsp:sp>
+    <dsp:sp modelId="{2A91C582-24C1-854A-B33A-EDD533B2D31B}">
+      <dsp:nvSpPr>
+        <dsp:cNvPr id="0" name=""/>
+        <dsp:cNvSpPr/>
+      </dsp:nvSpPr>
+      <dsp:spPr>
+        <a:xfrm>
+          <a:off x="295671" y="1918944"/>
+          <a:ext cx="4139405" cy="590400"/>
+        </a:xfrm>
+        <a:prstGeom prst="roundRect">
+          <a:avLst/>
+        </a:prstGeom>
+        <a:gradFill rotWithShape="0">
+          <a:gsLst>
+            <a:gs pos="0">
+              <a:schemeClr val="accent1">
+                <a:hueOff val="0"/>
+                <a:satOff val="0"/>
+                <a:lumOff val="0"/>
+                <a:alphaOff val="0"/>
+                <a:tint val="98000"/>
+                <a:satMod val="110000"/>
+                <a:lumMod val="104000"/>
+              </a:schemeClr>
+            </a:gs>
+            <a:gs pos="69000">
+              <a:schemeClr val="accent1">
+                <a:hueOff val="0"/>
+                <a:satOff val="0"/>
+                <a:lumOff val="0"/>
+                <a:alphaOff val="0"/>
+                <a:shade val="88000"/>
+                <a:satMod val="130000"/>
+                <a:lumMod val="92000"/>
+              </a:schemeClr>
+            </a:gs>
+            <a:gs pos="100000">
+              <a:schemeClr val="accent1">
+                <a:hueOff val="0"/>
+                <a:satOff val="0"/>
+                <a:lumOff val="0"/>
+                <a:alphaOff val="0"/>
+                <a:shade val="78000"/>
+                <a:satMod val="130000"/>
+                <a:lumMod val="92000"/>
+              </a:schemeClr>
+            </a:gs>
+          </a:gsLst>
+          <a:lin ang="5400000" scaled="0"/>
+        </a:gradFill>
+        <a:ln>
+          <a:noFill/>
+        </a:ln>
+        <a:effectLst/>
+      </dsp:spPr>
+      <dsp:style>
+        <a:lnRef idx="0">
+          <a:scrgbClr r="0" g="0" b="0"/>
+        </a:lnRef>
+        <a:fillRef idx="3">
+          <a:scrgbClr r="0" g="0" b="0"/>
+        </a:fillRef>
+        <a:effectRef idx="2">
+          <a:scrgbClr r="0" g="0" b="0"/>
+        </a:effectRef>
+        <a:fontRef idx="minor">
+          <a:schemeClr val="lt1"/>
+        </a:fontRef>
+      </dsp:style>
+      <dsp:txBody>
+        <a:bodyPr spcFirstLastPara="0" vert="horz" wrap="square" lIns="156460" tIns="0" rIns="156460" bIns="0" numCol="1" spcCol="1270" anchor="ctr" anchorCtr="0">
+          <a:noAutofit/>
+        </a:bodyPr>
+        <a:lstStyle/>
+        <a:p>
+          <a:pPr lvl="0" algn="l" defTabSz="889000">
+            <a:lnSpc>
+              <a:spcPct val="90000"/>
+            </a:lnSpc>
+            <a:spcBef>
+              <a:spcPct val="0"/>
+            </a:spcBef>
+            <a:spcAft>
+              <a:spcPct val="35000"/>
+            </a:spcAft>
+          </a:pPr>
+          <a:r>
+            <a:rPr lang="fr-CA" sz="2000" kern="1200"/>
+            <a:t>Efficacité </a:t>
+          </a:r>
+          <a:endParaRPr lang="en-US" sz="2000" kern="1200"/>
+        </a:p>
+      </dsp:txBody>
+      <dsp:txXfrm>
+        <a:off x="324492" y="1947765"/>
+        <a:ext cx="4081763" cy="532758"/>
+      </dsp:txXfrm>
+    </dsp:sp>
+    <dsp:sp modelId="{3ED39E92-BEC6-044F-BD06-76CA1ADF2B0F}">
+      <dsp:nvSpPr>
+        <dsp:cNvPr id="0" name=""/>
+        <dsp:cNvSpPr/>
+      </dsp:nvSpPr>
+      <dsp:spPr>
+        <a:xfrm>
+          <a:off x="0" y="3121344"/>
+          <a:ext cx="5913437" cy="504000"/>
+        </a:xfrm>
+        <a:prstGeom prst="rect">
+          <a:avLst/>
+        </a:prstGeom>
+        <a:solidFill>
+          <a:schemeClr val="lt1">
+            <a:alpha val="90000"/>
+            <a:hueOff val="0"/>
+            <a:satOff val="0"/>
+            <a:lumOff val="0"/>
+            <a:alphaOff val="0"/>
+          </a:schemeClr>
+        </a:solidFill>
+        <a:ln w="9525" cap="flat" cmpd="sng" algn="ctr">
+          <a:solidFill>
+            <a:schemeClr val="accent1">
+              <a:hueOff val="0"/>
+              <a:satOff val="0"/>
+              <a:lumOff val="0"/>
+              <a:alphaOff val="0"/>
+            </a:schemeClr>
+          </a:solidFill>
+          <a:prstDash val="solid"/>
+        </a:ln>
+        <a:effectLst/>
+      </dsp:spPr>
+      <dsp:style>
+        <a:lnRef idx="1">
+          <a:scrgbClr r="0" g="0" b="0"/>
+        </a:lnRef>
+        <a:fillRef idx="1">
+          <a:scrgbClr r="0" g="0" b="0"/>
+        </a:fillRef>
+        <a:effectRef idx="0">
+          <a:scrgbClr r="0" g="0" b="0"/>
+        </a:effectRef>
+        <a:fontRef idx="minor"/>
+      </dsp:style>
+    </dsp:sp>
+    <dsp:sp modelId="{39B12E62-3A79-554E-A39B-C0EADE449A73}">
+      <dsp:nvSpPr>
+        <dsp:cNvPr id="0" name=""/>
+        <dsp:cNvSpPr/>
+      </dsp:nvSpPr>
+      <dsp:spPr>
+        <a:xfrm>
+          <a:off x="295671" y="2826143"/>
+          <a:ext cx="4139405" cy="590400"/>
+        </a:xfrm>
+        <a:prstGeom prst="roundRect">
+          <a:avLst/>
+        </a:prstGeom>
+        <a:gradFill rotWithShape="0">
+          <a:gsLst>
+            <a:gs pos="0">
+              <a:schemeClr val="accent1">
+                <a:hueOff val="0"/>
+                <a:satOff val="0"/>
+                <a:lumOff val="0"/>
+                <a:alphaOff val="0"/>
+                <a:tint val="98000"/>
+                <a:satMod val="110000"/>
+                <a:lumMod val="104000"/>
+              </a:schemeClr>
+            </a:gs>
+            <a:gs pos="69000">
+              <a:schemeClr val="accent1">
+                <a:hueOff val="0"/>
+                <a:satOff val="0"/>
+                <a:lumOff val="0"/>
+                <a:alphaOff val="0"/>
+                <a:shade val="88000"/>
+                <a:satMod val="130000"/>
+                <a:lumMod val="92000"/>
+              </a:schemeClr>
+            </a:gs>
+            <a:gs pos="100000">
+              <a:schemeClr val="accent1">
+                <a:hueOff val="0"/>
+                <a:satOff val="0"/>
+                <a:lumOff val="0"/>
+                <a:alphaOff val="0"/>
+                <a:shade val="78000"/>
+                <a:satMod val="130000"/>
+                <a:lumMod val="92000"/>
+              </a:schemeClr>
+            </a:gs>
+          </a:gsLst>
+          <a:lin ang="5400000" scaled="0"/>
+        </a:gradFill>
+        <a:ln>
+          <a:noFill/>
+        </a:ln>
+        <a:effectLst/>
+      </dsp:spPr>
+      <dsp:style>
+        <a:lnRef idx="0">
+          <a:scrgbClr r="0" g="0" b="0"/>
+        </a:lnRef>
+        <a:fillRef idx="3">
+          <a:scrgbClr r="0" g="0" b="0"/>
+        </a:fillRef>
+        <a:effectRef idx="2">
+          <a:scrgbClr r="0" g="0" b="0"/>
+        </a:effectRef>
+        <a:fontRef idx="minor">
+          <a:schemeClr val="lt1"/>
+        </a:fontRef>
+      </dsp:style>
+      <dsp:txBody>
+        <a:bodyPr spcFirstLastPara="0" vert="horz" wrap="square" lIns="156460" tIns="0" rIns="156460" bIns="0" numCol="1" spcCol="1270" anchor="ctr" anchorCtr="0">
+          <a:noAutofit/>
+        </a:bodyPr>
+        <a:lstStyle/>
+        <a:p>
+          <a:pPr lvl="0" algn="l" defTabSz="889000">
+            <a:lnSpc>
+              <a:spcPct val="90000"/>
+            </a:lnSpc>
+            <a:spcBef>
+              <a:spcPct val="0"/>
+            </a:spcBef>
+            <a:spcAft>
+              <a:spcPct val="35000"/>
+            </a:spcAft>
+          </a:pPr>
+          <a:r>
+            <a:rPr lang="fr-CA" sz="2000" kern="1200"/>
+            <a:t>Utilisabilité</a:t>
+          </a:r>
+          <a:endParaRPr lang="en-US" sz="2000" kern="1200"/>
+        </a:p>
+      </dsp:txBody>
+      <dsp:txXfrm>
+        <a:off x="324492" y="2854964"/>
+        <a:ext cx="4081763" cy="532758"/>
+      </dsp:txXfrm>
+    </dsp:sp>
+    <dsp:sp modelId="{B9BFF239-88E2-FA44-A266-3A41D69F22F6}">
+      <dsp:nvSpPr>
+        <dsp:cNvPr id="0" name=""/>
+        <dsp:cNvSpPr/>
+      </dsp:nvSpPr>
+      <dsp:spPr>
+        <a:xfrm>
+          <a:off x="0" y="4028544"/>
+          <a:ext cx="5913437" cy="504000"/>
+        </a:xfrm>
+        <a:prstGeom prst="rect">
+          <a:avLst/>
+        </a:prstGeom>
+        <a:solidFill>
+          <a:schemeClr val="lt1">
+            <a:alpha val="90000"/>
+            <a:hueOff val="0"/>
+            <a:satOff val="0"/>
+            <a:lumOff val="0"/>
+            <a:alphaOff val="0"/>
+          </a:schemeClr>
+        </a:solidFill>
+        <a:ln w="9525" cap="flat" cmpd="sng" algn="ctr">
+          <a:solidFill>
+            <a:schemeClr val="accent1">
+              <a:hueOff val="0"/>
+              <a:satOff val="0"/>
+              <a:lumOff val="0"/>
+              <a:alphaOff val="0"/>
+            </a:schemeClr>
+          </a:solidFill>
+          <a:prstDash val="solid"/>
+        </a:ln>
+        <a:effectLst/>
+      </dsp:spPr>
+      <dsp:style>
+        <a:lnRef idx="1">
+          <a:scrgbClr r="0" g="0" b="0"/>
+        </a:lnRef>
+        <a:fillRef idx="1">
+          <a:scrgbClr r="0" g="0" b="0"/>
+        </a:fillRef>
+        <a:effectRef idx="0">
+          <a:scrgbClr r="0" g="0" b="0"/>
+        </a:effectRef>
+        <a:fontRef idx="minor"/>
+      </dsp:style>
+    </dsp:sp>
+    <dsp:sp modelId="{CD12F876-BECA-0045-BA9D-81D78F7297EA}">
+      <dsp:nvSpPr>
+        <dsp:cNvPr id="0" name=""/>
+        <dsp:cNvSpPr/>
+      </dsp:nvSpPr>
+      <dsp:spPr>
+        <a:xfrm>
+          <a:off x="295671" y="3733344"/>
+          <a:ext cx="4139405" cy="590400"/>
+        </a:xfrm>
+        <a:prstGeom prst="roundRect">
+          <a:avLst/>
+        </a:prstGeom>
+        <a:gradFill rotWithShape="0">
+          <a:gsLst>
+            <a:gs pos="0">
+              <a:schemeClr val="accent1">
+                <a:hueOff val="0"/>
+                <a:satOff val="0"/>
+                <a:lumOff val="0"/>
+                <a:alphaOff val="0"/>
+                <a:tint val="98000"/>
+                <a:satMod val="110000"/>
+                <a:lumMod val="104000"/>
+              </a:schemeClr>
+            </a:gs>
+            <a:gs pos="69000">
+              <a:schemeClr val="accent1">
+                <a:hueOff val="0"/>
+                <a:satOff val="0"/>
+                <a:lumOff val="0"/>
+                <a:alphaOff val="0"/>
+                <a:shade val="88000"/>
+                <a:satMod val="130000"/>
+                <a:lumMod val="92000"/>
+              </a:schemeClr>
+            </a:gs>
+            <a:gs pos="100000">
+              <a:schemeClr val="accent1">
+                <a:hueOff val="0"/>
+                <a:satOff val="0"/>
+                <a:lumOff val="0"/>
+                <a:alphaOff val="0"/>
+                <a:shade val="78000"/>
+                <a:satMod val="130000"/>
+                <a:lumMod val="92000"/>
+              </a:schemeClr>
+            </a:gs>
+          </a:gsLst>
+          <a:lin ang="5400000" scaled="0"/>
+        </a:gradFill>
+        <a:ln>
+          <a:noFill/>
+        </a:ln>
+        <a:effectLst/>
+      </dsp:spPr>
+      <dsp:style>
+        <a:lnRef idx="0">
+          <a:scrgbClr r="0" g="0" b="0"/>
+        </a:lnRef>
+        <a:fillRef idx="3">
+          <a:scrgbClr r="0" g="0" b="0"/>
+        </a:fillRef>
+        <a:effectRef idx="2">
+          <a:scrgbClr r="0" g="0" b="0"/>
+        </a:effectRef>
+        <a:fontRef idx="minor">
+          <a:schemeClr val="lt1"/>
+        </a:fontRef>
+      </dsp:style>
+      <dsp:txBody>
+        <a:bodyPr spcFirstLastPara="0" vert="horz" wrap="square" lIns="156460" tIns="0" rIns="156460" bIns="0" numCol="1" spcCol="1270" anchor="ctr" anchorCtr="0">
+          <a:noAutofit/>
+        </a:bodyPr>
+        <a:lstStyle/>
+        <a:p>
+          <a:pPr lvl="0" algn="l" defTabSz="889000">
+            <a:lnSpc>
+              <a:spcPct val="90000"/>
+            </a:lnSpc>
+            <a:spcBef>
+              <a:spcPct val="0"/>
+            </a:spcBef>
+            <a:spcAft>
+              <a:spcPct val="35000"/>
+            </a:spcAft>
+          </a:pPr>
+          <a:r>
+            <a:rPr lang="fr-CA" sz="2000" kern="1200"/>
+            <a:t>Sécurité</a:t>
+          </a:r>
+          <a:endParaRPr lang="en-US" sz="2000" kern="1200"/>
+        </a:p>
+      </dsp:txBody>
+      <dsp:txXfrm>
+        <a:off x="324492" y="3762165"/>
+        <a:ext cx="4081763" cy="532758"/>
+      </dsp:txXfrm>
+    </dsp:sp>
+  </dsp:spTree>
+</dsp:drawing>
+</file>
+
+<file path=ppt/diagrams/layout1.xml><?xml version="1.0" encoding="utf-8"?>
+<dgm:layoutDef xmlns:dgm="http://schemas.openxmlformats.org/drawingml/2006/diagram" xmlns:a="http://schemas.openxmlformats.org/drawingml/2006/main" uniqueId="urn:microsoft.com/office/officeart/2008/layout/AlternatingHexagons">
+  <dgm:title val=""/>
+  <dgm:desc val=""/>
+  <dgm:catLst>
+    <dgm:cat type="list" pri="1500"/>
+  </dgm:catLst>
+  <dgm:sampData>
+    <dgm:dataModel>
+      <dgm:ptLst>
+        <dgm:pt modelId="0" type="doc"/>
+        <dgm:pt modelId="10">
+          <dgm:prSet phldr="1"/>
+        </dgm:pt>
+        <dgm:pt modelId="11">
+          <dgm:prSet phldr="1"/>
+        </dgm:pt>
+        <dgm:pt modelId="20">
+          <dgm:prSet phldr="1"/>
+        </dgm:pt>
+        <dgm:pt modelId="21">
+          <dgm:prSet phldr="1"/>
+        </dgm:pt>
+        <dgm:pt modelId="30">
+          <dgm:prSet phldr="1"/>
+        </dgm:pt>
+        <dgm:pt modelId="31">
+          <dgm:prSet phldr="1"/>
+        </dgm:pt>
+      </dgm:ptLst>
+      <dgm:cxnLst>
+        <dgm:cxn modelId="40" srcId="0" destId="10" srcOrd="0" destOrd="0"/>
+        <dgm:cxn modelId="12" srcId="10" destId="11" srcOrd="0" destOrd="0"/>
+        <dgm:cxn modelId="50" srcId="0" destId="20" srcOrd="1" destOrd="0"/>
+        <dgm:cxn modelId="22" srcId="20" destId="21" srcOrd="0" destOrd="0"/>
+        <dgm:cxn modelId="60" srcId="0" destId="30" srcOrd="1" destOrd="0"/>
+        <dgm:cxn modelId="32" srcId="30" destId="31" srcOrd="0" destOrd="0"/>
+      </dgm:cxnLst>
+      <dgm:bg/>
+      <dgm:whole/>
+    </dgm:dataModel>
+  </dgm:sampData>
+  <dgm:styleData>
+    <dgm:dataModel>
+      <dgm:ptLst>
+        <dgm:pt modelId="0" type="doc"/>
+        <dgm:pt modelId="10">
+          <dgm:prSet phldr="1"/>
+        </dgm:pt>
+        <dgm:pt modelId="20">
+          <dgm:prSet phldr="1"/>
+        </dgm:pt>
+      </dgm:ptLst>
+      <dgm:cxnLst>
+        <dgm:cxn modelId="60" srcId="0" destId="10" srcOrd="0" destOrd="0"/>
+        <dgm:cxn modelId="70" srcId="0" destId="20" srcOrd="1" destOrd="0"/>
+      </dgm:cxnLst>
+      <dgm:bg/>
+      <dgm:whole/>
+    </dgm:dataModel>
+  </dgm:styleData>
+  <dgm:clrData>
+    <dgm:dataModel>
+      <dgm:ptLst>
+        <dgm:pt modelId="0" type="doc"/>
+        <dgm:pt modelId="10">
+          <dgm:prSet phldr="1"/>
+        </dgm:pt>
+        <dgm:pt modelId="20">
+          <dgm:prSet phldr="1"/>
+        </dgm:pt>
+        <dgm:pt modelId="30">
+          <dgm:prSet phldr="1"/>
+        </dgm:pt>
+        <dgm:pt modelId="40">
+          <dgm:prSet phldr="1"/>
+        </dgm:pt>
+      </dgm:ptLst>
+      <dgm:cxnLst>
+        <dgm:cxn modelId="60" srcId="0" destId="10" srcOrd="0" destOrd="0"/>
+        <dgm:cxn modelId="70" srcId="0" destId="20" srcOrd="1" destOrd="0"/>
+        <dgm:cxn modelId="80" srcId="0" destId="30" srcOrd="2" destOrd="0"/>
+        <dgm:cxn modelId="90" srcId="0" destId="40" srcOrd="3" destOrd="0"/>
+      </dgm:cxnLst>
+      <dgm:bg/>
+      <dgm:whole/>
+    </dgm:dataModel>
+  </dgm:clrData>
+  <dgm:layoutNode name="Name0">
+    <dgm:varLst>
+      <dgm:chMax/>
+      <dgm:chPref/>
+      <dgm:dir/>
+      <dgm:animLvl val="lvl"/>
+    </dgm:varLst>
+    <dgm:alg type="lin">
+      <dgm:param type="linDir" val="fromT"/>
+    </dgm:alg>
+    <dgm:shape xmlns:r="http://schemas.openxmlformats.org/officeDocument/2006/relationships" r:blip="">
+      <dgm:adjLst/>
+    </dgm:shape>
+    <dgm:constrLst>
+      <dgm:constr type="primFontSz" for="des" forName="Parent1" val="65"/>
+      <dgm:constr type="primFontSz" for="des" forName="Childtext1" refType="primFontSz" refFor="des" refForName="Parent1" op="lte"/>
+      <dgm:constr type="w" for="ch" forName="composite" refType="w"/>
+      <dgm:constr type="h" for="ch" forName="composite" refType="h"/>
+      <dgm:constr type="h" for="ch" forName="spaceBetweenRectangles" refType="w" refFor="ch" refForName="composite" fact="-0.042"/>
+      <dgm:constr type="sp" refType="h" refFor="ch" refForName="composite" op="equ" fact="0.1"/>
+    </dgm:constrLst>
+    <dgm:forEach name="nodesForEach" axis="ch" ptType="node">
+      <dgm:layoutNode name="composite">
+        <dgm:alg type="composite">
+          <dgm:param type="ar" val="3.6"/>
+        </dgm:alg>
+        <dgm:shape xmlns:r="http://schemas.openxmlformats.org/officeDocument/2006/relationships" r:blip="">
+          <dgm:adjLst/>
+        </dgm:shape>
+        <dgm:choose name="Name1">
+          <dgm:if name="Name2" func="var" arg="dir" op="equ" val="norm">
+            <dgm:choose name="Name3">
+              <dgm:if name="Name4" axis="self" ptType="node" func="posOdd" op="equ" val="1">
+                <dgm:constrLst>
+                  <dgm:constr type="l" for="ch" forName="Accent1" refType="w" fact="0.18"/>
+                  <dgm:constr type="t" for="ch" forName="Accent1" refType="h" fact="0"/>
+                  <dgm:constr type="h" for="ch" forName="Accent1" refType="h"/>
+                  <dgm:constr type="w" for="ch" forName="Accent1" refType="h" fact="0.87"/>
+                  <dgm:constr type="l" for="ch" forName="Accent1Text" refType="w" fact="0.18"/>
+                  <dgm:constr type="t" for="ch" forName="Accent1Text" refType="h" fact="0"/>
+                  <dgm:constr type="h" for="ch" forName="Accent1Text" refType="h"/>
+                  <dgm:constr type="w" for="ch" forName="Accent1Text" refType="h" fact="0.87"/>
+                  <dgm:constr type="l" for="ch" forName="Parent1" refType="w" fact="0.441"/>
+                  <dgm:constr type="t" for="ch" forName="Parent1" refType="h" fact="0"/>
+                  <dgm:constr type="h" for="ch" forName="Parent1" refType="h"/>
+                  <dgm:constr type="w" for="ch" forName="Parent1" refType="h" fact="0.87"/>
+                  <dgm:constr type="l" for="ch" forName="Childtext1" refType="w" fact="0.69"/>
+                  <dgm:constr type="t" for="ch" forName="Childtext1" refType="h" fact="0.2"/>
+                  <dgm:constr type="w" for="ch" forName="Childtext1" refType="w" fact="0.31"/>
+                  <dgm:constr type="h" for="ch" forName="Childtext1" refType="h" fact="0.6"/>
+                  <dgm:constr type="l" for="ch" forName="BalanceSpacing" refType="w" fact="0"/>
+                  <dgm:constr type="t" for="ch" forName="BalanceSpacing" refType="h" fact="0"/>
+                  <dgm:constr type="w" for="ch" forName="BalanceSpacing" refType="w"/>
+                  <dgm:constr type="h" for="ch" forName="BalanceSpacing" refType="h" fact="0.1"/>
+                  <dgm:constr type="l" for="ch" forName="BalanceSpacing1" refType="w" fact="0.69"/>
+                  <dgm:constr type="t" for="ch" forName="BalanceSpacing1" refType="h" fact="0.2"/>
+                  <dgm:constr type="w" for="ch" forName="BalanceSpacing1" refType="w" fact="0.31"/>
+                  <dgm:constr type="h" for="ch" forName="BalanceSpacing1" refType="h" fact="0.6"/>
+                </dgm:constrLst>
+              </dgm:if>
+              <dgm:else name="Name5">
+                <dgm:constrLst>
+                  <dgm:constr type="l" for="ch" forName="Accent1" refType="w" fact="0.571"/>
+                  <dgm:constr type="t" for="ch" forName="Accent1" refType="h" fact="0"/>
+                  <dgm:constr type="h" for="ch" forName="Accent1" refType="h"/>
+                  <dgm:constr type="w" for="ch" forName="Accent1" refType="h" fact="0.87"/>
+                  <dgm:constr type="l" for="ch" forName="Accent1Text" refType="w" fact="0.571"/>
+                  <dgm:constr type="t" for="ch" forName="Accent1Text" refType="h" fact="0"/>
+                  <dgm:constr type="h" for="ch" forName="Accent1Text" refType="h"/>
+                  <dgm:constr type="w" for="ch" forName="Accent1Text" refType="h" fact="0.87"/>
+                  <dgm:constr type="l" for="ch" forName="Parent1" refType="w" fact="0.31"/>
+                  <dgm:constr type="t" for="ch" forName="Parent1" refType="h" fact="0"/>
+                  <dgm:constr type="h" for="ch" forName="Parent1" refType="h"/>
+                  <dgm:constr type="w" for="ch" forName="Parent1" refType="h" fact="0.87"/>
+                  <dgm:constr type="l" for="ch" forName="Childtext1" refType="w" fact="0"/>
+                  <dgm:constr type="t" for="ch" forName="Childtext1" refType="h" fact="0.2"/>
+                  <dgm:constr type="w" for="ch" forName="Childtext1" refType="w" fact="0.3"/>
+                  <dgm:constr type="h" for="ch" forName="Childtext1" refType="h" fact="0.6"/>
+                  <dgm:constr type="l" for="ch" forName="BalanceSpacing" refType="w" fact="0.82"/>
+                  <dgm:constr type="t" for="ch" forName="BalanceSpacing" refType="h" fact="0"/>
+                  <dgm:constr type="w" for="ch" forName="BalanceSpacing" refType="w" fact="0.18"/>
+                  <dgm:constr type="h" for="ch" forName="BalanceSpacing" refType="h"/>
+                  <dgm:constr type="l" for="ch" forName="BalanceSpacing1" refType="w" fact="0"/>
+                  <dgm:constr type="t" for="ch" forName="BalanceSpacing1" refType="h" fact="0.2"/>
+                  <dgm:constr type="w" for="ch" forName="BalanceSpacing1" refType="w" fact="0.3"/>
+                  <dgm:constr type="h" for="ch" forName="BalanceSpacing1" refType="h" fact="0.6"/>
+                </dgm:constrLst>
+              </dgm:else>
+            </dgm:choose>
+          </dgm:if>
+          <dgm:else name="Name6">
+            <dgm:choose name="Name7">
+              <dgm:if name="Name8" axis="self" ptType="node" func="posOdd" op="equ" val="1">
+                <dgm:constrLst>
+                  <dgm:constr type="l" for="ch" forName="Accent1" refType="w" fact="0.571"/>
+                  <dgm:constr type="t" for="ch" forName="Accent1" refType="h" fact="0"/>
+                  <dgm:constr type="h" for="ch" forName="Accent1" refType="h"/>
+                  <dgm:constr type="w" for="ch" forName="Accent1" refType="h" fact="0.87"/>
+                  <dgm:constr type="l" for="ch" forName="Accent1Text" refType="w" fact="0.571"/>
+                  <dgm:constr type="t" for="ch" forName="Accent1Text" refType="h" fact="0"/>
+                  <dgm:constr type="h" for="ch" forName="Accent1Text" refType="h"/>
+                  <dgm:constr type="w" for="ch" forName="Accent1Text" refType="h" fact="0.87"/>
+                  <dgm:constr type="l" for="ch" forName="Parent1" refType="w" fact="0.31"/>
+                  <dgm:constr type="t" for="ch" forName="Parent1" refType="h" fact="0"/>
+                  <dgm:constr type="h" for="ch" forName="Parent1" refType="h"/>
+                  <dgm:constr type="w" for="ch" forName="Parent1" refType="h" fact="0.87"/>
+                  <dgm:constr type="l" for="ch" forName="Childtext1" refType="w" fact="0"/>
+                  <dgm:constr type="t" for="ch" forName="Childtext1" refType="h" fact="0.2"/>
+                  <dgm:constr type="w" for="ch" forName="Childtext1" refType="w" fact="0.3"/>
+                  <dgm:constr type="h" for="ch" forName="Childtext1" refType="h" fact="0.6"/>
+                  <dgm:constr type="l" for="ch" forName="BalanceSpacing" refType="w" fact="0.82"/>
+                  <dgm:constr type="t" for="ch" forName="BalanceSpacing" refType="h" fact="0"/>
+                  <dgm:constr type="w" for="ch" forName="BalanceSpacing" refType="w" fact="0.18"/>
+                  <dgm:constr type="h" for="ch" forName="BalanceSpacing" refType="h"/>
+                </dgm:constrLst>
+              </dgm:if>
+              <dgm:else name="Name9">
+                <dgm:constrLst>
+                  <dgm:constr type="l" for="ch" forName="Accent1" refType="w" fact="0.18"/>
+                  <dgm:constr type="t" for="ch" forName="Accent1" refType="h" fact="0"/>
+                  <dgm:constr type="h" for="ch" forName="Accent1" refType="h"/>
+                  <dgm:constr type="w" for="ch" forName="Accent1" refType="h" fact="0.87"/>
+                  <dgm:constr type="l" for="ch" forName="Accent1Text" refType="w" fact="0.18"/>
+                  <dgm:constr type="t" for="ch" forName="Accent1Text" refType="h" fact="0"/>
+                  <dgm:constr type="h" for="ch" forName="Accent1Text" refType="h"/>
+                  <dgm:constr type="w" for="ch" forName="Accent1Text" refType="h" fact="0.87"/>
+                  <dgm:constr type="l" for="ch" forName="Parent1" refType="w" fact="0.441"/>
+                  <dgm:constr type="t" for="ch" forName="Parent1" refType="h" fact="0"/>
+                  <dgm:constr type="h" for="ch" forName="Parent1" refType="h"/>
+                  <dgm:constr type="w" for="ch" forName="Parent1" refType="h" fact="0.87"/>
+                  <dgm:constr type="l" for="ch" forName="Childtext1" refType="w" fact="0.69"/>
+                  <dgm:constr type="t" for="ch" forName="Childtext1" refType="h" fact="0.2"/>
+                  <dgm:constr type="w" for="ch" forName="Childtext1" refType="w" fact="0.31"/>
+                  <dgm:constr type="h" for="ch" forName="Childtext1" refType="h" fact="0.6"/>
+                  <dgm:constr type="l" for="ch" forName="BalanceSpacing" refType="w" fact="0"/>
+                  <dgm:constr type="t" for="ch" forName="BalanceSpacing" refType="h" fact="0"/>
+                  <dgm:constr type="w" for="ch" forName="BalanceSpacing" refType="w" fact="0.18"/>
+                  <dgm:constr type="h" for="ch" forName="BalanceSpacing" refType="h"/>
+                </dgm:constrLst>
+              </dgm:else>
+            </dgm:choose>
+          </dgm:else>
+        </dgm:choose>
+        <dgm:layoutNode name="Parent1" styleLbl="node1">
+          <dgm:varLst>
+            <dgm:chMax val="1"/>
+            <dgm:chPref val="1"/>
+            <dgm:bulletEnabled val="1"/>
+          </dgm:varLst>
+          <dgm:alg type="tx"/>
+          <dgm:shape xmlns:r="http://schemas.openxmlformats.org/officeDocument/2006/relationships" rot="90" type="hexagon" r:blip="">
+            <dgm:adjLst>
+              <dgm:adj idx="1" val="0.25"/>
+              <dgm:adj idx="2" val="1.1547"/>
+            </dgm:adjLst>
+          </dgm:shape>
+          <dgm:presOf axis="self" ptType="node"/>
+          <dgm:constrLst>
+            <dgm:constr type="lMarg" refType="primFontSz" fact="0.3"/>
+            <dgm:constr type="rMarg" refType="primFontSz" fact="0.3"/>
+            <dgm:constr type="tMarg" refType="primFontSz" fact="0.3"/>
+            <dgm:constr type="bMarg" refType="primFontSz" fact="0.3"/>
+          </dgm:constrLst>
+          <dgm:ruleLst>
+            <dgm:rule type="primFontSz" val="5" fact="NaN" max="NaN"/>
+          </dgm:ruleLst>
+        </dgm:layoutNode>
+        <dgm:layoutNode name="Childtext1" styleLbl="revTx">
+          <dgm:varLst>
+            <dgm:chMax val="0"/>
+            <dgm:chPref val="0"/>
+            <dgm:bulletEnabled val="1"/>
+          </dgm:varLst>
+          <dgm:choose name="Name10">
+            <dgm:if name="Name11" func="var" arg="dir" op="equ" val="norm">
+              <dgm:choose name="Name12">
+                <dgm:if name="Name13" axis="self" ptType="node" func="posOdd" op="equ" val="1">
+                  <dgm:alg type="tx">
+                    <dgm:param type="parTxLTRAlign" val="l"/>
+                  </dgm:alg>
+                </dgm:if>
+                <dgm:else name="Name14">
+                  <dgm:alg type="tx">
+                    <dgm:param type="parTxLTRAlign" val="r"/>
+                  </dgm:alg>
+                </dgm:else>
+              </dgm:choose>
+            </dgm:if>
+            <dgm:else name="Name15">
+              <dgm:choose name="Name16">
+                <dgm:if name="Name17" axis="self" ptType="node" func="posOdd" op="equ" val="1">
+                  <dgm:alg type="tx">
+                    <dgm:param type="parTxLTRAlign" val="r"/>
+                  </dgm:alg>
+                </dgm:if>
+                <dgm:else name="Name18">
+                  <dgm:alg type="tx">
+                    <dgm:param type="parTxLTRAlign" val="l"/>
+                  </dgm:alg>
+                </dgm:else>
+              </dgm:choose>
+            </dgm:else>
+          </dgm:choose>
+          <dgm:shape xmlns:r="http://schemas.openxmlformats.org/officeDocument/2006/relationships" type="rect" r:blip="">
+            <dgm:adjLst/>
+          </dgm:shape>
+          <dgm:presOf axis="des" ptType="node"/>
+          <dgm:constrLst>
+            <dgm:constr type="lMarg" refType="primFontSz" fact="0.3"/>
+            <dgm:constr type="rMarg" refType="primFontSz" fact="0.3"/>
+            <dgm:constr type="tMarg" refType="primFontSz" fact="0.3"/>
+            <dgm:constr type="bMarg" refType="primFontSz" fact="0.3"/>
+          </dgm:constrLst>
+          <dgm:ruleLst>
+            <dgm:rule type="primFontSz" val="5" fact="NaN" max="NaN"/>
+          </dgm:ruleLst>
+        </dgm:layoutNode>
+        <dgm:layoutNode name="BalanceSpacing">
+          <dgm:alg type="sp"/>
+          <dgm:shape xmlns:r="http://schemas.openxmlformats.org/officeDocument/2006/relationships" r:blip="">
+            <dgm:adjLst/>
+          </dgm:shape>
+        </dgm:layoutNode>
+        <dgm:layoutNode name="BalanceSpacing1">
+          <dgm:alg type="sp"/>
+          <dgm:shape xmlns:r="http://schemas.openxmlformats.org/officeDocument/2006/relationships" r:blip="">
+            <dgm:adjLst/>
+          </dgm:shape>
+        </dgm:layoutNode>
+        <dgm:forEach name="Name19" axis="followSib" ptType="sibTrans" hideLastTrans="0" cnt="1">
+          <dgm:layoutNode name="Accent1Text" styleLbl="node1">
+            <dgm:alg type="tx"/>
+            <dgm:shape xmlns:r="http://schemas.openxmlformats.org/officeDocument/2006/relationships" rot="90" type="hexagon" r:blip="">
+              <dgm:adjLst>
+                <dgm:adj idx="1" val="0.25"/>
+                <dgm:adj idx="2" val="1.1547"/>
+              </dgm:adjLst>
+            </dgm:shape>
+            <dgm:presOf axis="self" ptType="sibTrans"/>
+            <dgm:constrLst>
+              <dgm:constr type="lMarg"/>
+              <dgm:constr type="rMarg"/>
+              <dgm:constr type="tMarg"/>
+              <dgm:constr type="bMarg"/>
+            </dgm:constrLst>
+            <dgm:ruleLst>
+              <dgm:rule type="primFontSz" val="5" fact="NaN" max="NaN"/>
+            </dgm:ruleLst>
+          </dgm:layoutNode>
+        </dgm:forEach>
+      </dgm:layoutNode>
+      <dgm:forEach name="Name20" axis="followSib" ptType="sibTrans" cnt="1">
+        <dgm:layoutNode name="spaceBetweenRectangles">
+          <dgm:alg type="sp"/>
+          <dgm:shape xmlns:r="http://schemas.openxmlformats.org/officeDocument/2006/relationships" r:blip="">
+            <dgm:adjLst/>
+          </dgm:shape>
+          <dgm:presOf/>
+          <dgm:constrLst/>
+          <dgm:ruleLst/>
+        </dgm:layoutNode>
+      </dgm:forEach>
+    </dgm:forEach>
+  </dgm:layoutNode>
+</dgm:layoutDef>
+</file>
+
+<file path=ppt/diagrams/layout2.xml><?xml version="1.0" encoding="utf-8"?>
+<dgm:layoutDef xmlns:dgm="http://schemas.openxmlformats.org/drawingml/2006/diagram" xmlns:a="http://schemas.openxmlformats.org/drawingml/2006/main" uniqueId="urn:microsoft.com/office/officeart/2005/8/layout/list1">
+  <dgm:title val=""/>
+  <dgm:desc val=""/>
+  <dgm:catLst>
+    <dgm:cat type="list" pri="4000"/>
+  </dgm:catLst>
+  <dgm:sampData>
+    <dgm:dataModel>
+      <dgm:ptLst>
+        <dgm:pt modelId="0" type="doc"/>
+        <dgm:pt modelId="1">
+          <dgm:prSet phldr="1"/>
+        </dgm:pt>
+        <dgm:pt modelId="2">
+          <dgm:prSet phldr="1"/>
+        </dgm:pt>
+        <dgm:pt modelId="3">
+          <dgm:prSet phldr="1"/>
+        </dgm:pt>
+      </dgm:ptLst>
+      <dgm:cxnLst>
+        <dgm:cxn modelId="4" srcId="0" destId="1" srcOrd="0" destOrd="0"/>
+        <dgm:cxn modelId="5" srcId="0" destId="2" srcOrd="1" destOrd="0"/>
+        <dgm:cxn modelId="6" srcId="0" destId="3" srcOrd="2" destOrd="0"/>
+      </dgm:cxnLst>
+      <dgm:bg/>
+      <dgm:whole/>
+    </dgm:dataModel>
+  </dgm:sampData>
+  <dgm:styleData>
+    <dgm:dataModel>
+      <dgm:ptLst>
+        <dgm:pt modelId="0" type="doc"/>
+        <dgm:pt modelId="1"/>
+        <dgm:pt modelId="2"/>
+      </dgm:ptLst>
+      <dgm:cxnLst>
+        <dgm:cxn modelId="4" srcId="0" destId="1" srcOrd="0" destOrd="0"/>
+        <dgm:cxn modelId="5" srcId="0" destId="2" srcOrd="1" destOrd="0"/>
+      </dgm:cxnLst>
+      <dgm:bg/>
+      <dgm:whole/>
+    </dgm:dataModel>
+  </dgm:styleData>
+  <dgm:clrData>
+    <dgm:dataModel>
+      <dgm:ptLst>
+        <dgm:pt modelId="0" type="doc"/>
+        <dgm:pt modelId="1"/>
+        <dgm:pt modelId="2"/>
+        <dgm:pt modelId="3"/>
+        <dgm:pt modelId="4"/>
+      </dgm:ptLst>
+      <dgm:cxnLst>
+        <dgm:cxn modelId="5" srcId="0" destId="1" srcOrd="0" destOrd="0"/>
+        <dgm:cxn modelId="6" srcId="0" destId="2" srcOrd="1" destOrd="0"/>
+        <dgm:cxn modelId="7" srcId="0" destId="3" srcOrd="2" destOrd="0"/>
+        <dgm:cxn modelId="8" srcId="0" destId="4" srcOrd="3" destOrd="0"/>
+      </dgm:cxnLst>
+      <dgm:bg/>
+      <dgm:whole/>
+    </dgm:dataModel>
+  </dgm:clrData>
+  <dgm:layoutNode name="linear">
+    <dgm:varLst>
+      <dgm:dir/>
+      <dgm:animLvl val="lvl"/>
+      <dgm:resizeHandles val="exact"/>
+    </dgm:varLst>
+    <dgm:choose name="Name0">
+      <dgm:if name="Name1" func="var" arg="dir" op="equ" val="norm">
+        <dgm:alg type="lin">
+          <dgm:param type="linDir" val="fromT"/>
+          <dgm:param type="vertAlign" val="mid"/>
+          <dgm:param type="horzAlign" val="l"/>
+          <dgm:param type="nodeHorzAlign" val="l"/>
+        </dgm:alg>
+      </dgm:if>
+      <dgm:else name="Name2">
+        <dgm:alg type="lin">
+          <dgm:param type="linDir" val="fromT"/>
+          <dgm:param type="vertAlign" val="mid"/>
+          <dgm:param type="horzAlign" val="r"/>
+          <dgm:param type="nodeHorzAlign" val="r"/>
+        </dgm:alg>
+      </dgm:else>
+    </dgm:choose>
+    <dgm:shape xmlns:r="http://schemas.openxmlformats.org/officeDocument/2006/relationships" r:blip="">
+      <dgm:adjLst/>
+    </dgm:shape>
+    <dgm:presOf/>
+    <dgm:constrLst>
+      <dgm:constr type="w" for="ch" forName="parentLin" refType="w"/>
+      <dgm:constr type="h" for="ch" forName="parentLin" val="INF"/>
+      <dgm:constr type="w" for="des" forName="parentLeftMargin" refType="w" fact="0.05"/>
+      <dgm:constr type="w" for="des" forName="parentText" refType="w" fact="0.7"/>
+      <dgm:constr type="h" for="des" forName="parentText" refType="primFontSz" refFor="des" refForName="parentText" fact="0.82"/>
+      <dgm:constr type="h" for="ch" forName="negativeSpace" refType="primFontSz" refFor="des" refForName="parentText" fact="-0.41"/>
+      <dgm:constr type="h" for="ch" forName="negativeSpace" refType="h" refFor="des" refForName="parentText" op="lte" fact="-0.82"/>
+      <dgm:constr type="h" for="ch" forName="negativeSpace" refType="h" refFor="des" refForName="parentText" op="gte" fact="-0.82"/>
+      <dgm:constr type="w" for="ch" forName="childText" refType="w"/>
+      <dgm:constr type="h" for="ch" forName="childText" refType="primFontSz" refFor="des" refForName="parentText" fact="0.7"/>
+      <dgm:constr type="primFontSz" for="des" forName="parentText" val="65"/>
+      <dgm:constr type="primFontSz" for="ch" forName="childText" refType="primFontSz" refFor="des" refForName="parentText"/>
+      <dgm:constr type="tMarg" for="ch" forName="childText" refType="primFontSz" refFor="des" refForName="parentText" fact="1.64"/>
+      <dgm:constr type="tMarg" for="ch" forName="childText" refType="h" refFor="des" refForName="parentText" op="lte" fact="3.28"/>
+      <dgm:constr type="tMarg" for="ch" forName="childText" refType="h" refFor="des" refForName="parentText" op="gte" fact="3.28"/>
+      <dgm:constr type="lMarg" for="ch" forName="childText" refType="w" fact="0.22"/>
+      <dgm:constr type="rMarg" for="ch" forName="childText" refType="lMarg" refFor="ch" refForName="childText"/>
+      <dgm:constr type="lMarg" for="des" forName="parentText" refType="w" fact="0.075"/>
+      <dgm:constr type="rMarg" for="des" forName="parentText" refType="lMarg" refFor="des" refForName="parentText"/>
+      <dgm:constr type="h" for="ch" forName="spaceBetweenRectangles" refType="primFontSz" refFor="des" refForName="parentText" fact="0.15"/>
+    </dgm:constrLst>
+    <dgm:ruleLst>
+      <dgm:rule type="primFontSz" for="des" forName="parentText" val="5" fact="NaN" max="NaN"/>
+    </dgm:ruleLst>
+    <dgm:forEach name="Name3" axis="ch" ptType="node">
+      <dgm:layoutNode name="parentLin">
+        <dgm:choose name="Name4">
+          <dgm:if name="Name5" func="var" arg="dir" op="equ" val="norm">
+            <dgm:alg type="lin">
+              <dgm:param type="linDir" val="fromL"/>
+              <dgm:param type="horzAlign" val="l"/>
+              <dgm:param type="nodeHorzAlign" val="l"/>
+            </dgm:alg>
+          </dgm:if>
+          <dgm:else name="Name6">
+            <dgm:alg type="lin">
+              <dgm:param type="linDir" val="fromR"/>
+              <dgm:param type="horzAlign" val="r"/>
+              <dgm:param type="nodeHorzAlign" val="r"/>
+            </dgm:alg>
+          </dgm:else>
+        </dgm:choose>
+        <dgm:shape xmlns:r="http://schemas.openxmlformats.org/officeDocument/2006/relationships" r:blip="">
+          <dgm:adjLst/>
+        </dgm:shape>
+        <dgm:presOf/>
+        <dgm:constrLst/>
+        <dgm:ruleLst/>
+        <dgm:layoutNode name="parentLeftMargin">
+          <dgm:alg type="sp"/>
+          <dgm:shape xmlns:r="http://schemas.openxmlformats.org/officeDocument/2006/relationships" type="rect" r:blip="" hideGeom="1">
+            <dgm:adjLst/>
+          </dgm:shape>
+          <dgm:presOf axis="self"/>
+          <dgm:constrLst>
+            <dgm:constr type="h"/>
+          </dgm:constrLst>
+          <dgm:ruleLst/>
+        </dgm:layoutNode>
+        <dgm:layoutNode name="parentText" styleLbl="node1">
+          <dgm:varLst>
+            <dgm:chMax val="0"/>
+            <dgm:bulletEnabled val="1"/>
+          </dgm:varLst>
+          <dgm:choose name="Name7">
+            <dgm:if name="Name8" func="var" arg="dir" op="equ" val="norm">
+              <dgm:alg type="tx">
+                <dgm:param type="parTxLTRAlign" val="l"/>
+                <dgm:param type="parTxRTLAlign" val="l"/>
+              </dgm:alg>
+            </dgm:if>
+            <dgm:else name="Name9">
+              <dgm:alg type="tx">
+                <dgm:param type="parTxLTRAlign" val="r"/>
+                <dgm:param type="parTxRTLAlign" val="r"/>
+              </dgm:alg>
+            </dgm:else>
+          </dgm:choose>
+          <dgm:shape xmlns:r="http://schemas.openxmlformats.org/officeDocument/2006/relationships" type="roundRect" r:blip="">
+            <dgm:adjLst/>
+          </dgm:shape>
+          <dgm:presOf axis="self" ptType="node"/>
+          <dgm:constrLst>
+            <dgm:constr type="tMarg"/>
+            <dgm:constr type="bMarg"/>
+          </dgm:constrLst>
+          <dgm:ruleLst/>
+        </dgm:layoutNode>
+      </dgm:layoutNode>
+      <dgm:layoutNode name="negativeSpace">
+        <dgm:alg type="sp"/>
+        <dgm:shape xmlns:r="http://schemas.openxmlformats.org/officeDocument/2006/relationships" r:blip="">
+          <dgm:adjLst/>
+        </dgm:shape>
+        <dgm:presOf/>
+        <dgm:constrLst/>
+        <dgm:ruleLst/>
+      </dgm:layoutNode>
+      <dgm:layoutNode name="childText" styleLbl="conFgAcc1">
+        <dgm:varLst>
+          <dgm:bulletEnabled val="1"/>
+        </dgm:varLst>
+        <dgm:alg type="tx">
+          <dgm:param type="stBulletLvl" val="1"/>
+        </dgm:alg>
+        <dgm:shape xmlns:r="http://schemas.openxmlformats.org/officeDocument/2006/relationships" type="rect" r:blip="" zOrderOff="-2">
+          <dgm:adjLst/>
+        </dgm:shape>
+        <dgm:presOf axis="des" ptType="node"/>
+        <dgm:constrLst>
+          <dgm:constr type="secFontSz" refType="primFontSz"/>
+        </dgm:constrLst>
+        <dgm:ruleLst>
+          <dgm:rule type="h" val="INF" fact="NaN" max="NaN"/>
+        </dgm:ruleLst>
+      </dgm:layoutNode>
+      <dgm:forEach name="Name10" axis="followSib" ptType="sibTrans" cnt="1">
+        <dgm:layoutNode name="spaceBetweenRectangles">
+          <dgm:alg type="sp"/>
+          <dgm:shape xmlns:r="http://schemas.openxmlformats.org/officeDocument/2006/relationships" r:blip="">
+            <dgm:adjLst/>
+          </dgm:shape>
+          <dgm:presOf/>
+          <dgm:constrLst/>
+          <dgm:ruleLst/>
+        </dgm:layoutNode>
+      </dgm:forEach>
+    </dgm:forEach>
+  </dgm:layoutNode>
+</dgm:layoutDef>
+</file>
+
+<file path=ppt/diagrams/quickStyle1.xml><?xml version="1.0" encoding="utf-8"?>
+<dgm:styleDef xmlns:dgm="http://schemas.openxmlformats.org/drawingml/2006/diagram" xmlns:a="http://schemas.openxmlformats.org/drawingml/2006/main" uniqueId="urn:microsoft.com/office/officeart/2005/8/quickstyle/simple4">
+  <dgm:title val=""/>
+  <dgm:desc val=""/>
+  <dgm:catLst>
+    <dgm:cat type="simple" pri="10400"/>
+  </dgm:catLst>
+  <dgm:scene3d>
+    <a:camera prst="orthographicFront"/>
+    <a:lightRig rig="threePt" dir="t"/>
+  </dgm:scene3d>
+  <dgm:styleLbl name="node0">
+    <dgm:scene3d>
+      <a:camera prst="orthographicFront"/>
+      <a:lightRig rig="threePt" dir="t"/>
+    </dgm:scene3d>
+    <dgm:sp3d/>
+    <dgm:txPr/>
+    <dgm:style>
+      <a:lnRef idx="0">
+        <a:scrgbClr r="0" g="0" b="0"/>
+      </a:lnRef>
+      <a:fillRef idx="3">
+        <a:scrgbClr r="0" g="0" b="0"/>
+      </a:fillRef>
+      <a:effectRef idx="2">
+        <a:scrgbClr r="0" g="0" b="0"/>
+      </a:effectRef>
+      <a:fontRef idx="minor">
+        <a:schemeClr val="lt1"/>
+      </a:fontRef>
+    </dgm:style>
+  </dgm:styleLbl>
+  <dgm:styleLbl name="lnNode1">
+    <dgm:scene3d>
+      <a:camera prst="orthographicFront"/>
+      <a:lightRig rig="threePt" dir="t"/>
+    </dgm:scene3d>
+    <dgm:sp3d/>
+    <dgm:txPr/>
+    <dgm:style>
+      <a:lnRef idx="1">
+        <a:scrgbClr r="0" g="0" b="0"/>
+      </a:lnRef>
+      <a:fillRef idx="3">
+        <a:scrgbClr r="0" g="0" b="0"/>
+      </a:fillRef>
+      <a:effectRef idx="2">
+        <a:scrgbClr r="0" g="0" b="0"/>
+      </a:effectRef>
+      <a:fontRef idx="minor">
+        <a:schemeClr val="lt1"/>
+      </a:fontRef>
+    </dgm:style>
+  </dgm:styleLbl>
+  <dgm:styleLbl name="vennNode1">
+    <dgm:scene3d>
+      <a:camera prst="orthographicFront"/>
+      <a:lightRig rig="threePt" dir="t"/>
+    </dgm:scene3d>
+    <dgm:sp3d/>
+    <dgm:txPr/>
+    <dgm:style>
+      <a:lnRef idx="0">
+        <a:scrgbClr r="0" g="0" b="0"/>
+      </a:lnRef>
+      <a:fillRef idx="3">
+        <a:scrgbClr r="0" g="0" b="0"/>
+      </a:fillRef>
+      <a:effectRef idx="0">
+        <a:scrgbClr r="0" g="0" b="0"/>
+      </a:effectRef>
+      <a:fontRef idx="minor">
+        <a:schemeClr val="tx1"/>
+      </a:fontRef>
+    </dgm:style>
+  </dgm:styleLbl>
+  <dgm:styleLbl name="alignNode1">
+    <dgm:scene3d>
+      <a:camera prst="orthographicFront"/>
+      <a:lightRig rig="threePt" dir="t"/>
+    </dgm:scene3d>
+    <dgm:sp3d/>
+    <dgm:txPr/>
+    <dgm:style>
+      <a:lnRef idx="1">
+        <a:scrgbClr r="0" g="0" b="0"/>
+      </a:lnRef>
+      <a:fillRef idx="3">
+        <a:scrgbClr r="0" g="0" b="0"/>
+      </a:fillRef>
+      <a:effectRef idx="2">
+        <a:scrgbClr r="0" g="0" b="0"/>
+      </a:effectRef>
+      <a:fontRef idx="minor">
+        <a:schemeClr val="lt1"/>
+      </a:fontRef>
+    </dgm:style>
+  </dgm:styleLbl>
+  <dgm:styleLbl name="node1">
+    <dgm:scene3d>
+      <a:camera prst="orthographicFront"/>
+      <a:lightRig rig="threePt" dir="t"/>
+    </dgm:scene3d>
+    <dgm:sp3d/>
+    <dgm:txPr/>
+    <dgm:style>
+      <a:lnRef idx="0">
+        <a:scrgbClr r="0" g="0" b="0"/>
+      </a:lnRef>
+      <a:fillRef idx="3">
+        <a:scrgbClr r="0" g="0" b="0"/>
+      </a:fillRef>
+      <a:effectRef idx="2">
+        <a:scrgbClr r="0" g="0" b="0"/>
+      </a:effectRef>
+      <a:fontRef idx="minor">
+        <a:schemeClr val="lt1"/>
+      </a:fontRef>
+    </dgm:style>
+  </dgm:styleLbl>
+  <dgm:styleLbl name="node2">
+    <dgm:scene3d>
+      <a:camera prst="orthographicFront"/>
+      <a:lightRig rig="threePt" dir="t"/>
+    </dgm:scene3d>
+    <dgm:sp3d/>
+    <dgm:txPr/>
+    <dgm:style>
+      <a:lnRef idx="0">
+        <a:scrgbClr r="0" g="0" b="0"/>
+      </a:lnRef>
+      <a:fillRef idx="3">
+        <a:scrgbClr r="0" g="0" b="0"/>
+      </a:fillRef>
+      <a:effectRef idx="2">
+        <a:scrgbClr r="0" g="0" b="0"/>
+      </a:effectRef>
+      <a:fontRef idx="minor">
+        <a:schemeClr val="lt1"/>
+      </a:fontRef>
+    </dgm:style>
+  </dgm:styleLbl>
+  <dgm:styleLbl name="node3">
+    <dgm:scene3d>
+      <a:camera prst="orthographicFront"/>
+      <a:lightRig rig="threePt" dir="t"/>
+    </dgm:scene3d>
+    <dgm:sp3d/>
+    <dgm:txPr/>
+    <dgm:style>
+      <a:lnRef idx="0">
+        <a:scrgbClr r="0" g="0" b="0"/>
+      </a:lnRef>
+      <a:fillRef idx="3">
+        <a:scrgbClr r="0" g="0" b="0"/>
+      </a:fillRef>
+      <a:effectRef idx="2">
+        <a:scrgbClr r="0" g="0" b="0"/>
+      </a:effectRef>
+      <a:fontRef idx="minor">
+        <a:schemeClr val="lt1"/>
+      </a:fontRef>
+    </dgm:style>
+  </dgm:styleLbl>
+  <dgm:styleLbl name="node4">
+    <dgm:scene3d>
+      <a:camera prst="orthographicFront"/>
+      <a:lightRig rig="threePt" dir="t"/>
+    </dgm:scene3d>
+    <dgm:sp3d/>
+    <dgm:txPr/>
+    <dgm:style>
+      <a:lnRef idx="0">
+        <a:scrgbClr r="0" g="0" b="0"/>
+      </a:lnRef>
+      <a:fillRef idx="3">
+        <a:scrgbClr r="0" g="0" b="0"/>
+      </a:fillRef>
+      <a:effectRef idx="2">
+        <a:scrgbClr r="0" g="0" b="0"/>
+      </a:effectRef>
+      <a:fontRef idx="minor">
+        <a:schemeClr val="lt1"/>
+      </a:fontRef>
+    </dgm:style>
+  </dgm:styleLbl>
+  <dgm:styleLbl name="fgImgPlace1">
+    <dgm:scene3d>
+      <a:camera prst="orthographicFront"/>
+      <a:lightRig rig="threePt" dir="t"/>
+    </dgm:scene3d>
+    <dgm:sp3d/>
+    <dgm:txPr/>
+    <dgm:style>
+      <a:lnRef idx="0">
+        <a:scrgbClr r="0" g="0" b="0"/>
+      </a:lnRef>
+      <a:fillRef idx="1">
+        <a:scrgbClr r="0" g="0" b="0"/>
+      </a:fillRef>
+      <a:effectRef idx="2">
+        <a:scrgbClr r="0" g="0" b="0"/>
+      </a:effectRef>
+      <a:fontRef idx="minor"/>
+    </dgm:style>
+  </dgm:styleLbl>
+  <dgm:styleLbl name="alignImgPlace1">
+    <dgm:scene3d>
+      <a:camera prst="orthographicFront"/>
+      <a:lightRig rig="threePt" dir="t"/>
+    </dgm:scene3d>
+    <dgm:sp3d/>
+    <dgm:txPr/>
+    <dgm:style>
+      <a:lnRef idx="0">
+        <a:scrgbClr r="0" g="0" b="0"/>
+      </a:lnRef>
+      <a:fillRef idx="1">
+        <a:scrgbClr r="0" g="0" b="0"/>
+      </a:fillRef>
+      <a:effectRef idx="2">
+        <a:scrgbClr r="0" g="0" b="0"/>
+      </a:effectRef>
+      <a:fontRef idx="minor"/>
+    </dgm:style>
+  </dgm:styleLbl>
+  <dgm:styleLbl name="bgImgPlace1">
+    <dgm:scene3d>
+      <a:camera prst="orthographicFront"/>
+      <a:lightRig rig="threePt" dir="t"/>
+    </dgm:scene3d>
+    <dgm:sp3d/>
+    <dgm:txPr/>
+    <dgm:style>
+      <a:lnRef idx="0">
+        <a:scrgbClr r="0" g="0" b="0"/>
+      </a:lnRef>
+      <a:fillRef idx="1">
+        <a:scrgbClr r="0" g="0" b="0"/>
+      </a:fillRef>
+      <a:effectRef idx="2">
+        <a:scrgbClr r="0" g="0" b="0"/>
+      </a:effectRef>
+      <a:fontRef idx="minor"/>
+    </dgm:style>
+  </dgm:styleLbl>
+  <dgm:styleLbl name="sibTrans2D1">
+    <dgm:scene3d>
+      <a:camera prst="orthographicFront"/>
+      <a:lightRig rig="threePt" dir="t"/>
+    </dgm:scene3d>
+    <dgm:sp3d/>
+    <dgm:txPr/>
+    <dgm:style>
+      <a:lnRef idx="0">
+        <a:scrgbClr r="0" g="0" b="0"/>
+      </a:lnRef>
+      <a:fillRef idx="3">
+        <a:scrgbClr r="0" g="0" b="0"/>
+      </a:fillRef>
+      <a:effectRef idx="2">
+        <a:scrgbClr r="0" g="0" b="0"/>
+      </a:effectRef>
+      <a:fontRef idx="minor">
+        <a:schemeClr val="lt1"/>
+      </a:fontRef>
+    </dgm:style>
+  </dgm:styleLbl>
+  <dgm:styleLbl name="fgSibTrans2D1">
+    <dgm:scene3d>
+      <a:camera prst="orthographicFront"/>
+      <a:lightRig rig="threePt" dir="t"/>
+    </dgm:scene3d>
+    <dgm:sp3d/>
+    <dgm:txPr/>
+    <dgm:style>
+      <a:lnRef idx="0">
+        <a:scrgbClr r="0" g="0" b="0"/>
+      </a:lnRef>
+      <a:fillRef idx="3">
+        <a:scrgbClr r="0" g="0" b="0"/>
+      </a:fillRef>
+      <a:effectRef idx="2">
+        <a:scrgbClr r="0" g="0" b="0"/>
+      </a:effectRef>
+      <a:fontRef idx="minor">
+        <a:schemeClr val="lt1"/>
+      </a:fontRef>
+    </dgm:style>
+  </dgm:styleLbl>
+  <dgm:styleLbl name="bgSibTrans2D1">
+    <dgm:scene3d>
+      <a:camera prst="orthographicFront"/>
+      <a:lightRig rig="threePt" dir="t"/>
+    </dgm:scene3d>
+    <dgm:sp3d/>
+    <dgm:txPr/>
+    <dgm:style>
+      <a:lnRef idx="0">
+        <a:scrgbClr r="0" g="0" b="0"/>
+      </a:lnRef>
+      <a:fillRef idx="3">
+        <a:scrgbClr r="0" g="0" b="0"/>
+      </a:fillRef>
+      <a:effectRef idx="2">
+        <a:scrgbClr r="0" g="0" b="0"/>
+      </a:effectRef>
+      <a:fontRef idx="minor">
+        <a:schemeClr val="lt1"/>
+      </a:fontRef>
+    </dgm:style>
+  </dgm:styleLbl>
+  <dgm:styleLbl name="sibTrans1D1">
+    <dgm:scene3d>
+      <a:camera prst="orthographicFront"/>
+      <a:lightRig rig="threePt" dir="t"/>
+    </dgm:scene3d>
+    <dgm:sp3d/>
+    <dgm:txPr/>
+    <dgm:style>
+      <a:lnRef idx="1">
+        <a:scrgbClr r="0" g="0" b="0"/>
+      </a:lnRef>
+      <a:fillRef idx="0">
+        <a:scrgbClr r="0" g="0" b="0"/>
+      </a:fillRef>
+      <a:effectRef idx="0">
+        <a:scrgbClr r="0" g="0" b="0"/>
+      </a:effectRef>
+      <a:fontRef idx="minor"/>
+    </dgm:style>
+  </dgm:styleLbl>
+  <dgm:styleLbl name="callout">
+    <dgm:scene3d>
+      <a:camera prst="orthographicFront"/>
+      <a:lightRig rig="threePt" dir="t"/>
+    </dgm:scene3d>
+    <dgm:sp3d/>
+    <dgm:txPr/>
+    <dgm:style>
+      <a:lnRef idx="2">
+        <a:scrgbClr r="0" g="0" b="0"/>
+      </a:lnRef>
+      <a:fillRef idx="1">
+        <a:scrgbClr r="0" g="0" b="0"/>
+      </a:fillRef>
+      <a:effectRef idx="1">
+        <a:scrgbClr r="0" g="0" b="0"/>
+      </a:effectRef>
+      <a:fontRef idx="minor"/>
+    </dgm:style>
+  </dgm:styleLbl>
+  <dgm:styleLbl name="asst0">
+    <dgm:scene3d>
+      <a:camera prst="orthographicFront"/>
+      <a:lightRig rig="threePt" dir="t"/>
+    </dgm:scene3d>
+    <dgm:sp3d/>
+    <dgm:txPr/>
+    <dgm:style>
+      <a:lnRef idx="0">
+        <a:scrgbClr r="0" g="0" b="0"/>
+      </a:lnRef>
+      <a:fillRef idx="3">
+        <a:scrgbClr r="0" g="0" b="0"/>
+      </a:fillRef>
+      <a:effectRef idx="2">
+        <a:scrgbClr r="0" g="0" b="0"/>
+      </a:effectRef>
+      <a:fontRef idx="minor">
+        <a:schemeClr val="lt1"/>
+      </a:fontRef>
+    </dgm:style>
+  </dgm:styleLbl>
+  <dgm:styleLbl name="asst1">
+    <dgm:scene3d>
+      <a:camera prst="orthographicFront"/>
+      <a:lightRig rig="threePt" dir="t"/>
+    </dgm:scene3d>
+    <dgm:sp3d/>
+    <dgm:txPr/>
+    <dgm:style>
+      <a:lnRef idx="0">
+        <a:scrgbClr r="0" g="0" b="0"/>
+      </a:lnRef>
+      <a:fillRef idx="3">
+        <a:scrgbClr r="0" g="0" b="0"/>
+      </a:fillRef>
+      <a:effectRef idx="2">
+        <a:scrgbClr r="0" g="0" b="0"/>
+      </a:effectRef>
+      <a:fontRef idx="minor">
+        <a:schemeClr val="lt1"/>
+      </a:fontRef>
+    </dgm:style>
+  </dgm:styleLbl>
+  <dgm:styleLbl name="asst2">
+    <dgm:scene3d>
+      <a:camera prst="orthographicFront"/>
+      <a:lightRig rig="threePt" dir="t"/>
+    </dgm:scene3d>
+    <dgm:sp3d/>
+    <dgm:txPr/>
+    <dgm:style>
+      <a:lnRef idx="0">
+        <a:scrgbClr r="0" g="0" b="0"/>
+      </a:lnRef>
+      <a:fillRef idx="3">
+        <a:scrgbClr r="0" g="0" b="0"/>
+      </a:fillRef>
+      <a:effectRef idx="2">
+        <a:scrgbClr r="0" g="0" b="0"/>
+      </a:effectRef>
+      <a:fontRef idx="minor">
+        <a:schemeClr val="lt1"/>
+      </a:fontRef>
+    </dgm:style>
+  </dgm:styleLbl>
+  <dgm:styleLbl name="asst3">
+    <dgm:scene3d>
+      <a:camera prst="orthographicFront"/>
+      <a:lightRig rig="threePt" dir="t"/>
+    </dgm:scene3d>
+    <dgm:sp3d/>
+    <dgm:txPr/>
+    <dgm:style>
+      <a:lnRef idx="0">
+        <a:scrgbClr r="0" g="0" b="0"/>
+      </a:lnRef>
+      <a:fillRef idx="3">
+        <a:scrgbClr r="0" g="0" b="0"/>
+      </a:fillRef>
+      <a:effectRef idx="2">
+        <a:scrgbClr r="0" g="0" b="0"/>
+      </a:effectRef>
+      <a:fontRef idx="minor">
+        <a:schemeClr val="lt1"/>
+      </a:fontRef>
+    </dgm:style>
+  </dgm:styleLbl>
+  <dgm:styleLbl name="asst4">
+    <dgm:scene3d>
+      <a:camera prst="orthographicFront"/>
+      <a:lightRig rig="threePt" dir="t"/>
+    </dgm:scene3d>
+    <dgm:sp3d/>
+    <dgm:txPr/>
+    <dgm:style>
+      <a:lnRef idx="0">
+        <a:scrgbClr r="0" g="0" b="0"/>
+      </a:lnRef>
+      <a:fillRef idx="3">
+        <a:scrgbClr r="0" g="0" b="0"/>
+      </a:fillRef>
+      <a:effectRef idx="2">
+        <a:scrgbClr r="0" g="0" b="0"/>
+      </a:effectRef>
+      <a:fontRef idx="minor">
+        <a:schemeClr val="lt1"/>
+      </a:fontRef>
+    </dgm:style>
+  </dgm:styleLbl>
+  <dgm:styleLbl name="parChTrans2D1">
+    <dgm:scene3d>
+      <a:camera prst="orthographicFront"/>
+      <a:lightRig rig="threePt" dir="t"/>
+    </dgm:scene3d>
+    <dgm:sp3d/>
+    <dgm:txPr/>
+    <dgm:style>
+      <a:lnRef idx="0">
+        <a:scrgbClr r="0" g="0" b="0"/>
+      </a:lnRef>
+      <a:fillRef idx="3">
+        <a:scrgbClr r="0" g="0" b="0"/>
+      </a:fillRef>
+      <a:effectRef idx="2">
+        <a:scrgbClr r="0" g="0" b="0"/>
+      </a:effectRef>
+      <a:fontRef idx="minor">
+        <a:schemeClr val="lt1"/>
+      </a:fontRef>
+    </dgm:style>
+  </dgm:styleLbl>
+  <dgm:styleLbl name="parChTrans2D2">
+    <dgm:scene3d>
+      <a:camera prst="orthographicFront"/>
+      <a:lightRig rig="threePt" dir="t"/>
+    </dgm:scene3d>
+    <dgm:sp3d/>
+    <dgm:txPr/>
+    <dgm:style>
+      <a:lnRef idx="0">
+        <a:scrgbClr r="0" g="0" b="0"/>
+      </a:lnRef>
+      <a:fillRef idx="3">
+        <a:scrgbClr r="0" g="0" b="0"/>
+      </a:fillRef>
+      <a:effectRef idx="2">
+        <a:scrgbClr r="0" g="0" b="0"/>
+      </a:effectRef>
+      <a:fontRef idx="minor">
+        <a:schemeClr val="lt1"/>
+      </a:fontRef>
+    </dgm:style>
+  </dgm:styleLbl>
+  <dgm:styleLbl name="parChTrans2D3">
+    <dgm:scene3d>
+      <a:camera prst="orthographicFront"/>
+      <a:lightRig rig="threePt" dir="t"/>
+    </dgm:scene3d>
+    <dgm:sp3d/>
+    <dgm:txPr/>
+    <dgm:style>
+      <a:lnRef idx="1">
+        <a:scrgbClr r="0" g="0" b="0"/>
+      </a:lnRef>
+      <a:fillRef idx="3">
+        <a:scrgbClr r="0" g="0" b="0"/>
+      </a:fillRef>
+      <a:effectRef idx="2">
+        <a:scrgbClr r="0" g="0" b="0"/>
+      </a:effectRef>
+      <a:fontRef idx="minor">
+        <a:schemeClr val="lt1"/>
+      </a:fontRef>
+    </dgm:style>
+  </dgm:styleLbl>
+  <dgm:styleLbl name="parChTrans2D4">
+    <dgm:scene3d>
+      <a:camera prst="orthographicFront"/>
+      <a:lightRig rig="threePt" dir="t"/>
+    </dgm:scene3d>
+    <dgm:sp3d/>
+    <dgm:txPr/>
+    <dgm:style>
+      <a:lnRef idx="1">
+        <a:scrgbClr r="0" g="0" b="0"/>
+      </a:lnRef>
+      <a:fillRef idx="3">
+        <a:scrgbClr r="0" g="0" b="0"/>
+      </a:fillRef>
+      <a:effectRef idx="2">
+        <a:scrgbClr r="0" g="0" b="0"/>
+      </a:effectRef>
+      <a:fontRef idx="minor">
+        <a:schemeClr val="lt1"/>
+      </a:fontRef>
+    </dgm:style>
+  </dgm:styleLbl>
+  <dgm:styleLbl name="parChTrans1D1">
+    <dgm:scene3d>
+      <a:camera prst="orthographicFront"/>
+      <a:lightRig rig="threePt" dir="t"/>
+    </dgm:scene3d>
+    <dgm:sp3d/>
+    <dgm:txPr/>
+    <dgm:style>
+      <a:lnRef idx="1">
+        <a:scrgbClr r="0" g="0" b="0"/>
+      </a:lnRef>
+      <a:fillRef idx="0">
+        <a:scrgbClr r="0" g="0" b="0"/>
+      </a:fillRef>
+      <a:effectRef idx="0">
+        <a:scrgbClr r="0" g="0" b="0"/>
+      </a:effectRef>
+      <a:fontRef idx="minor"/>
+    </dgm:style>
+  </dgm:styleLbl>
+  <dgm:styleLbl name="parChTrans1D2">
+    <dgm:scene3d>
+      <a:camera prst="orthographicFront"/>
+      <a:lightRig rig="threePt" dir="t"/>
+    </dgm:scene3d>
+    <dgm:sp3d/>
+    <dgm:txPr/>
+    <dgm:style>
+      <a:lnRef idx="1">
+        <a:scrgbClr r="0" g="0" b="0"/>
+      </a:lnRef>
+      <a:fillRef idx="0">
+        <a:scrgbClr r="0" g="0" b="0"/>
+      </a:fillRef>
+      <a:effectRef idx="0">
+        <a:scrgbClr r="0" g="0" b="0"/>
+      </a:effectRef>
+      <a:fontRef idx="minor"/>
+    </dgm:style>
+  </dgm:styleLbl>
+  <dgm:styleLbl name="parChTrans1D3">
+    <dgm:scene3d>
+      <a:camera prst="orthographicFront"/>
+      <a:lightRig rig="threePt" dir="t"/>
+    </dgm:scene3d>
+    <dgm:sp3d/>
+    <dgm:txPr/>
+    <dgm:style>
+      <a:lnRef idx="1">
+        <a:scrgbClr r="0" g="0" b="0"/>
+      </a:lnRef>
+      <a:fillRef idx="0">
+        <a:scrgbClr r="0" g="0" b="0"/>
+      </a:fillRef>
+      <a:effectRef idx="0">
+        <a:scrgbClr r="0" g="0" b="0"/>
+      </a:effectRef>
+      <a:fontRef idx="minor"/>
+    </dgm:style>
+  </dgm:styleLbl>
+  <dgm:styleLbl name="parChTrans1D4">
+    <dgm:scene3d>
+      <a:camera prst="orthographicFront"/>
+      <a:lightRig rig="threePt" dir="t"/>
+    </dgm:scene3d>
+    <dgm:sp3d/>
+    <dgm:txPr/>
+    <dgm:style>
+      <a:lnRef idx="1">
+        <a:scrgbClr r="0" g="0" b="0"/>
+      </a:lnRef>
+      <a:fillRef idx="0">
+        <a:scrgbClr r="0" g="0" b="0"/>
+      </a:fillRef>
+      <a:effectRef idx="0">
+        <a:scrgbClr r="0" g="0" b="0"/>
+      </a:effectRef>
+      <a:fontRef idx="minor"/>
+    </dgm:style>
+  </dgm:styleLbl>
+  <dgm:styleLbl name="fgAcc1">
+    <dgm:scene3d>
+      <a:camera prst="orthographicFront"/>
+      <a:lightRig rig="threePt" dir="t"/>
+    </dgm:scene3d>
+    <dgm:sp3d/>
+    <dgm:txPr/>
+    <dgm:style>
+      <a:lnRef idx="1">
+        <a:scrgbClr r="0" g="0" b="0"/>
+      </a:lnRef>
+      <a:fillRef idx="1">
+        <a:scrgbClr r="0" g="0" b="0"/>
+      </a:fillRef>
+      <a:effectRef idx="0">
+        <a:scrgbClr r="0" g="0" b="0"/>
+      </a:effectRef>
+      <a:fontRef idx="minor"/>
+    </dgm:style>
+  </dgm:styleLbl>
+  <dgm:styleLbl name="conFgAcc1">
+    <dgm:scene3d>
+      <a:camera prst="orthographicFront"/>
+      <a:lightRig rig="threePt" dir="t"/>
+    </dgm:scene3d>
+    <dgm:sp3d/>
+    <dgm:txPr/>
+    <dgm:style>
+      <a:lnRef idx="1">
+        <a:scrgbClr r="0" g="0" b="0"/>
+      </a:lnRef>
+      <a:fillRef idx="1">
+        <a:scrgbClr r="0" g="0" b="0"/>
+      </a:fillRef>
+      <a:effectRef idx="0">
+        <a:scrgbClr r="0" g="0" b="0"/>
+      </a:effectRef>
+      <a:fontRef idx="minor"/>
+    </dgm:style>
+  </dgm:styleLbl>
+  <dgm:styleLbl name="alignAcc1">
+    <dgm:scene3d>
+      <a:camera prst="orthographicFront"/>
+      <a:lightRig rig="threePt" dir="t"/>
+    </dgm:scene3d>
+    <dgm:sp3d/>
+    <dgm:txPr/>
+    <dgm:style>
+      <a:lnRef idx="1">
+        <a:scrgbClr r="0" g="0" b="0"/>
+      </a:lnRef>
+      <a:fillRef idx="1">
+        <a:scrgbClr r="0" g="0" b="0"/>
+      </a:fillRef>
+      <a:effectRef idx="0">
+        <a:scrgbClr r="0" g="0" b="0"/>
+      </a:effectRef>
+      <a:fontRef idx="minor"/>
+    </dgm:style>
+  </dgm:styleLbl>
+  <dgm:styleLbl name="trAlignAcc1">
+    <dgm:scene3d>
+      <a:camera prst="orthographicFront"/>
+      <a:lightRig rig="threePt" dir="t"/>
+    </dgm:scene3d>
+    <dgm:sp3d/>
+    <dgm:txPr/>
+    <dgm:style>
+      <a:lnRef idx="1">
+        <a:scrgbClr r="0" g="0" b="0"/>
+      </a:lnRef>
+      <a:fillRef idx="1">
+        <a:scrgbClr r="0" g="0" b="0"/>
+      </a:fillRef>
+      <a:effectRef idx="0">
+        <a:scrgbClr r="0" g="0" b="0"/>
+      </a:effectRef>
+      <a:fontRef idx="minor"/>
+    </dgm:style>
+  </dgm:styleLbl>
+  <dgm:styleLbl name="bgAcc1">
+    <dgm:scene3d>
+      <a:camera prst="orthographicFront"/>
+      <a:lightRig rig="threePt" dir="t"/>
+    </dgm:scene3d>
+    <dgm:sp3d/>
+    <dgm:txPr/>
+    <dgm:style>
+      <a:lnRef idx="1">
+        <a:scrgbClr r="0" g="0" b="0"/>
+      </a:lnRef>
+      <a:fillRef idx="1">
+        <a:scrgbClr r="0" g="0" b="0"/>
+      </a:fillRef>
+      <a:effectRef idx="0">
+        <a:scrgbClr r="0" g="0" b="0"/>
+      </a:effectRef>
+      <a:fontRef idx="minor"/>
+    </dgm:style>
+  </dgm:styleLbl>
+  <dgm:styleLbl name="solidFgAcc1">
+    <dgm:scene3d>
+      <a:camera prst="orthographicFront"/>
+      <a:lightRig rig="threePt" dir="t"/>
+    </dgm:scene3d>
+    <dgm:sp3d/>
+    <dgm:txPr/>
+    <dgm:style>
+      <a:lnRef idx="1">
+        <a:scrgbClr r="0" g="0" b="0"/>
+      </a:lnRef>
+      <a:fillRef idx="1">
+        <a:scrgbClr r="0" g="0" b="0"/>
+      </a:fillRef>
+      <a:effectRef idx="0">
+        <a:scrgbClr r="0" g="0" b="0"/>
+      </a:effectRef>
+      <a:fontRef idx="minor"/>
+    </dgm:style>
+  </dgm:styleLbl>
+  <dgm:styleLbl name="solidAlignAcc1">
+    <dgm:scene3d>
+      <a:camera prst="orthographicFront"/>
+      <a:lightRig rig="threePt" dir="t"/>
+    </dgm:scene3d>
+    <dgm:sp3d/>
+    <dgm:txPr/>
+    <dgm:style>
+      <a:lnRef idx="1">
+        <a:scrgbClr r="0" g="0" b="0"/>
+      </a:lnRef>
+      <a:fillRef idx="1">
+        <a:scrgbClr r="0" g="0" b="0"/>
+      </a:fillRef>
+      <a:effectRef idx="0">
+        <a:scrgbClr r="0" g="0" b="0"/>
+      </a:effectRef>
+      <a:fontRef idx="minor"/>
+    </dgm:style>
+  </dgm:styleLbl>
+  <dgm:styleLbl name="solidBgAcc1">
+    <dgm:scene3d>
+      <a:camera prst="orthographicFront"/>
+      <a:lightRig rig="threePt" dir="t"/>
+    </dgm:scene3d>
+    <dgm:sp3d/>
+    <dgm:txPr/>
+    <dgm:style>
+      <a:lnRef idx="1">
+        <a:scrgbClr r="0" g="0" b="0"/>
+      </a:lnRef>
+      <a:fillRef idx="1">
+        <a:scrgbClr r="0" g="0" b="0"/>
+      </a:fillRef>
+      <a:effectRef idx="0">
+        <a:scrgbClr r="0" g="0" b="0"/>
+      </a:effectRef>
+      <a:fontRef idx="minor"/>
+    </dgm:style>
+  </dgm:styleLbl>
+  <dgm:styleLbl name="fgAccFollowNode1">
+    <dgm:scene3d>
+      <a:camera prst="orthographicFront"/>
+      <a:lightRig rig="threePt" dir="t"/>
+    </dgm:scene3d>
+    <dgm:sp3d/>
+    <dgm:txPr/>
+    <dgm:style>
+      <a:lnRef idx="1">
+        <a:scrgbClr r="0" g="0" b="0"/>
+      </a:lnRef>
+      <a:fillRef idx="1">
+        <a:scrgbClr r="0" g="0" b="0"/>
+      </a:fillRef>
+      <a:effectRef idx="0">
+        <a:scrgbClr r="0" g="0" b="0"/>
+      </a:effectRef>
+      <a:fontRef idx="minor"/>
+    </dgm:style>
+  </dgm:styleLbl>
+  <dgm:styleLbl name="alignAccFollowNode1">
+    <dgm:scene3d>
+      <a:camera prst="orthographicFront"/>
+      <a:lightRig rig="threePt" dir="t"/>
+    </dgm:scene3d>
+    <dgm:sp3d/>
+    <dgm:txPr/>
+    <dgm:style>
+      <a:lnRef idx="1">
+        <a:scrgbClr r="0" g="0" b="0"/>
+      </a:lnRef>
+      <a:fillRef idx="1">
+        <a:scrgbClr r="0" g="0" b="0"/>
+      </a:fillRef>
+      <a:effectRef idx="0">
+        <a:scrgbClr r="0" g="0" b="0"/>
+      </a:effectRef>
+      <a:fontRef idx="minor"/>
+    </dgm:style>
+  </dgm:styleLbl>
+  <dgm:styleLbl name="bgAccFollowNode1">
+    <dgm:scene3d>
+      <a:camera prst="orthographicFront"/>
+      <a:lightRig rig="threePt" dir="t"/>
+    </dgm:scene3d>
+    <dgm:sp3d/>
+    <dgm:txPr/>
+    <dgm:style>
+      <a:lnRef idx="1">
+        <a:scrgbClr r="0" g="0" b="0"/>
+      </a:lnRef>
+      <a:fillRef idx="1">
+        <a:scrgbClr r="0" g="0" b="0"/>
+      </a:fillRef>
+      <a:effectRef idx="0">
+        <a:scrgbClr r="0" g="0" b="0"/>
+      </a:effectRef>
+      <a:fontRef idx="minor"/>
+    </dgm:style>
+  </dgm:styleLbl>
+  <dgm:styleLbl name="fgAcc0">
+    <dgm:scene3d>
+      <a:camera prst="orthographicFront"/>
+      <a:lightRig rig="threePt" dir="t"/>
+    </dgm:scene3d>
+    <dgm:sp3d/>
+    <dgm:txPr/>
+    <dgm:style>
+      <a:lnRef idx="1">
+        <a:scrgbClr r="0" g="0" b="0"/>
+      </a:lnRef>
+      <a:fillRef idx="1">
+        <a:scrgbClr r="0" g="0" b="0"/>
+      </a:fillRef>
+      <a:effectRef idx="0">
+        <a:scrgbClr r="0" g="0" b="0"/>
+      </a:effectRef>
+      <a:fontRef idx="minor"/>
+    </dgm:style>
+  </dgm:styleLbl>
+  <dgm:styleLbl name="fgAcc2">
+    <dgm:scene3d>
+      <a:camera prst="orthographicFront"/>
+      <a:lightRig rig="threePt" dir="t"/>
+    </dgm:scene3d>
+    <dgm:sp3d/>
+    <dgm:txPr/>
+    <dgm:style>
+      <a:lnRef idx="1">
+        <a:scrgbClr r="0" g="0" b="0"/>
+      </a:lnRef>
+      <a:fillRef idx="1">
+        <a:scrgbClr r="0" g="0" b="0"/>
+      </a:fillRef>
+      <a:effectRef idx="0">
+        <a:scrgbClr r="0" g="0" b="0"/>
+      </a:effectRef>
+      <a:fontRef idx="minor"/>
+    </dgm:style>
+  </dgm:styleLbl>
+  <dgm:styleLbl name="fgAcc3">
+    <dgm:scene3d>
+      <a:camera prst="orthographicFront"/>
+      <a:lightRig rig="threePt" dir="t"/>
+    </dgm:scene3d>
+    <dgm:sp3d/>
+    <dgm:txPr/>
+    <dgm:style>
+      <a:lnRef idx="1">
+        <a:scrgbClr r="0" g="0" b="0"/>
+      </a:lnRef>
+      <a:fillRef idx="1">
+        <a:scrgbClr r="0" g="0" b="0"/>
+      </a:fillRef>
+      <a:effectRef idx="0">
+        <a:scrgbClr r="0" g="0" b="0"/>
+      </a:effectRef>
+      <a:fontRef idx="minor"/>
+    </dgm:style>
+  </dgm:styleLbl>
+  <dgm:styleLbl name="fgAcc4">
+    <dgm:scene3d>
+      <a:camera prst="orthographicFront"/>
+      <a:lightRig rig="threePt" dir="t"/>
+    </dgm:scene3d>
+    <dgm:sp3d/>
+    <dgm:txPr/>
+    <dgm:style>
+      <a:lnRef idx="1">
+        <a:scrgbClr r="0" g="0" b="0"/>
+      </a:lnRef>
+      <a:fillRef idx="1">
+        <a:scrgbClr r="0" g="0" b="0"/>
+      </a:fillRef>
+      <a:effectRef idx="0">
+        <a:scrgbClr r="0" g="0" b="0"/>
+      </a:effectRef>
+      <a:fontRef idx="minor"/>
+    </dgm:style>
+  </dgm:styleLbl>
+  <dgm:styleLbl name="bgShp">
+    <dgm:scene3d>
+      <a:camera prst="orthographicFront"/>
+      <a:lightRig rig="threePt" dir="t"/>
+    </dgm:scene3d>
+    <dgm:sp3d/>
+    <dgm:txPr/>
+    <dgm:style>
+      <a:lnRef idx="0">
+        <a:scrgbClr r="0" g="0" b="0"/>
+      </a:lnRef>
+      <a:fillRef idx="1">
+        <a:scrgbClr r="0" g="0" b="0"/>
+      </a:fillRef>
+      <a:effectRef idx="2">
+        <a:scrgbClr r="0" g="0" b="0"/>
+      </a:effectRef>
+      <a:fontRef idx="minor"/>
+    </dgm:style>
+  </dgm:styleLbl>
+  <dgm:styleLbl name="dkBgShp">
+    <dgm:scene3d>
+      <a:camera prst="orthographicFront"/>
+      <a:lightRig rig="threePt" dir="t"/>
+    </dgm:scene3d>
+    <dgm:sp3d/>
+    <dgm:txPr/>
+    <dgm:style>
+      <a:lnRef idx="0">
+        <a:scrgbClr r="0" g="0" b="0"/>
+      </a:lnRef>
+      <a:fillRef idx="1">
+        <a:scrgbClr r="0" g="0" b="0"/>
+      </a:fillRef>
+      <a:effectRef idx="2">
+        <a:scrgbClr r="0" g="0" b="0"/>
+      </a:effectRef>
+      <a:fontRef idx="minor"/>
+    </dgm:style>
+  </dgm:styleLbl>
+  <dgm:styleLbl name="trBgShp">
+    <dgm:scene3d>
+      <a:camera prst="orthographicFront"/>
+      <a:lightRig rig="threePt" dir="t"/>
+    </dgm:scene3d>
+    <dgm:sp3d/>
+    <dgm:txPr/>
+    <dgm:style>
+      <a:lnRef idx="0">
+        <a:scrgbClr r="0" g="0" b="0"/>
+      </a:lnRef>
+      <a:fillRef idx="1">
+        <a:scrgbClr r="0" g="0" b="0"/>
+      </a:fillRef>
+      <a:effectRef idx="0">
+        <a:scrgbClr r="0" g="0" b="0"/>
+      </a:effectRef>
+      <a:fontRef idx="minor"/>
+    </dgm:style>
+  </dgm:styleLbl>
+  <dgm:styleLbl name="fgShp">
+    <dgm:scene3d>
+      <a:camera prst="orthographicFront"/>
+      <a:lightRig rig="threePt" dir="t"/>
+    </dgm:scene3d>
+    <dgm:sp3d/>
+    <dgm:txPr/>
+    <dgm:style>
+      <a:lnRef idx="0">
+        <a:scrgbClr r="0" g="0" b="0"/>
+      </a:lnRef>
+      <a:fillRef idx="3">
+        <a:scrgbClr r="0" g="0" b="0"/>
+      </a:fillRef>
+      <a:effectRef idx="2">
+        <a:scrgbClr r="0" g="0" b="0"/>
+      </a:effectRef>
+      <a:fontRef idx="minor"/>
+    </dgm:style>
+  </dgm:styleLbl>
+  <dgm:styleLbl name="revTx">
+    <dgm:scene3d>
+      <a:camera prst="orthographicFront"/>
+      <a:lightRig rig="threePt" dir="t"/>
+    </dgm:scene3d>
+    <dgm:sp3d/>
+    <dgm:txPr/>
+    <dgm:style>
+      <a:lnRef idx="0">
+        <a:scrgbClr r="0" g="0" b="0"/>
+      </a:lnRef>
+      <a:fillRef idx="0">
+        <a:scrgbClr r="0" g="0" b="0"/>
+      </a:fillRef>
+      <a:effectRef idx="0">
+        <a:scrgbClr r="0" g="0" b="0"/>
+      </a:effectRef>
+      <a:fontRef idx="minor"/>
+    </dgm:style>
+  </dgm:styleLbl>
+</dgm:styleDef>
+</file>
+
+<file path=ppt/diagrams/quickStyle2.xml><?xml version="1.0" encoding="utf-8"?>
+<dgm:styleDef xmlns:dgm="http://schemas.openxmlformats.org/drawingml/2006/diagram" xmlns:a="http://schemas.openxmlformats.org/drawingml/2006/main" uniqueId="urn:microsoft.com/office/officeart/2005/8/quickstyle/simple4">
+  <dgm:title val=""/>
+  <dgm:desc val=""/>
+  <dgm:catLst>
+    <dgm:cat type="simple" pri="10400"/>
+  </dgm:catLst>
+  <dgm:scene3d>
+    <a:camera prst="orthographicFront"/>
+    <a:lightRig rig="threePt" dir="t"/>
+  </dgm:scene3d>
+  <dgm:styleLbl name="node0">
+    <dgm:scene3d>
+      <a:camera prst="orthographicFront"/>
+      <a:lightRig rig="threePt" dir="t"/>
+    </dgm:scene3d>
+    <dgm:sp3d/>
+    <dgm:txPr/>
+    <dgm:style>
+      <a:lnRef idx="0">
+        <a:scrgbClr r="0" g="0" b="0"/>
+      </a:lnRef>
+      <a:fillRef idx="3">
+        <a:scrgbClr r="0" g="0" b="0"/>
+      </a:fillRef>
+      <a:effectRef idx="2">
+        <a:scrgbClr r="0" g="0" b="0"/>
+      </a:effectRef>
+      <a:fontRef idx="minor">
+        <a:schemeClr val="lt1"/>
+      </a:fontRef>
+    </dgm:style>
+  </dgm:styleLbl>
+  <dgm:styleLbl name="lnNode1">
+    <dgm:scene3d>
+      <a:camera prst="orthographicFront"/>
+      <a:lightRig rig="threePt" dir="t"/>
+    </dgm:scene3d>
+    <dgm:sp3d/>
+    <dgm:txPr/>
+    <dgm:style>
+      <a:lnRef idx="1">
+        <a:scrgbClr r="0" g="0" b="0"/>
+      </a:lnRef>
+      <a:fillRef idx="3">
+        <a:scrgbClr r="0" g="0" b="0"/>
+      </a:fillRef>
+      <a:effectRef idx="2">
+        <a:scrgbClr r="0" g="0" b="0"/>
+      </a:effectRef>
+      <a:fontRef idx="minor">
+        <a:schemeClr val="lt1"/>
+      </a:fontRef>
+    </dgm:style>
+  </dgm:styleLbl>
+  <dgm:styleLbl name="vennNode1">
+    <dgm:scene3d>
+      <a:camera prst="orthographicFront"/>
+      <a:lightRig rig="threePt" dir="t"/>
+    </dgm:scene3d>
+    <dgm:sp3d/>
+    <dgm:txPr/>
+    <dgm:style>
+      <a:lnRef idx="0">
+        <a:scrgbClr r="0" g="0" b="0"/>
+      </a:lnRef>
+      <a:fillRef idx="3">
+        <a:scrgbClr r="0" g="0" b="0"/>
+      </a:fillRef>
+      <a:effectRef idx="0">
+        <a:scrgbClr r="0" g="0" b="0"/>
+      </a:effectRef>
+      <a:fontRef idx="minor">
+        <a:schemeClr val="tx1"/>
+      </a:fontRef>
+    </dgm:style>
+  </dgm:styleLbl>
+  <dgm:styleLbl name="alignNode1">
+    <dgm:scene3d>
+      <a:camera prst="orthographicFront"/>
+      <a:lightRig rig="threePt" dir="t"/>
+    </dgm:scene3d>
+    <dgm:sp3d/>
+    <dgm:txPr/>
+    <dgm:style>
+      <a:lnRef idx="1">
+        <a:scrgbClr r="0" g="0" b="0"/>
+      </a:lnRef>
+      <a:fillRef idx="3">
+        <a:scrgbClr r="0" g="0" b="0"/>
+      </a:fillRef>
+      <a:effectRef idx="2">
+        <a:scrgbClr r="0" g="0" b="0"/>
+      </a:effectRef>
+      <a:fontRef idx="minor">
+        <a:schemeClr val="lt1"/>
+      </a:fontRef>
+    </dgm:style>
+  </dgm:styleLbl>
+  <dgm:styleLbl name="node1">
+    <dgm:scene3d>
+      <a:camera prst="orthographicFront"/>
+      <a:lightRig rig="threePt" dir="t"/>
+    </dgm:scene3d>
+    <dgm:sp3d/>
+    <dgm:txPr/>
+    <dgm:style>
+      <a:lnRef idx="0">
+        <a:scrgbClr r="0" g="0" b="0"/>
+      </a:lnRef>
+      <a:fillRef idx="3">
+        <a:scrgbClr r="0" g="0" b="0"/>
+      </a:fillRef>
+      <a:effectRef idx="2">
+        <a:scrgbClr r="0" g="0" b="0"/>
+      </a:effectRef>
+      <a:fontRef idx="minor">
+        <a:schemeClr val="lt1"/>
+      </a:fontRef>
+    </dgm:style>
+  </dgm:styleLbl>
+  <dgm:styleLbl name="node2">
+    <dgm:scene3d>
+      <a:camera prst="orthographicFront"/>
+      <a:lightRig rig="threePt" dir="t"/>
+    </dgm:scene3d>
+    <dgm:sp3d/>
+    <dgm:txPr/>
+    <dgm:style>
+      <a:lnRef idx="0">
+        <a:scrgbClr r="0" g="0" b="0"/>
+      </a:lnRef>
+      <a:fillRef idx="3">
+        <a:scrgbClr r="0" g="0" b="0"/>
+      </a:fillRef>
+      <a:effectRef idx="2">
+        <a:scrgbClr r="0" g="0" b="0"/>
+      </a:effectRef>
+      <a:fontRef idx="minor">
+        <a:schemeClr val="lt1"/>
+      </a:fontRef>
+    </dgm:style>
+  </dgm:styleLbl>
+  <dgm:styleLbl name="node3">
+    <dgm:scene3d>
+      <a:camera prst="orthographicFront"/>
+      <a:lightRig rig="threePt" dir="t"/>
+    </dgm:scene3d>
+    <dgm:sp3d/>
+    <dgm:txPr/>
+    <dgm:style>
+      <a:lnRef idx="0">
+        <a:scrgbClr r="0" g="0" b="0"/>
+      </a:lnRef>
+      <a:fillRef idx="3">
+        <a:scrgbClr r="0" g="0" b="0"/>
+      </a:fillRef>
+      <a:effectRef idx="2">
+        <a:scrgbClr r="0" g="0" b="0"/>
+      </a:effectRef>
+      <a:fontRef idx="minor">
+        <a:schemeClr val="lt1"/>
+      </a:fontRef>
+    </dgm:style>
+  </dgm:styleLbl>
+  <dgm:styleLbl name="node4">
+    <dgm:scene3d>
+      <a:camera prst="orthographicFront"/>
+      <a:lightRig rig="threePt" dir="t"/>
+    </dgm:scene3d>
+    <dgm:sp3d/>
+    <dgm:txPr/>
+    <dgm:style>
+      <a:lnRef idx="0">
+        <a:scrgbClr r="0" g="0" b="0"/>
+      </a:lnRef>
+      <a:fillRef idx="3">
+        <a:scrgbClr r="0" g="0" b="0"/>
+      </a:fillRef>
+      <a:effectRef idx="2">
+        <a:scrgbClr r="0" g="0" b="0"/>
+      </a:effectRef>
+      <a:fontRef idx="minor">
+        <a:schemeClr val="lt1"/>
+      </a:fontRef>
+    </dgm:style>
+  </dgm:styleLbl>
+  <dgm:styleLbl name="fgImgPlace1">
+    <dgm:scene3d>
+      <a:camera prst="orthographicFront"/>
+      <a:lightRig rig="threePt" dir="t"/>
+    </dgm:scene3d>
+    <dgm:sp3d/>
+    <dgm:txPr/>
+    <dgm:style>
+      <a:lnRef idx="0">
+        <a:scrgbClr r="0" g="0" b="0"/>
+      </a:lnRef>
+      <a:fillRef idx="1">
+        <a:scrgbClr r="0" g="0" b="0"/>
+      </a:fillRef>
+      <a:effectRef idx="2">
+        <a:scrgbClr r="0" g="0" b="0"/>
+      </a:effectRef>
+      <a:fontRef idx="minor"/>
+    </dgm:style>
+  </dgm:styleLbl>
+  <dgm:styleLbl name="alignImgPlace1">
+    <dgm:scene3d>
+      <a:camera prst="orthographicFront"/>
+      <a:lightRig rig="threePt" dir="t"/>
+    </dgm:scene3d>
+    <dgm:sp3d/>
+    <dgm:txPr/>
+    <dgm:style>
+      <a:lnRef idx="0">
+        <a:scrgbClr r="0" g="0" b="0"/>
+      </a:lnRef>
+      <a:fillRef idx="1">
+        <a:scrgbClr r="0" g="0" b="0"/>
+      </a:fillRef>
+      <a:effectRef idx="2">
+        <a:scrgbClr r="0" g="0" b="0"/>
+      </a:effectRef>
+      <a:fontRef idx="minor"/>
+    </dgm:style>
+  </dgm:styleLbl>
+  <dgm:styleLbl name="bgImgPlace1">
+    <dgm:scene3d>
+      <a:camera prst="orthographicFront"/>
+      <a:lightRig rig="threePt" dir="t"/>
+    </dgm:scene3d>
+    <dgm:sp3d/>
+    <dgm:txPr/>
+    <dgm:style>
+      <a:lnRef idx="0">
+        <a:scrgbClr r="0" g="0" b="0"/>
+      </a:lnRef>
+      <a:fillRef idx="1">
+        <a:scrgbClr r="0" g="0" b="0"/>
+      </a:fillRef>
+      <a:effectRef idx="2">
+        <a:scrgbClr r="0" g="0" b="0"/>
+      </a:effectRef>
+      <a:fontRef idx="minor"/>
+    </dgm:style>
+  </dgm:styleLbl>
+  <dgm:styleLbl name="sibTrans2D1">
+    <dgm:scene3d>
+      <a:camera prst="orthographicFront"/>
+      <a:lightRig rig="threePt" dir="t"/>
+    </dgm:scene3d>
+    <dgm:sp3d/>
+    <dgm:txPr/>
+    <dgm:style>
+      <a:lnRef idx="0">
+        <a:scrgbClr r="0" g="0" b="0"/>
+      </a:lnRef>
+      <a:fillRef idx="3">
+        <a:scrgbClr r="0" g="0" b="0"/>
+      </a:fillRef>
+      <a:effectRef idx="2">
+        <a:scrgbClr r="0" g="0" b="0"/>
+      </a:effectRef>
+      <a:fontRef idx="minor">
+        <a:schemeClr val="lt1"/>
+      </a:fontRef>
+    </dgm:style>
+  </dgm:styleLbl>
+  <dgm:styleLbl name="fgSibTrans2D1">
+    <dgm:scene3d>
+      <a:camera prst="orthographicFront"/>
+      <a:lightRig rig="threePt" dir="t"/>
+    </dgm:scene3d>
+    <dgm:sp3d/>
+    <dgm:txPr/>
+    <dgm:style>
+      <a:lnRef idx="0">
+        <a:scrgbClr r="0" g="0" b="0"/>
+      </a:lnRef>
+      <a:fillRef idx="3">
+        <a:scrgbClr r="0" g="0" b="0"/>
+      </a:fillRef>
+      <a:effectRef idx="2">
+        <a:scrgbClr r="0" g="0" b="0"/>
+      </a:effectRef>
+      <a:fontRef idx="minor">
+        <a:schemeClr val="lt1"/>
+      </a:fontRef>
+    </dgm:style>
+  </dgm:styleLbl>
+  <dgm:styleLbl name="bgSibTrans2D1">
+    <dgm:scene3d>
+      <a:camera prst="orthographicFront"/>
+      <a:lightRig rig="threePt" dir="t"/>
+    </dgm:scene3d>
+    <dgm:sp3d/>
+    <dgm:txPr/>
+    <dgm:style>
+      <a:lnRef idx="0">
+        <a:scrgbClr r="0" g="0" b="0"/>
+      </a:lnRef>
+      <a:fillRef idx="3">
+        <a:scrgbClr r="0" g="0" b="0"/>
+      </a:fillRef>
+      <a:effectRef idx="2">
+        <a:scrgbClr r="0" g="0" b="0"/>
+      </a:effectRef>
+      <a:fontRef idx="minor">
+        <a:schemeClr val="lt1"/>
+      </a:fontRef>
+    </dgm:style>
+  </dgm:styleLbl>
+  <dgm:styleLbl name="sibTrans1D1">
+    <dgm:scene3d>
+      <a:camera prst="orthographicFront"/>
+      <a:lightRig rig="threePt" dir="t"/>
+    </dgm:scene3d>
+    <dgm:sp3d/>
+    <dgm:txPr/>
+    <dgm:style>
+      <a:lnRef idx="1">
+        <a:scrgbClr r="0" g="0" b="0"/>
+      </a:lnRef>
+      <a:fillRef idx="0">
+        <a:scrgbClr r="0" g="0" b="0"/>
+      </a:fillRef>
+      <a:effectRef idx="0">
+        <a:scrgbClr r="0" g="0" b="0"/>
+      </a:effectRef>
+      <a:fontRef idx="minor"/>
+    </dgm:style>
+  </dgm:styleLbl>
+  <dgm:styleLbl name="callout">
+    <dgm:scene3d>
+      <a:camera prst="orthographicFront"/>
+      <a:lightRig rig="threePt" dir="t"/>
+    </dgm:scene3d>
+    <dgm:sp3d/>
+    <dgm:txPr/>
+    <dgm:style>
+      <a:lnRef idx="2">
+        <a:scrgbClr r="0" g="0" b="0"/>
+      </a:lnRef>
+      <a:fillRef idx="1">
+        <a:scrgbClr r="0" g="0" b="0"/>
+      </a:fillRef>
+      <a:effectRef idx="1">
+        <a:scrgbClr r="0" g="0" b="0"/>
+      </a:effectRef>
+      <a:fontRef idx="minor"/>
+    </dgm:style>
+  </dgm:styleLbl>
+  <dgm:styleLbl name="asst0">
+    <dgm:scene3d>
+      <a:camera prst="orthographicFront"/>
+      <a:lightRig rig="threePt" dir="t"/>
+    </dgm:scene3d>
+    <dgm:sp3d/>
+    <dgm:txPr/>
+    <dgm:style>
+      <a:lnRef idx="0">
+        <a:scrgbClr r="0" g="0" b="0"/>
+      </a:lnRef>
+      <a:fillRef idx="3">
+        <a:scrgbClr r="0" g="0" b="0"/>
+      </a:fillRef>
+      <a:effectRef idx="2">
+        <a:scrgbClr r="0" g="0" b="0"/>
+      </a:effectRef>
+      <a:fontRef idx="minor">
+        <a:schemeClr val="lt1"/>
+      </a:fontRef>
+    </dgm:style>
+  </dgm:styleLbl>
+  <dgm:styleLbl name="asst1">
+    <dgm:scene3d>
+      <a:camera prst="orthographicFront"/>
+      <a:lightRig rig="threePt" dir="t"/>
+    </dgm:scene3d>
+    <dgm:sp3d/>
+    <dgm:txPr/>
+    <dgm:style>
+      <a:lnRef idx="0">
+        <a:scrgbClr r="0" g="0" b="0"/>
+      </a:lnRef>
+      <a:fillRef idx="3">
+        <a:scrgbClr r="0" g="0" b="0"/>
+      </a:fillRef>
+      <a:effectRef idx="2">
+        <a:scrgbClr r="0" g="0" b="0"/>
+      </a:effectRef>
+      <a:fontRef idx="minor">
+        <a:schemeClr val="lt1"/>
+      </a:fontRef>
+    </dgm:style>
+  </dgm:styleLbl>
+  <dgm:styleLbl name="asst2">
+    <dgm:scene3d>
+      <a:camera prst="orthographicFront"/>
+      <a:lightRig rig="threePt" dir="t"/>
+    </dgm:scene3d>
+    <dgm:sp3d/>
+    <dgm:txPr/>
+    <dgm:style>
+      <a:lnRef idx="0">
+        <a:scrgbClr r="0" g="0" b="0"/>
+      </a:lnRef>
+      <a:fillRef idx="3">
+        <a:scrgbClr r="0" g="0" b="0"/>
+      </a:fillRef>
+      <a:effectRef idx="2">
+        <a:scrgbClr r="0" g="0" b="0"/>
+      </a:effectRef>
+      <a:fontRef idx="minor">
+        <a:schemeClr val="lt1"/>
+      </a:fontRef>
+    </dgm:style>
+  </dgm:styleLbl>
+  <dgm:styleLbl name="asst3">
+    <dgm:scene3d>
+      <a:camera prst="orthographicFront"/>
+      <a:lightRig rig="threePt" dir="t"/>
+    </dgm:scene3d>
+    <dgm:sp3d/>
+    <dgm:txPr/>
+    <dgm:style>
+      <a:lnRef idx="0">
+        <a:scrgbClr r="0" g="0" b="0"/>
+      </a:lnRef>
+      <a:fillRef idx="3">
+        <a:scrgbClr r="0" g="0" b="0"/>
+      </a:fillRef>
+      <a:effectRef idx="2">
+        <a:scrgbClr r="0" g="0" b="0"/>
+      </a:effectRef>
+      <a:fontRef idx="minor">
+        <a:schemeClr val="lt1"/>
+      </a:fontRef>
+    </dgm:style>
+  </dgm:styleLbl>
+  <dgm:styleLbl name="asst4">
+    <dgm:scene3d>
+      <a:camera prst="orthographicFront"/>
+      <a:lightRig rig="threePt" dir="t"/>
+    </dgm:scene3d>
+    <dgm:sp3d/>
+    <dgm:txPr/>
+    <dgm:style>
+      <a:lnRef idx="0">
+        <a:scrgbClr r="0" g="0" b="0"/>
+      </a:lnRef>
+      <a:fillRef idx="3">
+        <a:scrgbClr r="0" g="0" b="0"/>
+      </a:fillRef>
+      <a:effectRef idx="2">
+        <a:scrgbClr r="0" g="0" b="0"/>
+      </a:effectRef>
+      <a:fontRef idx="minor">
+        <a:schemeClr val="lt1"/>
+      </a:fontRef>
+    </dgm:style>
+  </dgm:styleLbl>
+  <dgm:styleLbl name="parChTrans2D1">
+    <dgm:scene3d>
+      <a:camera prst="orthographicFront"/>
+      <a:lightRig rig="threePt" dir="t"/>
+    </dgm:scene3d>
+    <dgm:sp3d/>
+    <dgm:txPr/>
+    <dgm:style>
+      <a:lnRef idx="0">
+        <a:scrgbClr r="0" g="0" b="0"/>
+      </a:lnRef>
+      <a:fillRef idx="3">
+        <a:scrgbClr r="0" g="0" b="0"/>
+      </a:fillRef>
+      <a:effectRef idx="2">
+        <a:scrgbClr r="0" g="0" b="0"/>
+      </a:effectRef>
+      <a:fontRef idx="minor">
+        <a:schemeClr val="lt1"/>
+      </a:fontRef>
+    </dgm:style>
+  </dgm:styleLbl>
+  <dgm:styleLbl name="parChTrans2D2">
+    <dgm:scene3d>
+      <a:camera prst="orthographicFront"/>
+      <a:lightRig rig="threePt" dir="t"/>
+    </dgm:scene3d>
+    <dgm:sp3d/>
+    <dgm:txPr/>
+    <dgm:style>
+      <a:lnRef idx="0">
+        <a:scrgbClr r="0" g="0" b="0"/>
+      </a:lnRef>
+      <a:fillRef idx="3">
+        <a:scrgbClr r="0" g="0" b="0"/>
+      </a:fillRef>
+      <a:effectRef idx="2">
+        <a:scrgbClr r="0" g="0" b="0"/>
+      </a:effectRef>
+      <a:fontRef idx="minor">
+        <a:schemeClr val="lt1"/>
+      </a:fontRef>
+    </dgm:style>
+  </dgm:styleLbl>
+  <dgm:styleLbl name="parChTrans2D3">
+    <dgm:scene3d>
+      <a:camera prst="orthographicFront"/>
+      <a:lightRig rig="threePt" dir="t"/>
+    </dgm:scene3d>
+    <dgm:sp3d/>
+    <dgm:txPr/>
+    <dgm:style>
+      <a:lnRef idx="1">
+        <a:scrgbClr r="0" g="0" b="0"/>
+      </a:lnRef>
+      <a:fillRef idx="3">
+        <a:scrgbClr r="0" g="0" b="0"/>
+      </a:fillRef>
+      <a:effectRef idx="2">
+        <a:scrgbClr r="0" g="0" b="0"/>
+      </a:effectRef>
+      <a:fontRef idx="minor">
+        <a:schemeClr val="lt1"/>
+      </a:fontRef>
+    </dgm:style>
+  </dgm:styleLbl>
+  <dgm:styleLbl name="parChTrans2D4">
+    <dgm:scene3d>
+      <a:camera prst="orthographicFront"/>
+      <a:lightRig rig="threePt" dir="t"/>
+    </dgm:scene3d>
+    <dgm:sp3d/>
+    <dgm:txPr/>
+    <dgm:style>
+      <a:lnRef idx="1">
+        <a:scrgbClr r="0" g="0" b="0"/>
+      </a:lnRef>
+      <a:fillRef idx="3">
+        <a:scrgbClr r="0" g="0" b="0"/>
+      </a:fillRef>
+      <a:effectRef idx="2">
+        <a:scrgbClr r="0" g="0" b="0"/>
+      </a:effectRef>
+      <a:fontRef idx="minor">
+        <a:schemeClr val="lt1"/>
+      </a:fontRef>
+    </dgm:style>
+  </dgm:styleLbl>
+  <dgm:styleLbl name="parChTrans1D1">
+    <dgm:scene3d>
+      <a:camera prst="orthographicFront"/>
+      <a:lightRig rig="threePt" dir="t"/>
+    </dgm:scene3d>
+    <dgm:sp3d/>
+    <dgm:txPr/>
+    <dgm:style>
+      <a:lnRef idx="1">
+        <a:scrgbClr r="0" g="0" b="0"/>
+      </a:lnRef>
+      <a:fillRef idx="0">
+        <a:scrgbClr r="0" g="0" b="0"/>
+      </a:fillRef>
+      <a:effectRef idx="0">
+        <a:scrgbClr r="0" g="0" b="0"/>
+      </a:effectRef>
+      <a:fontRef idx="minor"/>
+    </dgm:style>
+  </dgm:styleLbl>
+  <dgm:styleLbl name="parChTrans1D2">
+    <dgm:scene3d>
+      <a:camera prst="orthographicFront"/>
+      <a:lightRig rig="threePt" dir="t"/>
+    </dgm:scene3d>
+    <dgm:sp3d/>
+    <dgm:txPr/>
+    <dgm:style>
+      <a:lnRef idx="1">
+        <a:scrgbClr r="0" g="0" b="0"/>
+      </a:lnRef>
+      <a:fillRef idx="0">
+        <a:scrgbClr r="0" g="0" b="0"/>
+      </a:fillRef>
+      <a:effectRef idx="0">
+        <a:scrgbClr r="0" g="0" b="0"/>
+      </a:effectRef>
+      <a:fontRef idx="minor"/>
+    </dgm:style>
+  </dgm:styleLbl>
+  <dgm:styleLbl name="parChTrans1D3">
+    <dgm:scene3d>
+      <a:camera prst="orthographicFront"/>
+      <a:lightRig rig="threePt" dir="t"/>
+    </dgm:scene3d>
+    <dgm:sp3d/>
+    <dgm:txPr/>
+    <dgm:style>
+      <a:lnRef idx="1">
+        <a:scrgbClr r="0" g="0" b="0"/>
+      </a:lnRef>
+      <a:fillRef idx="0">
+        <a:scrgbClr r="0" g="0" b="0"/>
+      </a:fillRef>
+      <a:effectRef idx="0">
+        <a:scrgbClr r="0" g="0" b="0"/>
+      </a:effectRef>
+      <a:fontRef idx="minor"/>
+    </dgm:style>
+  </dgm:styleLbl>
+  <dgm:styleLbl name="parChTrans1D4">
+    <dgm:scene3d>
+      <a:camera prst="orthographicFront"/>
+      <a:lightRig rig="threePt" dir="t"/>
+    </dgm:scene3d>
+    <dgm:sp3d/>
+    <dgm:txPr/>
+    <dgm:style>
+      <a:lnRef idx="1">
+        <a:scrgbClr r="0" g="0" b="0"/>
+      </a:lnRef>
+      <a:fillRef idx="0">
+        <a:scrgbClr r="0" g="0" b="0"/>
+      </a:fillRef>
+      <a:effectRef idx="0">
+        <a:scrgbClr r="0" g="0" b="0"/>
+      </a:effectRef>
+      <a:fontRef idx="minor"/>
+    </dgm:style>
+  </dgm:styleLbl>
+  <dgm:styleLbl name="fgAcc1">
+    <dgm:scene3d>
+      <a:camera prst="orthographicFront"/>
+      <a:lightRig rig="threePt" dir="t"/>
+    </dgm:scene3d>
+    <dgm:sp3d/>
+    <dgm:txPr/>
+    <dgm:style>
+      <a:lnRef idx="1">
+        <a:scrgbClr r="0" g="0" b="0"/>
+      </a:lnRef>
+      <a:fillRef idx="1">
+        <a:scrgbClr r="0" g="0" b="0"/>
+      </a:fillRef>
+      <a:effectRef idx="0">
+        <a:scrgbClr r="0" g="0" b="0"/>
+      </a:effectRef>
+      <a:fontRef idx="minor"/>
+    </dgm:style>
+  </dgm:styleLbl>
+  <dgm:styleLbl name="conFgAcc1">
+    <dgm:scene3d>
+      <a:camera prst="orthographicFront"/>
+      <a:lightRig rig="threePt" dir="t"/>
+    </dgm:scene3d>
+    <dgm:sp3d/>
+    <dgm:txPr/>
+    <dgm:style>
+      <a:lnRef idx="1">
+        <a:scrgbClr r="0" g="0" b="0"/>
+      </a:lnRef>
+      <a:fillRef idx="1">
+        <a:scrgbClr r="0" g="0" b="0"/>
+      </a:fillRef>
+      <a:effectRef idx="0">
+        <a:scrgbClr r="0" g="0" b="0"/>
+      </a:effectRef>
+      <a:fontRef idx="minor"/>
+    </dgm:style>
+  </dgm:styleLbl>
+  <dgm:styleLbl name="alignAcc1">
+    <dgm:scene3d>
+      <a:camera prst="orthographicFront"/>
+      <a:lightRig rig="threePt" dir="t"/>
+    </dgm:scene3d>
+    <dgm:sp3d/>
+    <dgm:txPr/>
+    <dgm:style>
+      <a:lnRef idx="1">
+        <a:scrgbClr r="0" g="0" b="0"/>
+      </a:lnRef>
+      <a:fillRef idx="1">
+        <a:scrgbClr r="0" g="0" b="0"/>
+      </a:fillRef>
+      <a:effectRef idx="0">
+        <a:scrgbClr r="0" g="0" b="0"/>
+      </a:effectRef>
+      <a:fontRef idx="minor"/>
+    </dgm:style>
+  </dgm:styleLbl>
+  <dgm:styleLbl name="trAlignAcc1">
+    <dgm:scene3d>
+      <a:camera prst="orthographicFront"/>
+      <a:lightRig rig="threePt" dir="t"/>
+    </dgm:scene3d>
+    <dgm:sp3d/>
+    <dgm:txPr/>
+    <dgm:style>
+      <a:lnRef idx="1">
+        <a:scrgbClr r="0" g="0" b="0"/>
+      </a:lnRef>
+      <a:fillRef idx="1">
+        <a:scrgbClr r="0" g="0" b="0"/>
+      </a:fillRef>
+      <a:effectRef idx="0">
+        <a:scrgbClr r="0" g="0" b="0"/>
+      </a:effectRef>
+      <a:fontRef idx="minor"/>
+    </dgm:style>
+  </dgm:styleLbl>
+  <dgm:styleLbl name="bgAcc1">
+    <dgm:scene3d>
+      <a:camera prst="orthographicFront"/>
+      <a:lightRig rig="threePt" dir="t"/>
+    </dgm:scene3d>
+    <dgm:sp3d/>
+    <dgm:txPr/>
+    <dgm:style>
+      <a:lnRef idx="1">
+        <a:scrgbClr r="0" g="0" b="0"/>
+      </a:lnRef>
+      <a:fillRef idx="1">
+        <a:scrgbClr r="0" g="0" b="0"/>
+      </a:fillRef>
+      <a:effectRef idx="0">
+        <a:scrgbClr r="0" g="0" b="0"/>
+      </a:effectRef>
+      <a:fontRef idx="minor"/>
+    </dgm:style>
+  </dgm:styleLbl>
+  <dgm:styleLbl name="solidFgAcc1">
+    <dgm:scene3d>
+      <a:camera prst="orthographicFront"/>
+      <a:lightRig rig="threePt" dir="t"/>
+    </dgm:scene3d>
+    <dgm:sp3d/>
+    <dgm:txPr/>
+    <dgm:style>
+      <a:lnRef idx="1">
+        <a:scrgbClr r="0" g="0" b="0"/>
+      </a:lnRef>
+      <a:fillRef idx="1">
+        <a:scrgbClr r="0" g="0" b="0"/>
+      </a:fillRef>
+      <a:effectRef idx="0">
+        <a:scrgbClr r="0" g="0" b="0"/>
+      </a:effectRef>
+      <a:fontRef idx="minor"/>
+    </dgm:style>
+  </dgm:styleLbl>
+  <dgm:styleLbl name="solidAlignAcc1">
+    <dgm:scene3d>
+      <a:camera prst="orthographicFront"/>
+      <a:lightRig rig="threePt" dir="t"/>
+    </dgm:scene3d>
+    <dgm:sp3d/>
+    <dgm:txPr/>
+    <dgm:style>
+      <a:lnRef idx="1">
+        <a:scrgbClr r="0" g="0" b="0"/>
+      </a:lnRef>
+      <a:fillRef idx="1">
+        <a:scrgbClr r="0" g="0" b="0"/>
+      </a:fillRef>
+      <a:effectRef idx="0">
+        <a:scrgbClr r="0" g="0" b="0"/>
+      </a:effectRef>
+      <a:fontRef idx="minor"/>
+    </dgm:style>
+  </dgm:styleLbl>
+  <dgm:styleLbl name="solidBgAcc1">
+    <dgm:scene3d>
+      <a:camera prst="orthographicFront"/>
+      <a:lightRig rig="threePt" dir="t"/>
+    </dgm:scene3d>
+    <dgm:sp3d/>
+    <dgm:txPr/>
+    <dgm:style>
+      <a:lnRef idx="1">
+        <a:scrgbClr r="0" g="0" b="0"/>
+      </a:lnRef>
+      <a:fillRef idx="1">
+        <a:scrgbClr r="0" g="0" b="0"/>
+      </a:fillRef>
+      <a:effectRef idx="0">
+        <a:scrgbClr r="0" g="0" b="0"/>
+      </a:effectRef>
+      <a:fontRef idx="minor"/>
+    </dgm:style>
+  </dgm:styleLbl>
+  <dgm:styleLbl name="fgAccFollowNode1">
+    <dgm:scene3d>
+      <a:camera prst="orthographicFront"/>
+      <a:lightRig rig="threePt" dir="t"/>
+    </dgm:scene3d>
+    <dgm:sp3d/>
+    <dgm:txPr/>
+    <dgm:style>
+      <a:lnRef idx="1">
+        <a:scrgbClr r="0" g="0" b="0"/>
+      </a:lnRef>
+      <a:fillRef idx="1">
+        <a:scrgbClr r="0" g="0" b="0"/>
+      </a:fillRef>
+      <a:effectRef idx="0">
+        <a:scrgbClr r="0" g="0" b="0"/>
+      </a:effectRef>
+      <a:fontRef idx="minor"/>
+    </dgm:style>
+  </dgm:styleLbl>
+  <dgm:styleLbl name="alignAccFollowNode1">
+    <dgm:scene3d>
+      <a:camera prst="orthographicFront"/>
+      <a:lightRig rig="threePt" dir="t"/>
+    </dgm:scene3d>
+    <dgm:sp3d/>
+    <dgm:txPr/>
+    <dgm:style>
+      <a:lnRef idx="1">
+        <a:scrgbClr r="0" g="0" b="0"/>
+      </a:lnRef>
+      <a:fillRef idx="1">
+        <a:scrgbClr r="0" g="0" b="0"/>
+      </a:fillRef>
+      <a:effectRef idx="0">
+        <a:scrgbClr r="0" g="0" b="0"/>
+      </a:effectRef>
+      <a:fontRef idx="minor"/>
+    </dgm:style>
+  </dgm:styleLbl>
+  <dgm:styleLbl name="bgAccFollowNode1">
+    <dgm:scene3d>
+      <a:camera prst="orthographicFront"/>
+      <a:lightRig rig="threePt" dir="t"/>
+    </dgm:scene3d>
+    <dgm:sp3d/>
+    <dgm:txPr/>
+    <dgm:style>
+      <a:lnRef idx="1">
+        <a:scrgbClr r="0" g="0" b="0"/>
+      </a:lnRef>
+      <a:fillRef idx="1">
+        <a:scrgbClr r="0" g="0" b="0"/>
+      </a:fillRef>
+      <a:effectRef idx="0">
+        <a:scrgbClr r="0" g="0" b="0"/>
+      </a:effectRef>
+      <a:fontRef idx="minor"/>
+    </dgm:style>
+  </dgm:styleLbl>
+  <dgm:styleLbl name="fgAcc0">
+    <dgm:scene3d>
+      <a:camera prst="orthographicFront"/>
+      <a:lightRig rig="threePt" dir="t"/>
+    </dgm:scene3d>
+    <dgm:sp3d/>
+    <dgm:txPr/>
+    <dgm:style>
+      <a:lnRef idx="1">
+        <a:scrgbClr r="0" g="0" b="0"/>
+      </a:lnRef>
+      <a:fillRef idx="1">
+        <a:scrgbClr r="0" g="0" b="0"/>
+      </a:fillRef>
+      <a:effectRef idx="0">
+        <a:scrgbClr r="0" g="0" b="0"/>
+      </a:effectRef>
+      <a:fontRef idx="minor"/>
+    </dgm:style>
+  </dgm:styleLbl>
+  <dgm:styleLbl name="fgAcc2">
+    <dgm:scene3d>
+      <a:camera prst="orthographicFront"/>
+      <a:lightRig rig="threePt" dir="t"/>
+    </dgm:scene3d>
+    <dgm:sp3d/>
+    <dgm:txPr/>
+    <dgm:style>
+      <a:lnRef idx="1">
+        <a:scrgbClr r="0" g="0" b="0"/>
+      </a:lnRef>
+      <a:fillRef idx="1">
+        <a:scrgbClr r="0" g="0" b="0"/>
+      </a:fillRef>
+      <a:effectRef idx="0">
+        <a:scrgbClr r="0" g="0" b="0"/>
+      </a:effectRef>
+      <a:fontRef idx="minor"/>
+    </dgm:style>
+  </dgm:styleLbl>
+  <dgm:styleLbl name="fgAcc3">
+    <dgm:scene3d>
+      <a:camera prst="orthographicFront"/>
+      <a:lightRig rig="threePt" dir="t"/>
+    </dgm:scene3d>
+    <dgm:sp3d/>
+    <dgm:txPr/>
+    <dgm:style>
+      <a:lnRef idx="1">
+        <a:scrgbClr r="0" g="0" b="0"/>
+      </a:lnRef>
+      <a:fillRef idx="1">
+        <a:scrgbClr r="0" g="0" b="0"/>
+      </a:fillRef>
+      <a:effectRef idx="0">
+        <a:scrgbClr r="0" g="0" b="0"/>
+      </a:effectRef>
+      <a:fontRef idx="minor"/>
+    </dgm:style>
+  </dgm:styleLbl>
+  <dgm:styleLbl name="fgAcc4">
+    <dgm:scene3d>
+      <a:camera prst="orthographicFront"/>
+      <a:lightRig rig="threePt" dir="t"/>
+    </dgm:scene3d>
+    <dgm:sp3d/>
+    <dgm:txPr/>
+    <dgm:style>
+      <a:lnRef idx="1">
+        <a:scrgbClr r="0" g="0" b="0"/>
+      </a:lnRef>
+      <a:fillRef idx="1">
+        <a:scrgbClr r="0" g="0" b="0"/>
+      </a:fillRef>
+      <a:effectRef idx="0">
+        <a:scrgbClr r="0" g="0" b="0"/>
+      </a:effectRef>
+      <a:fontRef idx="minor"/>
+    </dgm:style>
+  </dgm:styleLbl>
+  <dgm:styleLbl name="bgShp">
+    <dgm:scene3d>
+      <a:camera prst="orthographicFront"/>
+      <a:lightRig rig="threePt" dir="t"/>
+    </dgm:scene3d>
+    <dgm:sp3d/>
+    <dgm:txPr/>
+    <dgm:style>
+      <a:lnRef idx="0">
+        <a:scrgbClr r="0" g="0" b="0"/>
+      </a:lnRef>
+      <a:fillRef idx="1">
+        <a:scrgbClr r="0" g="0" b="0"/>
+      </a:fillRef>
+      <a:effectRef idx="2">
+        <a:scrgbClr r="0" g="0" b="0"/>
+      </a:effectRef>
+      <a:fontRef idx="minor"/>
+    </dgm:style>
+  </dgm:styleLbl>
+  <dgm:styleLbl name="dkBgShp">
+    <dgm:scene3d>
+      <a:camera prst="orthographicFront"/>
+      <a:lightRig rig="threePt" dir="t"/>
+    </dgm:scene3d>
+    <dgm:sp3d/>
+    <dgm:txPr/>
+    <dgm:style>
+      <a:lnRef idx="0">
+        <a:scrgbClr r="0" g="0" b="0"/>
+      </a:lnRef>
+      <a:fillRef idx="1">
+        <a:scrgbClr r="0" g="0" b="0"/>
+      </a:fillRef>
+      <a:effectRef idx="2">
+        <a:scrgbClr r="0" g="0" b="0"/>
+      </a:effectRef>
+      <a:fontRef idx="minor"/>
+    </dgm:style>
+  </dgm:styleLbl>
+  <dgm:styleLbl name="trBgShp">
+    <dgm:scene3d>
+      <a:camera prst="orthographicFront"/>
+      <a:lightRig rig="threePt" dir="t"/>
+    </dgm:scene3d>
+    <dgm:sp3d/>
+    <dgm:txPr/>
+    <dgm:style>
+      <a:lnRef idx="0">
+        <a:scrgbClr r="0" g="0" b="0"/>
+      </a:lnRef>
+      <a:fillRef idx="1">
+        <a:scrgbClr r="0" g="0" b="0"/>
+      </a:fillRef>
+      <a:effectRef idx="0">
+        <a:scrgbClr r="0" g="0" b="0"/>
+      </a:effectRef>
+      <a:fontRef idx="minor"/>
+    </dgm:style>
+  </dgm:styleLbl>
+  <dgm:styleLbl name="fgShp">
+    <dgm:scene3d>
+      <a:camera prst="orthographicFront"/>
+      <a:lightRig rig="threePt" dir="t"/>
+    </dgm:scene3d>
+    <dgm:sp3d/>
+    <dgm:txPr/>
+    <dgm:style>
+      <a:lnRef idx="0">
+        <a:scrgbClr r="0" g="0" b="0"/>
+      </a:lnRef>
+      <a:fillRef idx="3">
+        <a:scrgbClr r="0" g="0" b="0"/>
+      </a:fillRef>
+      <a:effectRef idx="2">
+        <a:scrgbClr r="0" g="0" b="0"/>
+      </a:effectRef>
+      <a:fontRef idx="minor"/>
+    </dgm:style>
+  </dgm:styleLbl>
+  <dgm:styleLbl name="revTx">
+    <dgm:scene3d>
+      <a:camera prst="orthographicFront"/>
+      <a:lightRig rig="threePt" dir="t"/>
+    </dgm:scene3d>
+    <dgm:sp3d/>
+    <dgm:txPr/>
+    <dgm:style>
+      <a:lnRef idx="0">
+        <a:scrgbClr r="0" g="0" b="0"/>
+      </a:lnRef>
+      <a:fillRef idx="0">
+        <a:scrgbClr r="0" g="0" b="0"/>
+      </a:fillRef>
+      <a:effectRef idx="0">
+        <a:scrgbClr r="0" g="0" b="0"/>
+      </a:effectRef>
+      <a:fontRef idx="minor"/>
+    </dgm:style>
+  </dgm:styleLbl>
+</dgm:styleDef>
 </file>
 
 <file path=ppt/notesMasters/notesMaster1.xml><?xml version="1.0" encoding="utf-8"?>
@@ -1134,7 +7251,7 @@
           <p:cNvPr id="2" name="Footer Placeholder 4">
             <a:extLst>
               <a:ext uri="{FF2B5EF4-FFF2-40B4-BE49-F238E27FC236}">
-                <a16:creationId xmlns="" xmlns:a16="http://schemas.microsoft.com/office/drawing/2014/main" id="{FE0B4600-FE96-404A-B73F-81B7A07C97DA}"/>
+                <a16:creationId xmlns:a16="http://schemas.microsoft.com/office/drawing/2014/main" xmlns="" id="{FE0B4600-FE96-404A-B73F-81B7A07C97DA}"/>
               </a:ext>
             </a:extLst>
           </p:cNvPr>
@@ -1169,7 +7286,7 @@
           <p:cNvPr id="3" name="Slide Number Placeholder 5">
             <a:extLst>
               <a:ext uri="{FF2B5EF4-FFF2-40B4-BE49-F238E27FC236}">
-                <a16:creationId xmlns="" xmlns:a16="http://schemas.microsoft.com/office/drawing/2014/main" id="{8B045D73-54B8-43EC-BB26-D49545AB28CC}"/>
+                <a16:creationId xmlns:a16="http://schemas.microsoft.com/office/drawing/2014/main" xmlns="" id="{8B045D73-54B8-43EC-BB26-D49545AB28CC}"/>
               </a:ext>
             </a:extLst>
           </p:cNvPr>
@@ -1241,7 +7358,7 @@
           <p:cNvPr id="2" name="Footer Placeholder 4">
             <a:extLst>
               <a:ext uri="{FF2B5EF4-FFF2-40B4-BE49-F238E27FC236}">
-                <a16:creationId xmlns="" xmlns:a16="http://schemas.microsoft.com/office/drawing/2014/main" id="{3B3C299F-D30B-4B01-B66D-6D655AFCEEB8}"/>
+                <a16:creationId xmlns:a16="http://schemas.microsoft.com/office/drawing/2014/main" xmlns="" id="{3B3C299F-D30B-4B01-B66D-6D655AFCEEB8}"/>
               </a:ext>
             </a:extLst>
           </p:cNvPr>
@@ -1276,7 +7393,7 @@
           <p:cNvPr id="3" name="Slide Number Placeholder 5">
             <a:extLst>
               <a:ext uri="{FF2B5EF4-FFF2-40B4-BE49-F238E27FC236}">
-                <a16:creationId xmlns="" xmlns:a16="http://schemas.microsoft.com/office/drawing/2014/main" id="{9FD2738E-8B79-4145-AA17-9AE878E40085}"/>
+                <a16:creationId xmlns:a16="http://schemas.microsoft.com/office/drawing/2014/main" xmlns="" id="{9FD2738E-8B79-4145-AA17-9AE878E40085}"/>
               </a:ext>
             </a:extLst>
           </p:cNvPr>
@@ -4148,7 +10265,7 @@
           <p:cNvPr id="2" name="TextBox 3">
             <a:extLst>
               <a:ext uri="{FF2B5EF4-FFF2-40B4-BE49-F238E27FC236}">
-                <a16:creationId xmlns="" xmlns:a16="http://schemas.microsoft.com/office/drawing/2014/main" id="{B2F7EF7E-4278-4019-9870-4575EA849C9F}"/>
+                <a16:creationId xmlns:a16="http://schemas.microsoft.com/office/drawing/2014/main" xmlns="" id="{B2F7EF7E-4278-4019-9870-4575EA849C9F}"/>
               </a:ext>
             </a:extLst>
           </p:cNvPr>
@@ -4246,7 +10363,7 @@
           <p:cNvPr id="3" name="TextBox 5">
             <a:extLst>
               <a:ext uri="{FF2B5EF4-FFF2-40B4-BE49-F238E27FC236}">
-                <a16:creationId xmlns="" xmlns:a16="http://schemas.microsoft.com/office/drawing/2014/main" id="{E8195597-E062-4FDC-B48C-C77ABF445E05}"/>
+                <a16:creationId xmlns:a16="http://schemas.microsoft.com/office/drawing/2014/main" xmlns="" id="{E8195597-E062-4FDC-B48C-C77ABF445E05}"/>
               </a:ext>
             </a:extLst>
           </p:cNvPr>
@@ -4354,7 +10471,7 @@
           <p:cNvPr id="4" name="TextBox 4">
             <a:extLst>
               <a:ext uri="{FF2B5EF4-FFF2-40B4-BE49-F238E27FC236}">
-                <a16:creationId xmlns="" xmlns:a16="http://schemas.microsoft.com/office/drawing/2014/main" id="{64824146-55D2-4890-B4E7-49C155A241BC}"/>
+                <a16:creationId xmlns:a16="http://schemas.microsoft.com/office/drawing/2014/main" xmlns="" id="{64824146-55D2-4890-B4E7-49C155A241BC}"/>
               </a:ext>
             </a:extLst>
           </p:cNvPr>
@@ -4767,7 +10884,7 @@
           <p:cNvPr id="5" name="Picture 7" descr="A close up of a sign&#10;&#10;Description generated with very high confidence">
             <a:extLst>
               <a:ext uri="{FF2B5EF4-FFF2-40B4-BE49-F238E27FC236}">
-                <a16:creationId xmlns="" xmlns:a16="http://schemas.microsoft.com/office/drawing/2014/main" id="{A31D30B6-D65B-49BC-89C0-23C4B3BC7B05}"/>
+                <a16:creationId xmlns:a16="http://schemas.microsoft.com/office/drawing/2014/main" xmlns="" id="{A31D30B6-D65B-49BC-89C0-23C4B3BC7B05}"/>
               </a:ext>
             </a:extLst>
           </p:cNvPr>
@@ -4801,7 +10918,7 @@
           <p:cNvPr id="6" name="Parchemin : horizontal 14">
             <a:extLst>
               <a:ext uri="{FF2B5EF4-FFF2-40B4-BE49-F238E27FC236}">
-                <a16:creationId xmlns="" xmlns:a16="http://schemas.microsoft.com/office/drawing/2014/main" id="{EA012110-6A81-4B2A-8301-A7D7B0B7E3F2}"/>
+                <a16:creationId xmlns:a16="http://schemas.microsoft.com/office/drawing/2014/main" xmlns="" id="{EA012110-6A81-4B2A-8301-A7D7B0B7E3F2}"/>
               </a:ext>
             </a:extLst>
           </p:cNvPr>
@@ -5186,7 +11303,7 @@
           <p:cNvPr id="4" name="Picture 5">
             <a:extLst>
               <a:ext uri="{FF2B5EF4-FFF2-40B4-BE49-F238E27FC236}">
-                <a16:creationId xmlns="" xmlns:a16="http://schemas.microsoft.com/office/drawing/2014/main" id="{B5A5B3E5-14C4-48CA-8609-9241986E0C6D}"/>
+                <a16:creationId xmlns:a16="http://schemas.microsoft.com/office/drawing/2014/main" xmlns="" id="{B5A5B3E5-14C4-48CA-8609-9241986E0C6D}"/>
               </a:ext>
             </a:extLst>
           </p:cNvPr>
@@ -5239,6 +11356,30 @@
 <file path=ppt/slides/slide3.xml><?xml version="1.0" encoding="utf-8"?>
 <p:sld xmlns:a="http://schemas.openxmlformats.org/drawingml/2006/main" xmlns:r="http://schemas.openxmlformats.org/officeDocument/2006/relationships" xmlns:p="http://schemas.openxmlformats.org/presentationml/2006/main">
   <p:cSld>
+    <p:bg>
+      <p:bgPr>
+        <a:gradFill rotWithShape="1">
+          <a:gsLst>
+            <a:gs pos="0">
+              <a:schemeClr val="bg2">
+                <a:tint val="94000"/>
+                <a:satMod val="80000"/>
+                <a:lumMod val="106000"/>
+              </a:schemeClr>
+            </a:gs>
+            <a:gs pos="100000">
+              <a:schemeClr val="bg2">
+                <a:shade val="80000"/>
+              </a:schemeClr>
+            </a:gs>
+          </a:gsLst>
+          <a:path path="circle">
+            <a:fillToRect l="43000" r="43000" b="100000"/>
+          </a:path>
+        </a:gradFill>
+        <a:effectLst/>
+      </p:bgPr>
+    </p:bg>
     <p:spTree>
       <p:nvGrpSpPr>
         <p:cNvPr id="1" name=""/>
@@ -5253,12 +11394,146 @@
           <a:chExt cx="0" cy="0"/>
         </a:xfrm>
       </p:grpSpPr>
+      <p:sp useBgFill="1">
+        <p:nvSpPr>
+          <p:cNvPr id="10" name="Rectangle 9">
+            <a:extLst>
+              <a:ext uri="{FF2B5EF4-FFF2-40B4-BE49-F238E27FC236}">
+                <a16:creationId xmlns:a16="http://schemas.microsoft.com/office/drawing/2014/main" xmlns="" id="{32D32A60-013B-47A8-8833-D2424080917B}"/>
+              </a:ext>
+              <a:ext uri="{C183D7F6-B498-43B3-948B-1728B52AA6E4}">
+                <adec:decorative xmlns:adec="http://schemas.microsoft.com/office/drawing/2017/decorative" xmlns="" val="1"/>
+              </a:ext>
+            </a:extLst>
+          </p:cNvPr>
+          <p:cNvSpPr>
+            <a:spLocks noGrp="1" noRot="1" noChangeAspect="1" noMove="1" noResize="1" noEditPoints="1" noAdjustHandles="1" noChangeArrowheads="1" noChangeShapeType="1" noTextEdit="1"/>
+          </p:cNvSpPr>
+          <p:nvPr>
+            <p:extLst>
+              <p:ext uri="{386F3935-93C4-4BCD-93E2-E3B085C9AB24}">
+                <p16:designElem xmlns:p16="http://schemas.microsoft.com/office/powerpoint/2015/main" val="1"/>
+              </p:ext>
+            </p:extLst>
+          </p:nvPr>
+        </p:nvSpPr>
+        <p:spPr>
+          <a:xfrm>
+            <a:off x="2" y="0"/>
+            <a:ext cx="12191695" cy="6858000"/>
+          </a:xfrm>
+          <a:prstGeom prst="rect">
+            <a:avLst/>
+          </a:prstGeom>
+          <a:ln>
+            <a:noFill/>
+          </a:ln>
+        </p:spPr>
+        <p:style>
+          <a:lnRef idx="2">
+            <a:schemeClr val="accent1">
+              <a:shade val="50000"/>
+            </a:schemeClr>
+          </a:lnRef>
+          <a:fillRef idx="1">
+            <a:schemeClr val="accent1"/>
+          </a:fillRef>
+          <a:effectRef idx="0">
+            <a:schemeClr val="accent1"/>
+          </a:effectRef>
+          <a:fontRef idx="minor">
+            <a:schemeClr val="lt1"/>
+          </a:fontRef>
+        </p:style>
+        <p:txBody>
+          <a:bodyPr rtlCol="0" anchor="ctr"/>
+          <a:lstStyle/>
+          <a:p>
+            <a:pPr algn="ctr"/>
+            <a:endParaRPr lang="en-US"/>
+          </a:p>
+        </p:txBody>
+      </p:sp>
+      <p:sp>
+        <p:nvSpPr>
+          <p:cNvPr id="12" name="Rectangle 11">
+            <a:extLst>
+              <a:ext uri="{FF2B5EF4-FFF2-40B4-BE49-F238E27FC236}">
+                <a16:creationId xmlns:a16="http://schemas.microsoft.com/office/drawing/2014/main" xmlns="" id="{AE27932B-B694-4C4C-90D7-A0333A7C5876}"/>
+              </a:ext>
+              <a:ext uri="{C183D7F6-B498-43B3-948B-1728B52AA6E4}">
+                <adec:decorative xmlns:adec="http://schemas.microsoft.com/office/drawing/2017/decorative" xmlns="" val="1"/>
+              </a:ext>
+            </a:extLst>
+          </p:cNvPr>
+          <p:cNvSpPr>
+            <a:spLocks noGrp="1" noRot="1" noChangeAspect="1" noMove="1" noResize="1" noEditPoints="1" noAdjustHandles="1" noChangeArrowheads="1" noChangeShapeType="1" noTextEdit="1"/>
+          </p:cNvSpPr>
+          <p:nvPr>
+            <p:extLst>
+              <p:ext uri="{386F3935-93C4-4BCD-93E2-E3B085C9AB24}">
+                <p16:designElem xmlns:p16="http://schemas.microsoft.com/office/powerpoint/2015/main" val="1"/>
+              </p:ext>
+            </p:extLst>
+          </p:nvPr>
+        </p:nvSpPr>
+        <p:spPr>
+          <a:xfrm>
+            <a:off x="0" y="2019476"/>
+            <a:ext cx="12192000" cy="4105941"/>
+          </a:xfrm>
+          <a:prstGeom prst="rect">
+            <a:avLst/>
+          </a:prstGeom>
+          <a:gradFill flip="none" rotWithShape="1">
+            <a:gsLst>
+              <a:gs pos="0">
+                <a:schemeClr val="bg2">
+                  <a:alpha val="0"/>
+                </a:schemeClr>
+              </a:gs>
+              <a:gs pos="100000">
+                <a:schemeClr val="bg2"/>
+              </a:gs>
+            </a:gsLst>
+            <a:lin ang="5400000" scaled="0"/>
+            <a:tileRect/>
+          </a:gradFill>
+          <a:ln>
+            <a:noFill/>
+          </a:ln>
+        </p:spPr>
+        <p:style>
+          <a:lnRef idx="2">
+            <a:schemeClr val="accent1">
+              <a:shade val="50000"/>
+            </a:schemeClr>
+          </a:lnRef>
+          <a:fillRef idx="1">
+            <a:schemeClr val="accent1"/>
+          </a:fillRef>
+          <a:effectRef idx="0">
+            <a:schemeClr val="accent1"/>
+          </a:effectRef>
+          <a:fontRef idx="minor">
+            <a:schemeClr val="lt1"/>
+          </a:fontRef>
+        </p:style>
+        <p:txBody>
+          <a:bodyPr rtlCol="0" anchor="ctr"/>
+          <a:lstStyle/>
+          <a:p>
+            <a:pPr lvl="0" algn="ctr"/>
+            <a:endParaRPr lang="en-US"/>
+          </a:p>
+        </p:txBody>
+      </p:sp>
       <p:sp>
         <p:nvSpPr>
           <p:cNvPr id="2" name="Title 1">
             <a:extLst>
               <a:ext uri="{FF2B5EF4-FFF2-40B4-BE49-F238E27FC236}">
-                <a16:creationId xmlns="" xmlns:a16="http://schemas.microsoft.com/office/drawing/2014/main" id="{9D31916C-EB41-4547-B4B1-8A73ECBFD18E}"/>
+                <a16:creationId xmlns:a16="http://schemas.microsoft.com/office/drawing/2014/main" xmlns="" id="{9D31916C-EB41-4547-B4B1-8A73ECBFD18E}"/>
               </a:ext>
             </a:extLst>
           </p:cNvPr>
@@ -5271,115 +11546,278 @@
         </p:nvSpPr>
         <p:spPr>
           <a:xfrm>
-            <a:off x="428625" y="442912"/>
-            <a:ext cx="11763375" cy="1425575"/>
+            <a:off x="1451579" y="2303047"/>
+            <a:ext cx="3272093" cy="2674198"/>
           </a:xfrm>
           <a:prstGeom prst="rect">
             <a:avLst/>
           </a:prstGeom>
-          <a:noFill/>
-          <a:ln>
-            <a:noFill/>
-          </a:ln>
         </p:spPr>
         <p:txBody>
-          <a:bodyPr vert="horz" wrap="square" lIns="91440" tIns="45720" rIns="91440" bIns="45720" anchor="t" anchorCtr="0" compatLnSpc="1">
+          <a:bodyPr vert="horz" lIns="91440" tIns="45720" rIns="91440" bIns="45720" anchor="t" anchorCtr="0" compatLnSpc="1">
             <a:normAutofit/>
           </a:bodyPr>
           <a:lstStyle/>
           <a:p>
             <a:pPr lvl="0"/>
             <a:r>
-              <a:rPr lang="en-US" sz="5400" i="1" dirty="0"/>
+              <a:rPr lang="en-US" i="1" dirty="0"/>
               <a:t>Rencontre entre LES </a:t>
             </a:r>
             <a:r>
-              <a:rPr lang="en-US" sz="5400" i="1" dirty="0" err="1"/>
+              <a:rPr lang="en-US" i="1" dirty="0" err="1"/>
               <a:t>membres</a:t>
             </a:r>
             <a:r>
-              <a:rPr lang="en-US" sz="5400" i="1" dirty="0"/>
+              <a:rPr lang="en-US" i="1" dirty="0"/>
               <a:t> </a:t>
             </a:r>
-            <a:endParaRPr lang="en-US" sz="5400" dirty="0"/>
+            <a:endParaRPr lang="en-US" dirty="0"/>
           </a:p>
         </p:txBody>
       </p:sp>
+      <p:cxnSp>
+        <p:nvCxnSpPr>
+          <p:cNvPr id="14" name="Straight Connector 13">
+            <a:extLst>
+              <a:ext uri="{FF2B5EF4-FFF2-40B4-BE49-F238E27FC236}">
+                <a16:creationId xmlns:a16="http://schemas.microsoft.com/office/drawing/2014/main" xmlns="" id="{9EBB0476-5CF0-4F44-8D68-5D42D7AEE43A}"/>
+              </a:ext>
+              <a:ext uri="{C183D7F6-B498-43B3-948B-1728B52AA6E4}">
+                <adec:decorative xmlns:adec="http://schemas.microsoft.com/office/drawing/2017/decorative" xmlns="" val="1"/>
+              </a:ext>
+            </a:extLst>
+          </p:cNvPr>
+          <p:cNvCxnSpPr>
+            <a:cxnSpLocks noGrp="1" noRot="1" noChangeAspect="1" noMove="1" noResize="1" noEditPoints="1" noAdjustHandles="1" noChangeArrowheads="1" noChangeShapeType="1"/>
+          </p:cNvCxnSpPr>
+          <p:nvPr>
+            <p:extLst>
+              <p:ext uri="{386F3935-93C4-4BCD-93E2-E3B085C9AB24}">
+                <p16:designElem xmlns:p16="http://schemas.microsoft.com/office/powerpoint/2015/main" val="1"/>
+              </p:ext>
+            </p:extLst>
+          </p:nvPr>
+        </p:nvCxnSpPr>
+        <p:spPr>
+          <a:xfrm>
+            <a:off x="1451579" y="2146542"/>
+            <a:ext cx="3272094" cy="0"/>
+          </a:xfrm>
+          <a:prstGeom prst="line">
+            <a:avLst/>
+          </a:prstGeom>
+          <a:ln w="31750"/>
+        </p:spPr>
+        <p:style>
+          <a:lnRef idx="3">
+            <a:schemeClr val="accent1"/>
+          </a:lnRef>
+          <a:fillRef idx="0">
+            <a:schemeClr val="accent1"/>
+          </a:fillRef>
+          <a:effectRef idx="2">
+            <a:schemeClr val="accent1"/>
+          </a:effectRef>
+          <a:fontRef idx="minor">
+            <a:schemeClr val="tx1"/>
+          </a:fontRef>
+        </p:style>
+      </p:cxnSp>
       <p:sp>
         <p:nvSpPr>
-          <p:cNvPr id="3" name="Content Placeholder 2">
+          <p:cNvPr id="16" name="Title 1">
             <a:extLst>
               <a:ext uri="{FF2B5EF4-FFF2-40B4-BE49-F238E27FC236}">
-                <a16:creationId xmlns="" xmlns:a16="http://schemas.microsoft.com/office/drawing/2014/main" id="{27C5A7BF-CBE4-431D-83B3-2829D4333BC5}"/>
+                <a16:creationId xmlns:a16="http://schemas.microsoft.com/office/drawing/2014/main" xmlns="" id="{A9DA474E-6B91-4200-840F-0257B2358A75}"/>
+              </a:ext>
+              <a:ext uri="{C183D7F6-B498-43B3-948B-1728B52AA6E4}">
+                <adec:decorative xmlns:adec="http://schemas.microsoft.com/office/drawing/2017/decorative" xmlns="" val="1"/>
               </a:ext>
             </a:extLst>
           </p:cNvPr>
           <p:cNvSpPr txBox="1">
-            <a:spLocks noGrp="1"/>
+            <a:spLocks noGrp="1" noRot="1" noChangeAspect="1" noMove="1" noResize="1" noEditPoints="1" noAdjustHandles="1" noChangeArrowheads="1" noChangeShapeType="1" noTextEdit="1"/>
           </p:cNvSpPr>
           <p:nvPr>
-            <p:ph idx="4294967295"/>
+            <p:extLst>
+              <p:ext uri="{386F3935-93C4-4BCD-93E2-E3B085C9AB24}">
+                <p16:designElem xmlns:p16="http://schemas.microsoft.com/office/powerpoint/2015/main" val="1"/>
+              </p:ext>
+            </p:extLst>
           </p:nvPr>
         </p:nvSpPr>
         <p:spPr>
           <a:xfrm>
-            <a:off x="1128713" y="1682750"/>
-            <a:ext cx="5884863" cy="3536950"/>
+            <a:off x="1451580" y="3122496"/>
+            <a:ext cx="3530157" cy="1049235"/>
           </a:xfrm>
           <a:prstGeom prst="rect">
             <a:avLst/>
           </a:prstGeom>
-          <a:noFill/>
-          <a:ln>
-            <a:noFill/>
+        </p:spPr>
+        <p:txBody>
+          <a:bodyPr vert="horz" lIns="91440" tIns="45720" rIns="91440" bIns="45720" rtlCol="0" anchor="t">
+            <a:normAutofit/>
+          </a:bodyPr>
+          <a:lstStyle>
+            <a:lvl1pPr algn="l" defTabSz="914400" rtl="0" eaLnBrk="1" latinLnBrk="0" hangingPunct="1">
+              <a:lnSpc>
+                <a:spcPct val="90000"/>
+              </a:lnSpc>
+              <a:spcBef>
+                <a:spcPct val="0"/>
+              </a:spcBef>
+              <a:buNone/>
+              <a:defRPr sz="3200" b="0" i="0" kern="1200" cap="all">
+                <a:solidFill>
+                  <a:schemeClr val="tx1"/>
+                </a:solidFill>
+                <a:effectLst/>
+                <a:latin typeface="+mj-lt"/>
+                <a:ea typeface="+mj-ea"/>
+                <a:cs typeface="+mj-cs"/>
+              </a:defRPr>
+            </a:lvl1pPr>
+          </a:lstStyle>
+          <a:p>
+            <a:endParaRPr lang="en-US" dirty="0"/>
+          </a:p>
+        </p:txBody>
+      </p:sp>
+      <p:pic>
+        <p:nvPicPr>
+          <p:cNvPr id="18" name="Picture 17">
+            <a:extLst>
+              <a:ext uri="{FF2B5EF4-FFF2-40B4-BE49-F238E27FC236}">
+                <a16:creationId xmlns:a16="http://schemas.microsoft.com/office/drawing/2014/main" xmlns="" id="{DF63C9AD-AE6E-4512-8171-91612E84CCFB}"/>
+              </a:ext>
+              <a:ext uri="{C183D7F6-B498-43B3-948B-1728B52AA6E4}">
+                <adec:decorative xmlns:adec="http://schemas.microsoft.com/office/drawing/2017/decorative" xmlns="" val="1"/>
+              </a:ext>
+            </a:extLst>
+          </p:cNvPr>
+          <p:cNvPicPr>
+            <a:picLocks noGrp="1" noRot="1" noChangeAspect="1" noMove="1" noResize="1" noEditPoints="1" noAdjustHandles="1" noChangeArrowheads="1" noChangeShapeType="1" noCrop="1"/>
+          </p:cNvPicPr>
+          <p:nvPr>
+            <p:extLst>
+              <p:ext uri="{386F3935-93C4-4BCD-93E2-E3B085C9AB24}">
+                <p16:designElem xmlns:p16="http://schemas.microsoft.com/office/powerpoint/2015/main" val="1"/>
+              </p:ext>
+            </p:extLst>
+          </p:nvPr>
+        </p:nvPicPr>
+        <p:blipFill rotWithShape="1">
+          <a:blip r:embed="rId2">
+            <a:extLst>
+              <a:ext uri="{28A0092B-C50C-407E-A947-70E740481C1C}">
+                <a14:useLocalDpi xmlns:a14="http://schemas.microsoft.com/office/drawing/2010/main" val="0"/>
+              </a:ext>
+            </a:extLst>
+          </a:blip>
+          <a:srcRect t="1538" b="-1538"/>
+          <a:stretch/>
+        </p:blipFill>
+        <p:spPr bwMode="black">
+          <a:xfrm>
+            <a:off x="0" y="6126480"/>
+            <a:ext cx="12192000" cy="742950"/>
+          </a:xfrm>
+          <a:prstGeom prst="rect">
+            <a:avLst/>
+          </a:prstGeom>
+        </p:spPr>
+      </p:pic>
+      <p:cxnSp>
+        <p:nvCxnSpPr>
+          <p:cNvPr id="20" name="Straight Connector 19">
+            <a:extLst>
+              <a:ext uri="{FF2B5EF4-FFF2-40B4-BE49-F238E27FC236}">
+                <a16:creationId xmlns:a16="http://schemas.microsoft.com/office/drawing/2014/main" xmlns="" id="{FE1A49CE-B63D-457A-A180-1C883E1A63D2}"/>
+              </a:ext>
+              <a:ext uri="{C183D7F6-B498-43B3-948B-1728B52AA6E4}">
+                <adec:decorative xmlns:adec="http://schemas.microsoft.com/office/drawing/2017/decorative" xmlns="" val="1"/>
+              </a:ext>
+            </a:extLst>
+          </p:cNvPr>
+          <p:cNvCxnSpPr>
+            <a:cxnSpLocks noGrp="1" noRot="1" noChangeAspect="1" noMove="1" noResize="1" noEditPoints="1" noAdjustHandles="1" noChangeArrowheads="1" noChangeShapeType="1"/>
+          </p:cNvCxnSpPr>
+          <p:nvPr>
+            <p:extLst>
+              <p:ext uri="{386F3935-93C4-4BCD-93E2-E3B085C9AB24}">
+                <p16:designElem xmlns:p16="http://schemas.microsoft.com/office/powerpoint/2015/main" val="1"/>
+              </p:ext>
+            </p:extLst>
+          </p:nvPr>
+        </p:nvCxnSpPr>
+        <p:spPr>
+          <a:xfrm>
+            <a:off x="0" y="6128413"/>
+            <a:ext cx="12192000" cy="0"/>
+          </a:xfrm>
+          <a:prstGeom prst="line">
+            <a:avLst/>
+          </a:prstGeom>
+          <a:ln w="12700">
+            <a:solidFill>
+              <a:srgbClr val="000001">
+                <a:alpha val="20000"/>
+              </a:srgbClr>
+            </a:solidFill>
           </a:ln>
         </p:spPr>
-        <p:txBody>
-          <a:bodyPr vert="horz" wrap="square" lIns="91440" tIns="45720" rIns="91440" bIns="45720" anchor="t" anchorCtr="0" compatLnSpc="1">
-            <a:normAutofit/>
-          </a:bodyPr>
-          <a:lstStyle/>
-          <a:p>
-            <a:pPr marL="342900" lvl="0" indent="-342900">
-              <a:buFont typeface="Wingdings" pitchFamily="34"/>
-              <a:buChar char="Ø"/>
-            </a:pPr>
-            <a:r>
-              <a:rPr lang="fr-CA" sz="2400" dirty="0" smtClean="0"/>
-              <a:t>Planifications</a:t>
-            </a:r>
-            <a:r>
-              <a:rPr lang="en-US" sz="2400" dirty="0" smtClean="0"/>
-              <a:t> des taches</a:t>
-            </a:r>
-          </a:p>
-          <a:p>
-            <a:pPr marL="342900" lvl="0" indent="-342900">
-              <a:buFont typeface="Wingdings" pitchFamily="34"/>
-              <a:buChar char="Ø"/>
-            </a:pPr>
-            <a:r>
-              <a:rPr lang="en-US" sz="2400" dirty="0" err="1" smtClean="0"/>
-              <a:t>Organisation</a:t>
-            </a:r>
-            <a:r>
-              <a:rPr lang="en-US" sz="2400" dirty="0" smtClean="0"/>
-              <a:t> du travail</a:t>
-            </a:r>
-          </a:p>
-          <a:p>
-            <a:pPr marL="342900" lvl="0" indent="-342900">
-              <a:buFont typeface="Wingdings" pitchFamily="34"/>
-              <a:buChar char="Ø"/>
-            </a:pPr>
-            <a:endParaRPr lang="fr-CA" dirty="0"/>
-          </a:p>
-        </p:txBody>
-      </p:sp>
+        <p:style>
+          <a:lnRef idx="1">
+            <a:schemeClr val="accent1"/>
+          </a:lnRef>
+          <a:fillRef idx="0">
+            <a:schemeClr val="accent1"/>
+          </a:fillRef>
+          <a:effectRef idx="0">
+            <a:schemeClr val="accent1"/>
+          </a:effectRef>
+          <a:fontRef idx="minor">
+            <a:schemeClr val="tx1"/>
+          </a:fontRef>
+        </p:style>
+      </p:cxnSp>
+      <p:graphicFrame>
+        <p:nvGraphicFramePr>
+          <p:cNvPr id="5" name="Content Placeholder 2">
+            <a:extLst>
+              <a:ext uri="{FF2B5EF4-FFF2-40B4-BE49-F238E27FC236}">
+                <a16:creationId xmlns:a16="http://schemas.microsoft.com/office/drawing/2014/main" xmlns="" id="{19E7588D-B837-4396-9E57-4410FBACDC29}"/>
+              </a:ext>
+            </a:extLst>
+          </p:cNvPr>
+          <p:cNvGraphicFramePr>
+            <a:graphicFrameLocks noGrp="1"/>
+          </p:cNvGraphicFramePr>
+          <p:nvPr>
+            <p:ph idx="4294967295"/>
+            <p:extLst>
+              <p:ext uri="{D42A27DB-BD31-4B8C-83A1-F6EECF244321}">
+                <p14:modId xmlns:p14="http://schemas.microsoft.com/office/powerpoint/2010/main" val="2209705066"/>
+              </p:ext>
+            </p:extLst>
+          </p:nvPr>
+        </p:nvGraphicFramePr>
+        <p:xfrm>
+          <a:off x="5141913" y="803275"/>
+          <a:ext cx="5913437" cy="4637088"/>
+        </p:xfrm>
+        <a:graphic>
+          <a:graphicData uri="http://schemas.openxmlformats.org/drawingml/2006/diagram">
+            <dgm:relIds xmlns:dgm="http://schemas.openxmlformats.org/drawingml/2006/diagram" xmlns:r="http://schemas.openxmlformats.org/officeDocument/2006/relationships" r:dm="rId3" r:lo="rId4" r:qs="rId5" r:cs="rId6"/>
+          </a:graphicData>
+        </a:graphic>
+      </p:graphicFrame>
     </p:spTree>
     <p:extLst>
       <p:ext uri="{BB962C8B-B14F-4D97-AF65-F5344CB8AC3E}">
-        <p14:creationId xmlns:p14="http://schemas.microsoft.com/office/powerpoint/2010/main" val="1703952995"/>
+        <p14:creationId xmlns:p14="http://schemas.microsoft.com/office/powerpoint/2010/main" val="3444417538"/>
       </p:ext>
     </p:extLst>
   </p:cSld>
@@ -5389,19 +11827,36 @@
   <p:transition spd="med">
     <p:fade/>
   </p:transition>
-  <p:timing>
-    <p:tnLst>
-      <p:par>
-        <p:cTn id="1" dur="indefinite" restart="never" nodeType="tmRoot"/>
-      </p:par>
-    </p:tnLst>
-  </p:timing>
 </p:sld>
 </file>
 
 <file path=ppt/slides/slide4.xml><?xml version="1.0" encoding="utf-8"?>
 <p:sld xmlns:a="http://schemas.openxmlformats.org/drawingml/2006/main" xmlns:r="http://schemas.openxmlformats.org/officeDocument/2006/relationships" xmlns:p="http://schemas.openxmlformats.org/presentationml/2006/main">
   <p:cSld>
+    <p:bg>
+      <p:bgPr>
+        <a:gradFill rotWithShape="1">
+          <a:gsLst>
+            <a:gs pos="0">
+              <a:schemeClr val="bg2">
+                <a:tint val="94000"/>
+                <a:satMod val="80000"/>
+                <a:lumMod val="106000"/>
+              </a:schemeClr>
+            </a:gs>
+            <a:gs pos="100000">
+              <a:schemeClr val="bg2">
+                <a:shade val="80000"/>
+              </a:schemeClr>
+            </a:gs>
+          </a:gsLst>
+          <a:path path="circle">
+            <a:fillToRect l="43000" r="43000" b="100000"/>
+          </a:path>
+        </a:gradFill>
+        <a:effectLst/>
+      </p:bgPr>
+    </p:bg>
     <p:spTree>
       <p:nvGrpSpPr>
         <p:cNvPr id="1" name=""/>
@@ -5416,6 +11871,140 @@
           <a:chExt cx="0" cy="0"/>
         </a:xfrm>
       </p:grpSpPr>
+      <p:sp useBgFill="1">
+        <p:nvSpPr>
+          <p:cNvPr id="10" name="Rectangle 9">
+            <a:extLst>
+              <a:ext uri="{FF2B5EF4-FFF2-40B4-BE49-F238E27FC236}">
+                <a16:creationId xmlns:a16="http://schemas.microsoft.com/office/drawing/2014/main" xmlns="" id="{32D32A60-013B-47A8-8833-D2424080917B}"/>
+              </a:ext>
+              <a:ext uri="{C183D7F6-B498-43B3-948B-1728B52AA6E4}">
+                <adec:decorative xmlns:adec="http://schemas.microsoft.com/office/drawing/2017/decorative" xmlns="" val="1"/>
+              </a:ext>
+            </a:extLst>
+          </p:cNvPr>
+          <p:cNvSpPr>
+            <a:spLocks noGrp="1" noRot="1" noChangeAspect="1" noMove="1" noResize="1" noEditPoints="1" noAdjustHandles="1" noChangeArrowheads="1" noChangeShapeType="1" noTextEdit="1"/>
+          </p:cNvSpPr>
+          <p:nvPr>
+            <p:extLst>
+              <p:ext uri="{386F3935-93C4-4BCD-93E2-E3B085C9AB24}">
+                <p16:designElem xmlns:p16="http://schemas.microsoft.com/office/powerpoint/2015/main" val="1"/>
+              </p:ext>
+            </p:extLst>
+          </p:nvPr>
+        </p:nvSpPr>
+        <p:spPr>
+          <a:xfrm>
+            <a:off x="2" y="0"/>
+            <a:ext cx="12191695" cy="6858000"/>
+          </a:xfrm>
+          <a:prstGeom prst="rect">
+            <a:avLst/>
+          </a:prstGeom>
+          <a:ln>
+            <a:noFill/>
+          </a:ln>
+        </p:spPr>
+        <p:style>
+          <a:lnRef idx="2">
+            <a:schemeClr val="accent1">
+              <a:shade val="50000"/>
+            </a:schemeClr>
+          </a:lnRef>
+          <a:fillRef idx="1">
+            <a:schemeClr val="accent1"/>
+          </a:fillRef>
+          <a:effectRef idx="0">
+            <a:schemeClr val="accent1"/>
+          </a:effectRef>
+          <a:fontRef idx="minor">
+            <a:schemeClr val="lt1"/>
+          </a:fontRef>
+        </p:style>
+        <p:txBody>
+          <a:bodyPr rtlCol="0" anchor="ctr"/>
+          <a:lstStyle/>
+          <a:p>
+            <a:pPr algn="ctr"/>
+            <a:endParaRPr lang="en-US"/>
+          </a:p>
+        </p:txBody>
+      </p:sp>
+      <p:sp>
+        <p:nvSpPr>
+          <p:cNvPr id="12" name="Rectangle 11">
+            <a:extLst>
+              <a:ext uri="{FF2B5EF4-FFF2-40B4-BE49-F238E27FC236}">
+                <a16:creationId xmlns:a16="http://schemas.microsoft.com/office/drawing/2014/main" xmlns="" id="{AE27932B-B694-4C4C-90D7-A0333A7C5876}"/>
+              </a:ext>
+              <a:ext uri="{C183D7F6-B498-43B3-948B-1728B52AA6E4}">
+                <adec:decorative xmlns:adec="http://schemas.microsoft.com/office/drawing/2017/decorative" xmlns="" val="1"/>
+              </a:ext>
+            </a:extLst>
+          </p:cNvPr>
+          <p:cNvSpPr>
+            <a:spLocks noGrp="1" noRot="1" noChangeAspect="1" noMove="1" noResize="1" noEditPoints="1" noAdjustHandles="1" noChangeArrowheads="1" noChangeShapeType="1" noTextEdit="1"/>
+          </p:cNvSpPr>
+          <p:nvPr>
+            <p:extLst>
+              <p:ext uri="{386F3935-93C4-4BCD-93E2-E3B085C9AB24}">
+                <p16:designElem xmlns:p16="http://schemas.microsoft.com/office/powerpoint/2015/main" val="1"/>
+              </p:ext>
+            </p:extLst>
+          </p:nvPr>
+        </p:nvSpPr>
+        <p:spPr>
+          <a:xfrm>
+            <a:off x="0" y="2019476"/>
+            <a:ext cx="12192000" cy="4105941"/>
+          </a:xfrm>
+          <a:prstGeom prst="rect">
+            <a:avLst/>
+          </a:prstGeom>
+          <a:gradFill flip="none" rotWithShape="1">
+            <a:gsLst>
+              <a:gs pos="0">
+                <a:schemeClr val="bg2">
+                  <a:alpha val="0"/>
+                </a:schemeClr>
+              </a:gs>
+              <a:gs pos="100000">
+                <a:schemeClr val="bg2"/>
+              </a:gs>
+            </a:gsLst>
+            <a:lin ang="5400000" scaled="0"/>
+            <a:tileRect/>
+          </a:gradFill>
+          <a:ln>
+            <a:noFill/>
+          </a:ln>
+        </p:spPr>
+        <p:style>
+          <a:lnRef idx="2">
+            <a:schemeClr val="accent1">
+              <a:shade val="50000"/>
+            </a:schemeClr>
+          </a:lnRef>
+          <a:fillRef idx="1">
+            <a:schemeClr val="accent1"/>
+          </a:fillRef>
+          <a:effectRef idx="0">
+            <a:schemeClr val="accent1"/>
+          </a:effectRef>
+          <a:fontRef idx="minor">
+            <a:schemeClr val="lt1"/>
+          </a:fontRef>
+        </p:style>
+        <p:txBody>
+          <a:bodyPr rtlCol="0" anchor="ctr"/>
+          <a:lstStyle/>
+          <a:p>
+            <a:pPr lvl="0" algn="ctr"/>
+            <a:endParaRPr lang="en-US"/>
+          </a:p>
+        </p:txBody>
+      </p:sp>
       <p:sp>
         <p:nvSpPr>
           <p:cNvPr id="2" name="Title 1"/>
@@ -5428,106 +12017,271 @@
         </p:nvSpPr>
         <p:spPr>
           <a:xfrm>
-            <a:off x="1451578" y="704506"/>
-            <a:ext cx="9603275" cy="1049235"/>
+            <a:off x="1451579" y="2303047"/>
+            <a:ext cx="3272093" cy="2674198"/>
           </a:xfrm>
         </p:spPr>
         <p:txBody>
-          <a:bodyPr>
+          <a:bodyPr anchor="t">
             <a:normAutofit/>
           </a:bodyPr>
           <a:lstStyle/>
           <a:p>
             <a:r>
-              <a:rPr lang="en-US" sz="6000" dirty="0" smtClean="0"/>
+              <a:rPr lang="en-US" dirty="0"/>
               <a:t>DEMO DE L’APK</a:t>
             </a:r>
-            <a:endParaRPr lang="en-US" sz="6000" dirty="0"/>
           </a:p>
         </p:txBody>
       </p:sp>
+      <p:cxnSp>
+        <p:nvCxnSpPr>
+          <p:cNvPr id="14" name="Straight Connector 13">
+            <a:extLst>
+              <a:ext uri="{FF2B5EF4-FFF2-40B4-BE49-F238E27FC236}">
+                <a16:creationId xmlns:a16="http://schemas.microsoft.com/office/drawing/2014/main" xmlns="" id="{9EBB0476-5CF0-4F44-8D68-5D42D7AEE43A}"/>
+              </a:ext>
+              <a:ext uri="{C183D7F6-B498-43B3-948B-1728B52AA6E4}">
+                <adec:decorative xmlns:adec="http://schemas.microsoft.com/office/drawing/2017/decorative" xmlns="" val="1"/>
+              </a:ext>
+            </a:extLst>
+          </p:cNvPr>
+          <p:cNvCxnSpPr>
+            <a:cxnSpLocks noGrp="1" noRot="1" noChangeAspect="1" noMove="1" noResize="1" noEditPoints="1" noAdjustHandles="1" noChangeArrowheads="1" noChangeShapeType="1"/>
+          </p:cNvCxnSpPr>
+          <p:nvPr>
+            <p:extLst>
+              <p:ext uri="{386F3935-93C4-4BCD-93E2-E3B085C9AB24}">
+                <p16:designElem xmlns:p16="http://schemas.microsoft.com/office/powerpoint/2015/main" val="1"/>
+              </p:ext>
+            </p:extLst>
+          </p:nvPr>
+        </p:nvCxnSpPr>
+        <p:spPr>
+          <a:xfrm>
+            <a:off x="1451579" y="2146542"/>
+            <a:ext cx="3272094" cy="0"/>
+          </a:xfrm>
+          <a:prstGeom prst="line">
+            <a:avLst/>
+          </a:prstGeom>
+          <a:ln w="31750"/>
+        </p:spPr>
+        <p:style>
+          <a:lnRef idx="3">
+            <a:schemeClr val="accent1"/>
+          </a:lnRef>
+          <a:fillRef idx="0">
+            <a:schemeClr val="accent1"/>
+          </a:fillRef>
+          <a:effectRef idx="2">
+            <a:schemeClr val="accent1"/>
+          </a:effectRef>
+          <a:fontRef idx="minor">
+            <a:schemeClr val="tx1"/>
+          </a:fontRef>
+        </p:style>
+      </p:cxnSp>
       <p:sp>
         <p:nvSpPr>
-          <p:cNvPr id="3" name="Content Placeholder 2"/>
-          <p:cNvSpPr>
-            <a:spLocks noGrp="1"/>
+          <p:cNvPr id="16" name="Title 1">
+            <a:extLst>
+              <a:ext uri="{FF2B5EF4-FFF2-40B4-BE49-F238E27FC236}">
+                <a16:creationId xmlns:a16="http://schemas.microsoft.com/office/drawing/2014/main" xmlns="" id="{A9DA474E-6B91-4200-840F-0257B2358A75}"/>
+              </a:ext>
+              <a:ext uri="{C183D7F6-B498-43B3-948B-1728B52AA6E4}">
+                <adec:decorative xmlns:adec="http://schemas.microsoft.com/office/drawing/2017/decorative" xmlns="" val="1"/>
+              </a:ext>
+            </a:extLst>
+          </p:cNvPr>
+          <p:cNvSpPr txBox="1">
+            <a:spLocks noGrp="1" noRot="1" noChangeAspect="1" noMove="1" noResize="1" noEditPoints="1" noAdjustHandles="1" noChangeArrowheads="1" noChangeShapeType="1" noTextEdit="1"/>
           </p:cNvSpPr>
           <p:nvPr>
-            <p:ph idx="1"/>
+            <p:extLst>
+              <p:ext uri="{386F3935-93C4-4BCD-93E2-E3B085C9AB24}">
+                <p16:designElem xmlns:p16="http://schemas.microsoft.com/office/powerpoint/2015/main" val="1"/>
+              </p:ext>
+            </p:extLst>
           </p:nvPr>
         </p:nvSpPr>
-        <p:spPr/>
+        <p:spPr>
+          <a:xfrm>
+            <a:off x="1451580" y="3122496"/>
+            <a:ext cx="3530157" cy="1049235"/>
+          </a:xfrm>
+          <a:prstGeom prst="rect">
+            <a:avLst/>
+          </a:prstGeom>
+        </p:spPr>
         <p:txBody>
-          <a:bodyPr/>
-          <a:lstStyle/>
-          <a:p>
-            <a:r>
-              <a:rPr lang="fr-CA" dirty="0" smtClean="0"/>
-              <a:t>Fonctionnalité</a:t>
-            </a:r>
-          </a:p>
-          <a:p>
-            <a:r>
-              <a:rPr lang="fr-CA" dirty="0" smtClean="0"/>
-              <a:t>Clients</a:t>
-            </a:r>
-          </a:p>
-          <a:p>
-            <a:r>
-              <a:rPr lang="fr-CA" dirty="0" smtClean="0"/>
-              <a:t>Efficacité </a:t>
-            </a:r>
-          </a:p>
-          <a:p>
-            <a:r>
-              <a:rPr lang="fr-CA" dirty="0" smtClean="0"/>
-              <a:t>Utilisabilité</a:t>
-            </a:r>
-          </a:p>
-          <a:p>
-            <a:r>
-              <a:rPr lang="fr-CA" dirty="0" smtClean="0"/>
-              <a:t>Sécurité </a:t>
-            </a:r>
-          </a:p>
-          <a:p>
-            <a:r>
-              <a:rPr lang="fr-CA" dirty="0" err="1" smtClean="0"/>
-              <a:t>Qualite</a:t>
-            </a:r>
-            <a:r>
-              <a:rPr lang="fr-CA" dirty="0" smtClean="0"/>
-              <a:t> du logiciel????</a:t>
-            </a:r>
-            <a:r>
-              <a:rPr lang="en-US" dirty="0"/>
-              <a:t> </a:t>
-            </a:r>
-            <a:r>
-              <a:rPr lang="en-US" dirty="0" smtClean="0"/>
-              <a:t>// new slide or ?</a:t>
-            </a:r>
-            <a:endParaRPr lang="fr-CA" dirty="0" smtClean="0"/>
+          <a:bodyPr vert="horz" lIns="91440" tIns="45720" rIns="91440" bIns="45720" rtlCol="0" anchor="t">
+            <a:normAutofit/>
+          </a:bodyPr>
+          <a:lstStyle>
+            <a:lvl1pPr algn="l" defTabSz="914400" rtl="0" eaLnBrk="1" latinLnBrk="0" hangingPunct="1">
+              <a:lnSpc>
+                <a:spcPct val="90000"/>
+              </a:lnSpc>
+              <a:spcBef>
+                <a:spcPct val="0"/>
+              </a:spcBef>
+              <a:buNone/>
+              <a:defRPr sz="3200" b="0" i="0" kern="1200" cap="all">
+                <a:solidFill>
+                  <a:schemeClr val="tx1"/>
+                </a:solidFill>
+                <a:effectLst/>
+                <a:latin typeface="+mj-lt"/>
+                <a:ea typeface="+mj-ea"/>
+                <a:cs typeface="+mj-cs"/>
+              </a:defRPr>
+            </a:lvl1pPr>
+          </a:lstStyle>
+          <a:p>
+            <a:endParaRPr lang="en-US" dirty="0"/>
           </a:p>
         </p:txBody>
       </p:sp>
+      <p:pic>
+        <p:nvPicPr>
+          <p:cNvPr id="18" name="Picture 17">
+            <a:extLst>
+              <a:ext uri="{FF2B5EF4-FFF2-40B4-BE49-F238E27FC236}">
+                <a16:creationId xmlns:a16="http://schemas.microsoft.com/office/drawing/2014/main" xmlns="" id="{DF63C9AD-AE6E-4512-8171-91612E84CCFB}"/>
+              </a:ext>
+              <a:ext uri="{C183D7F6-B498-43B3-948B-1728B52AA6E4}">
+                <adec:decorative xmlns:adec="http://schemas.microsoft.com/office/drawing/2017/decorative" xmlns="" val="1"/>
+              </a:ext>
+            </a:extLst>
+          </p:cNvPr>
+          <p:cNvPicPr>
+            <a:picLocks noGrp="1" noRot="1" noChangeAspect="1" noMove="1" noResize="1" noEditPoints="1" noAdjustHandles="1" noChangeArrowheads="1" noChangeShapeType="1" noCrop="1"/>
+          </p:cNvPicPr>
+          <p:nvPr>
+            <p:extLst>
+              <p:ext uri="{386F3935-93C4-4BCD-93E2-E3B085C9AB24}">
+                <p16:designElem xmlns:p16="http://schemas.microsoft.com/office/powerpoint/2015/main" val="1"/>
+              </p:ext>
+            </p:extLst>
+          </p:nvPr>
+        </p:nvPicPr>
+        <p:blipFill rotWithShape="1">
+          <a:blip r:embed="rId2">
+            <a:extLst>
+              <a:ext uri="{28A0092B-C50C-407E-A947-70E740481C1C}">
+                <a14:useLocalDpi xmlns:a14="http://schemas.microsoft.com/office/drawing/2010/main" val="0"/>
+              </a:ext>
+            </a:extLst>
+          </a:blip>
+          <a:srcRect t="1538" b="-1538"/>
+          <a:stretch/>
+        </p:blipFill>
+        <p:spPr bwMode="black">
+          <a:xfrm>
+            <a:off x="0" y="6126480"/>
+            <a:ext cx="12192000" cy="742950"/>
+          </a:xfrm>
+          <a:prstGeom prst="rect">
+            <a:avLst/>
+          </a:prstGeom>
+        </p:spPr>
+      </p:pic>
+      <p:cxnSp>
+        <p:nvCxnSpPr>
+          <p:cNvPr id="20" name="Straight Connector 19">
+            <a:extLst>
+              <a:ext uri="{FF2B5EF4-FFF2-40B4-BE49-F238E27FC236}">
+                <a16:creationId xmlns:a16="http://schemas.microsoft.com/office/drawing/2014/main" xmlns="" id="{FE1A49CE-B63D-457A-A180-1C883E1A63D2}"/>
+              </a:ext>
+              <a:ext uri="{C183D7F6-B498-43B3-948B-1728B52AA6E4}">
+                <adec:decorative xmlns:adec="http://schemas.microsoft.com/office/drawing/2017/decorative" xmlns="" val="1"/>
+              </a:ext>
+            </a:extLst>
+          </p:cNvPr>
+          <p:cNvCxnSpPr>
+            <a:cxnSpLocks noGrp="1" noRot="1" noChangeAspect="1" noMove="1" noResize="1" noEditPoints="1" noAdjustHandles="1" noChangeArrowheads="1" noChangeShapeType="1"/>
+          </p:cNvCxnSpPr>
+          <p:nvPr>
+            <p:extLst>
+              <p:ext uri="{386F3935-93C4-4BCD-93E2-E3B085C9AB24}">
+                <p16:designElem xmlns:p16="http://schemas.microsoft.com/office/powerpoint/2015/main" val="1"/>
+              </p:ext>
+            </p:extLst>
+          </p:nvPr>
+        </p:nvCxnSpPr>
+        <p:spPr>
+          <a:xfrm>
+            <a:off x="0" y="6128413"/>
+            <a:ext cx="12192000" cy="0"/>
+          </a:xfrm>
+          <a:prstGeom prst="line">
+            <a:avLst/>
+          </a:prstGeom>
+          <a:ln w="12700">
+            <a:solidFill>
+              <a:srgbClr val="000001">
+                <a:alpha val="20000"/>
+              </a:srgbClr>
+            </a:solidFill>
+          </a:ln>
+        </p:spPr>
+        <p:style>
+          <a:lnRef idx="1">
+            <a:schemeClr val="accent1"/>
+          </a:lnRef>
+          <a:fillRef idx="0">
+            <a:schemeClr val="accent1"/>
+          </a:fillRef>
+          <a:effectRef idx="0">
+            <a:schemeClr val="accent1"/>
+          </a:effectRef>
+          <a:fontRef idx="minor">
+            <a:schemeClr val="tx1"/>
+          </a:fontRef>
+        </p:style>
+      </p:cxnSp>
+      <p:graphicFrame>
+        <p:nvGraphicFramePr>
+          <p:cNvPr id="5" name="Content Placeholder 2">
+            <a:extLst>
+              <a:ext uri="{FF2B5EF4-FFF2-40B4-BE49-F238E27FC236}">
+                <a16:creationId xmlns:a16="http://schemas.microsoft.com/office/drawing/2014/main" xmlns="" id="{F0ADD707-02A4-418E-98EA-33CFDA28BABA}"/>
+              </a:ext>
+            </a:extLst>
+          </p:cNvPr>
+          <p:cNvGraphicFramePr>
+            <a:graphicFrameLocks noGrp="1"/>
+          </p:cNvGraphicFramePr>
+          <p:nvPr>
+            <p:ph idx="1"/>
+            <p:extLst>
+              <p:ext uri="{D42A27DB-BD31-4B8C-83A1-F6EECF244321}">
+                <p14:modId xmlns:p14="http://schemas.microsoft.com/office/powerpoint/2010/main" val="2452618941"/>
+              </p:ext>
+            </p:extLst>
+          </p:nvPr>
+        </p:nvGraphicFramePr>
+        <p:xfrm>
+          <a:off x="5141913" y="803275"/>
+          <a:ext cx="5913437" cy="4637088"/>
+        </p:xfrm>
+        <a:graphic>
+          <a:graphicData uri="http://schemas.openxmlformats.org/drawingml/2006/diagram">
+            <dgm:relIds xmlns:dgm="http://schemas.openxmlformats.org/drawingml/2006/diagram" xmlns:r="http://schemas.openxmlformats.org/officeDocument/2006/relationships" r:dm="rId3" r:lo="rId4" r:qs="rId5" r:cs="rId6"/>
+          </a:graphicData>
+        </a:graphic>
+      </p:graphicFrame>
     </p:spTree>
     <p:extLst>
       <p:ext uri="{BB962C8B-B14F-4D97-AF65-F5344CB8AC3E}">
-        <p14:creationId xmlns:p14="http://schemas.microsoft.com/office/powerpoint/2010/main" val="1294929065"/>
+        <p14:creationId xmlns:p14="http://schemas.microsoft.com/office/powerpoint/2010/main" val="3357216066"/>
       </p:ext>
     </p:extLst>
   </p:cSld>
   <p:clrMapOvr>
     <a:masterClrMapping/>
   </p:clrMapOvr>
-  <p:timing>
-    <p:tnLst>
-      <p:par>
-        <p:cTn id="1" dur="indefinite" restart="never" nodeType="tmRoot"/>
-      </p:par>
-    </p:tnLst>
-  </p:timing>
 </p:sld>
 </file>
 
@@ -5658,7 +12412,7 @@
           <p:cNvPr id="3" name="Straight Connector 11">
             <a:extLst>
               <a:ext uri="{FF2B5EF4-FFF2-40B4-BE49-F238E27FC236}">
-                <a16:creationId xmlns="" xmlns:a16="http://schemas.microsoft.com/office/drawing/2014/main" id="{F9401581-7AB4-425B-9BC3-DB81FBD10012}"/>
+                <a16:creationId xmlns:a16="http://schemas.microsoft.com/office/drawing/2014/main" xmlns="" id="{F9401581-7AB4-425B-9BC3-DB81FBD10012}"/>
               </a:ext>
             </a:extLst>
           </p:cNvPr>
@@ -5689,7 +12443,7 @@
           <p:cNvPr id="5" name="Rectangle 13">
             <a:extLst>
               <a:ext uri="{FF2B5EF4-FFF2-40B4-BE49-F238E27FC236}">
-                <a16:creationId xmlns="" xmlns:a16="http://schemas.microsoft.com/office/drawing/2014/main" id="{3FD82B9E-7E33-479D-A5EC-878B639FF122}"/>
+                <a16:creationId xmlns:a16="http://schemas.microsoft.com/office/drawing/2014/main" xmlns="" id="{3FD82B9E-7E33-479D-A5EC-878B639FF122}"/>
               </a:ext>
             </a:extLst>
           </p:cNvPr>
@@ -5753,7 +12507,7 @@
           <p:cNvPr id="6" name="TextBox 3">
             <a:extLst>
               <a:ext uri="{FF2B5EF4-FFF2-40B4-BE49-F238E27FC236}">
-                <a16:creationId xmlns="" xmlns:a16="http://schemas.microsoft.com/office/drawing/2014/main" id="{E25F79C7-92C6-439F-8486-353EE46C207D}"/>
+                <a16:creationId xmlns:a16="http://schemas.microsoft.com/office/drawing/2014/main" xmlns="" id="{E25F79C7-92C6-439F-8486-353EE46C207D}"/>
               </a:ext>
             </a:extLst>
           </p:cNvPr>
@@ -5818,7 +12572,7 @@
           <p:cNvPr id="11" name="Picture 19">
             <a:extLst>
               <a:ext uri="{FF2B5EF4-FFF2-40B4-BE49-F238E27FC236}">
-                <a16:creationId xmlns="" xmlns:a16="http://schemas.microsoft.com/office/drawing/2014/main" id="{62B382B9-292E-47BE-9C4B-FCA10CD29B82}"/>
+                <a16:creationId xmlns:a16="http://schemas.microsoft.com/office/drawing/2014/main" xmlns="" id="{62B382B9-292E-47BE-9C4B-FCA10CD29B82}"/>
               </a:ext>
             </a:extLst>
           </p:cNvPr>
@@ -5853,7 +12607,7 @@
           <p:cNvPr id="12" name="Straight Connector 21">
             <a:extLst>
               <a:ext uri="{FF2B5EF4-FFF2-40B4-BE49-F238E27FC236}">
-                <a16:creationId xmlns="" xmlns:a16="http://schemas.microsoft.com/office/drawing/2014/main" id="{3EAC13E9-E12C-4916-A060-953E50C0B8B6}"/>
+                <a16:creationId xmlns:a16="http://schemas.microsoft.com/office/drawing/2014/main" xmlns="" id="{3EAC13E9-E12C-4916-A060-953E50C0B8B6}"/>
               </a:ext>
             </a:extLst>
           </p:cNvPr>
@@ -5886,7 +12640,7 @@
           <p:cNvPr id="13" name="TextBox 8">
             <a:extLst>
               <a:ext uri="{FF2B5EF4-FFF2-40B4-BE49-F238E27FC236}">
-                <a16:creationId xmlns="" xmlns:a16="http://schemas.microsoft.com/office/drawing/2014/main" id="{3647030B-605A-4AD0-AEDA-34BDD2CF6269}"/>
+                <a16:creationId xmlns:a16="http://schemas.microsoft.com/office/drawing/2014/main" xmlns="" id="{3647030B-605A-4AD0-AEDA-34BDD2CF6269}"/>
               </a:ext>
             </a:extLst>
           </p:cNvPr>
